--- a/scripts/ch_1_video_2.pptx
+++ b/scripts/ch_1_video_2.pptx
@@ -2,18 +2,19 @@
 <file path=ppt/presentation.xml><?xml version="1.0" encoding="utf-8"?>
 <p:presentation xmlns:a="http://schemas.openxmlformats.org/drawingml/2006/main" xmlns:r="http://schemas.openxmlformats.org/officeDocument/2006/relationships" xmlns:p="http://schemas.openxmlformats.org/presentationml/2006/main">
   <p:sldMasterIdLst>
-    <p:sldMasterId id="2147483648" r:id="rId5"/>
+    <p:sldMasterId id="2147483648" r:id="rId1"/>
   </p:sldMasterIdLst>
   <p:notesMasterIdLst>
-    <p:notesMasterId r:id="rId7"/>
+    <p:notesMasterId r:id="rId9"/>
   </p:notesMasterIdLst>
   <p:sldIdLst>
-    <p:sldId id="256" r:id="rId8"/>
-    <p:sldId id="257" r:id="rId9"/>
-    <p:sldId id="258" r:id="rId10"/>
-    <p:sldId id="259" r:id="rId11"/>
-    <p:sldId id="260" r:id="rId12"/>
-    <p:sldId id="261" r:id="rId13"/>
+    <p:sldId id="256" r:id="rId2"/>
+    <p:sldId id="262" r:id="rId3"/>
+    <p:sldId id="257" r:id="rId4"/>
+    <p:sldId id="258" r:id="rId5"/>
+    <p:sldId id="259" r:id="rId6"/>
+    <p:sldId id="260" r:id="rId7"/>
+    <p:sldId id="261" r:id="rId8"/>
   </p:sldIdLst>
   <p:sldSz cx="24384000" cy="13716000"/>
   <p:notesSz cx="6858000" cy="9144000"/>
@@ -33,7 +34,7 @@
       <a:buFontTx/>
       <a:buNone/>
       <a:tabLst/>
-      <a:defRPr b="0" baseline="0" cap="none" i="0" spc="0" strike="noStrike" sz="1800" u="none" kumimoji="0" normalizeH="0">
+      <a:defRPr kumimoji="0" sz="1800" b="0" i="0" u="none" strike="noStrike" cap="none" spc="0" normalizeH="0" baseline="0">
         <a:ln>
           <a:noFill/>
         </a:ln>
@@ -59,7 +60,7 @@
       <a:buFontTx/>
       <a:buNone/>
       <a:tabLst/>
-      <a:defRPr b="0" baseline="0" cap="none" i="0" spc="0" strike="noStrike" sz="5000" u="none" kumimoji="0" normalizeH="0">
+      <a:defRPr kumimoji="0" sz="5000" b="0" i="0" u="none" strike="noStrike" cap="none" spc="0" normalizeH="0" baseline="0">
         <a:ln>
           <a:noFill/>
         </a:ln>
@@ -89,7 +90,7 @@
       <a:buFontTx/>
       <a:buNone/>
       <a:tabLst/>
-      <a:defRPr b="0" baseline="0" cap="none" i="0" spc="0" strike="noStrike" sz="5000" u="none" kumimoji="0" normalizeH="0">
+      <a:defRPr kumimoji="0" sz="5000" b="0" i="0" u="none" strike="noStrike" cap="none" spc="0" normalizeH="0" baseline="0">
         <a:ln>
           <a:noFill/>
         </a:ln>
@@ -119,7 +120,7 @@
       <a:buFontTx/>
       <a:buNone/>
       <a:tabLst/>
-      <a:defRPr b="0" baseline="0" cap="none" i="0" spc="0" strike="noStrike" sz="5000" u="none" kumimoji="0" normalizeH="0">
+      <a:defRPr kumimoji="0" sz="5000" b="0" i="0" u="none" strike="noStrike" cap="none" spc="0" normalizeH="0" baseline="0">
         <a:ln>
           <a:noFill/>
         </a:ln>
@@ -149,7 +150,7 @@
       <a:buFontTx/>
       <a:buNone/>
       <a:tabLst/>
-      <a:defRPr b="0" baseline="0" cap="none" i="0" spc="0" strike="noStrike" sz="5000" u="none" kumimoji="0" normalizeH="0">
+      <a:defRPr kumimoji="0" sz="5000" b="0" i="0" u="none" strike="noStrike" cap="none" spc="0" normalizeH="0" baseline="0">
         <a:ln>
           <a:noFill/>
         </a:ln>
@@ -179,7 +180,7 @@
       <a:buFontTx/>
       <a:buNone/>
       <a:tabLst/>
-      <a:defRPr b="0" baseline="0" cap="none" i="0" spc="0" strike="noStrike" sz="5000" u="none" kumimoji="0" normalizeH="0">
+      <a:defRPr kumimoji="0" sz="5000" b="0" i="0" u="none" strike="noStrike" cap="none" spc="0" normalizeH="0" baseline="0">
         <a:ln>
           <a:noFill/>
         </a:ln>
@@ -209,7 +210,7 @@
       <a:buFontTx/>
       <a:buNone/>
       <a:tabLst/>
-      <a:defRPr b="0" baseline="0" cap="none" i="0" spc="0" strike="noStrike" sz="5000" u="none" kumimoji="0" normalizeH="0">
+      <a:defRPr kumimoji="0" sz="5000" b="0" i="0" u="none" strike="noStrike" cap="none" spc="0" normalizeH="0" baseline="0">
         <a:ln>
           <a:noFill/>
         </a:ln>
@@ -239,7 +240,7 @@
       <a:buFontTx/>
       <a:buNone/>
       <a:tabLst/>
-      <a:defRPr b="0" baseline="0" cap="none" i="0" spc="0" strike="noStrike" sz="5000" u="none" kumimoji="0" normalizeH="0">
+      <a:defRPr kumimoji="0" sz="5000" b="0" i="0" u="none" strike="noStrike" cap="none" spc="0" normalizeH="0" baseline="0">
         <a:ln>
           <a:noFill/>
         </a:ln>
@@ -269,7 +270,7 @@
       <a:buFontTx/>
       <a:buNone/>
       <a:tabLst/>
-      <a:defRPr b="0" baseline="0" cap="none" i="0" spc="0" strike="noStrike" sz="5000" u="none" kumimoji="0" normalizeH="0">
+      <a:defRPr kumimoji="0" sz="5000" b="0" i="0" u="none" strike="noStrike" cap="none" spc="0" normalizeH="0" baseline="0">
         <a:ln>
           <a:noFill/>
         </a:ln>
@@ -299,7 +300,7 @@
       <a:buFontTx/>
       <a:buNone/>
       <a:tabLst/>
-      <a:defRPr b="0" baseline="0" cap="none" i="0" spc="0" strike="noStrike" sz="5000" u="none" kumimoji="0" normalizeH="0">
+      <a:defRPr kumimoji="0" sz="5000" b="0" i="0" u="none" strike="noStrike" cap="none" spc="0" normalizeH="0" baseline="0">
         <a:ln>
           <a:noFill/>
         </a:ln>
@@ -318,14 +319,12 @@
 </p:presentation>
 </file>
 
-<file path=ppt/commentAuthors.xml><?xml version="1.0" encoding="utf-8"?>
-<p:cmAuthorLst xmlns:a="http://schemas.openxmlformats.org/drawingml/2006/main" xmlns:r="http://schemas.openxmlformats.org/officeDocument/2006/relationships" xmlns:p="http://schemas.openxmlformats.org/presentationml/2006/main"/>
-</file>
-
 <file path=ppt/charts/chart1.xml><?xml version="1.0" encoding="utf-8"?>
 <c:chartSpace xmlns:c="http://schemas.openxmlformats.org/drawingml/2006/chart" xmlns:a="http://schemas.openxmlformats.org/drawingml/2006/main" xmlns:r="http://schemas.openxmlformats.org/officeDocument/2006/relationships">
   <c:date1904 val="1"/>
+  <c:lang val="nl-BE"/>
   <c:roundedCorners val="0"/>
+  <c:style val="2"/>
   <c:chart>
     <c:title>
       <c:tx>
@@ -334,7 +333,7 @@
           <a:lstStyle/>
           <a:p>
             <a:pPr>
-              <a:defRPr b="1" i="0" strike="noStrike" sz="4800" u="none">
+              <a:defRPr sz="4800" b="1" i="0" u="none" strike="noStrike">
                 <a:solidFill>
                   <a:srgbClr val="000000"/>
                 </a:solidFill>
@@ -342,7 +341,7 @@
               </a:defRPr>
             </a:pPr>
             <a:r>
-              <a:rPr b="1" i="0" strike="noStrike" sz="4800" u="none">
+              <a:rPr lang="nl-BE" sz="4800" b="1" i="0" u="none" strike="noStrike">
                 <a:solidFill>
                   <a:srgbClr val="000000"/>
                 </a:solidFill>
@@ -357,7 +356,7 @@
         <c:manualLayout>
           <c:xMode val="edge"/>
           <c:yMode val="edge"/>
-          <c:x val="0.262792"/>
+          <c:x val="0.26279200000000003"/>
           <c:y val="0"/>
           <c:w val="0.474416"/>
           <c:h val="0.148342"/>
@@ -369,17 +368,17 @@
         <a:effectLst/>
       </c:spPr>
     </c:title>
-    <c:autoTitleDeleted val="1"/>
+    <c:autoTitleDeleted val="0"/>
     <c:plotArea>
       <c:layout>
         <c:manualLayout>
           <c:layoutTarget val="inner"/>
           <c:xMode val="edge"/>
           <c:yMode val="edge"/>
-          <c:x val="0.005"/>
+          <c:x val="5.0000000000000001E-3"/>
           <c:y val="0.148342"/>
           <c:w val="0.99"/>
-          <c:h val="0.658058"/>
+          <c:h val="0.65805800000000003"/>
         </c:manualLayout>
       </c:layout>
       <c:pieChart>
@@ -408,24 +407,13 @@
             </a:ln>
             <a:effectLst/>
           </c:spPr>
-          <c:explosion val="0"/>
           <c:dPt>
             <c:idx val="0"/>
-            <c:explosion val="0"/>
-            <c:spPr>
-              <a:solidFill>
-                <a:srgbClr val="4CAAE8"/>
-              </a:solidFill>
-              <a:ln w="12700" cap="flat">
-                <a:noFill/>
-                <a:miter lim="400000"/>
-              </a:ln>
-              <a:effectLst/>
-            </c:spPr>
+            <c:bubble3D val="0"/>
           </c:dPt>
           <c:dPt>
             <c:idx val="1"/>
-            <c:explosion val="0"/>
+            <c:bubble3D val="0"/>
             <c:spPr>
               <a:solidFill>
                 <a:srgbClr val="6C61B0"/>
@@ -437,102 +425,6 @@
               <a:effectLst/>
             </c:spPr>
           </c:dPt>
-          <c:dLbls>
-            <c:dLbl>
-              <c:idx val="0"/>
-              <c:numFmt formatCode="0.##" sourceLinked="0"/>
-              <c:txPr>
-                <a:bodyPr/>
-                <a:lstStyle/>
-                <a:p>
-                  <a:pPr>
-                    <a:defRPr b="0" i="0" strike="noStrike" sz="3600" u="none">
-                      <a:solidFill>
-                        <a:srgbClr val="FFFFFF"/>
-                      </a:solidFill>
-                      <a:effectLst>
-                        <a:outerShdw sx="100000" sy="100000" kx="0" ky="0" algn="tl" rotWithShape="1" blurRad="127000" dist="50800" dir="5400000">
-                          <a:srgbClr val="000000">
-                            <a:alpha val="60000"/>
-                          </a:srgbClr>
-                        </a:outerShdw>
-                      </a:effectLst>
-                      <a:latin typeface="Helvetica Light"/>
-                    </a:defRPr>
-                  </a:pPr>
-                </a:p>
-              </c:txPr>
-              <c:dLblPos val="inEnd"/>
-              <c:showLegendKey val="0"/>
-              <c:showVal val="0"/>
-              <c:showCatName val="0"/>
-              <c:showSerName val="0"/>
-              <c:showPercent val="0"/>
-              <c:showBubbleSize val="0"/>
-            </c:dLbl>
-            <c:dLbl>
-              <c:idx val="1"/>
-              <c:numFmt formatCode="0.#" sourceLinked="0"/>
-              <c:txPr>
-                <a:bodyPr/>
-                <a:lstStyle/>
-                <a:p>
-                  <a:pPr>
-                    <a:defRPr b="0" i="0" strike="noStrike" sz="3600" u="none">
-                      <a:solidFill>
-                        <a:srgbClr val="FFFFFF"/>
-                      </a:solidFill>
-                      <a:effectLst>
-                        <a:outerShdw sx="100000" sy="100000" kx="0" ky="0" algn="tl" rotWithShape="1" blurRad="127000" dist="50800" dir="5400000">
-                          <a:srgbClr val="000000">
-                            <a:alpha val="60000"/>
-                          </a:srgbClr>
-                        </a:outerShdw>
-                      </a:effectLst>
-                      <a:latin typeface="Helvetica Light"/>
-                    </a:defRPr>
-                  </a:pPr>
-                </a:p>
-              </c:txPr>
-              <c:dLblPos val="inEnd"/>
-              <c:showLegendKey val="0"/>
-              <c:showVal val="0"/>
-              <c:showCatName val="0"/>
-              <c:showSerName val="0"/>
-              <c:showPercent val="0"/>
-              <c:showBubbleSize val="0"/>
-            </c:dLbl>
-            <c:numFmt formatCode="0.##" sourceLinked="0"/>
-            <c:txPr>
-              <a:bodyPr/>
-              <a:lstStyle/>
-              <a:p>
-                <a:pPr>
-                  <a:defRPr b="0" i="0" strike="noStrike" sz="3600" u="none">
-                    <a:solidFill>
-                      <a:srgbClr val="FFFFFF"/>
-                    </a:solidFill>
-                    <a:effectLst>
-                      <a:outerShdw sx="100000" sy="100000" kx="0" ky="0" algn="tl" rotWithShape="1" blurRad="127000" dist="50800" dir="5400000">
-                        <a:srgbClr val="000000">
-                          <a:alpha val="60000"/>
-                        </a:srgbClr>
-                      </a:outerShdw>
-                    </a:effectLst>
-                    <a:latin typeface="Helvetica Light"/>
-                  </a:defRPr>
-                </a:pPr>
-              </a:p>
-            </c:txPr>
-            <c:dLblPos val="inEnd"/>
-            <c:showLegendKey val="0"/>
-            <c:showVal val="0"/>
-            <c:showCatName val="0"/>
-            <c:showSerName val="0"/>
-            <c:showPercent val="0"/>
-            <c:showBubbleSize val="0"/>
-            <c:showLeaderLines val="0"/>
-          </c:dLbls>
           <c:cat>
             <c:strRef>
               <c:f>Sheet1!$B$1:$C$1</c:f>
@@ -551,17 +443,27 @@
             <c:numRef>
               <c:f>Sheet1!$B$2:$C$2</c:f>
               <c:numCache>
+                <c:formatCode>General</c:formatCode>
                 <c:ptCount val="2"/>
                 <c:pt idx="0">
-                  <c:v>8.200000</c:v>
+                  <c:v>8.1999999999999993</c:v>
                 </c:pt>
                 <c:pt idx="1">
-                  <c:v>3.200000</c:v>
+                  <c:v>3.2</c:v>
                 </c:pt>
               </c:numCache>
             </c:numRef>
           </c:val>
         </c:ser>
+        <c:dLbls>
+          <c:showLegendKey val="0"/>
+          <c:showVal val="0"/>
+          <c:showCatName val="0"/>
+          <c:showSerName val="0"/>
+          <c:showPercent val="0"/>
+          <c:showBubbleSize val="0"/>
+          <c:showLeaderLines val="0"/>
+        </c:dLbls>
         <c:firstSliceAng val="0"/>
       </c:pieChart>
       <c:spPr>
@@ -579,9 +481,9 @@
         <c:manualLayout>
           <c:xMode val="edge"/>
           <c:yMode val="edge"/>
-          <c:x val="0.199428"/>
-          <c:y val="0.848833"/>
-          <c:w val="0.687709"/>
+          <c:x val="0.19942799999999999"/>
+          <c:y val="0.84883299999999995"/>
+          <c:w val="0.68770900000000001"/>
           <c:h val="0.151167"/>
         </c:manualLayout>
       </c:layout>
@@ -599,18 +501,20 @@
         <a:lstStyle/>
         <a:p>
           <a:pPr>
-            <a:defRPr b="1" i="0" strike="noStrike" sz="3600" u="none">
+            <a:defRPr sz="3600" b="1" i="0" u="none" strike="noStrike">
               <a:solidFill>
                 <a:srgbClr val="000000"/>
               </a:solidFill>
               <a:latin typeface="Helvetica"/>
             </a:defRPr>
           </a:pPr>
+          <a:endParaRPr lang="nl-BE"/>
         </a:p>
       </c:txPr>
     </c:legend>
     <c:plotVisOnly val="1"/>
     <c:dispBlanksAs val="gap"/>
+    <c:showDLblsOverMax val="1"/>
   </c:chart>
   <c:spPr>
     <a:noFill/>
@@ -625,9 +529,3374 @@
 </c:chartSpace>
 </file>
 
+<file path=ppt/charts/chart2.xml><?xml version="1.0" encoding="utf-8"?>
+<c:chartSpace xmlns:c="http://schemas.openxmlformats.org/drawingml/2006/chart" xmlns:a="http://schemas.openxmlformats.org/drawingml/2006/main" xmlns:r="http://schemas.openxmlformats.org/officeDocument/2006/relationships">
+  <c:date1904 val="0"/>
+  <c:lang val="nl-BE"/>
+  <c:roundedCorners val="0"/>
+  <mc:AlternateContent xmlns:mc="http://schemas.openxmlformats.org/markup-compatibility/2006">
+    <mc:Choice xmlns:c14="http://schemas.microsoft.com/office/drawing/2007/8/2/chart" Requires="c14">
+      <c14:style val="102"/>
+    </mc:Choice>
+    <mc:Fallback>
+      <c:style val="2"/>
+    </mc:Fallback>
+  </mc:AlternateContent>
+  <c:chart>
+    <c:autoTitleDeleted val="1"/>
+    <c:plotArea>
+      <c:layout/>
+      <c:pieChart>
+        <c:varyColors val="1"/>
+        <c:ser>
+          <c:idx val="0"/>
+          <c:order val="0"/>
+          <c:tx>
+            <c:strRef>
+              <c:f>Sheet1!$B$1</c:f>
+              <c:strCache>
+                <c:ptCount val="1"/>
+                <c:pt idx="0">
+                  <c:v>Portfolio</c:v>
+                </c:pt>
+              </c:strCache>
+            </c:strRef>
+          </c:tx>
+          <c:cat>
+            <c:strRef>
+              <c:f>Sheet1!$A$2:$A$10</c:f>
+              <c:strCache>
+                <c:ptCount val="2"/>
+                <c:pt idx="0">
+                  <c:v>Company 1</c:v>
+                </c:pt>
+                <c:pt idx="1">
+                  <c:v>Company 2</c:v>
+                </c:pt>
+              </c:strCache>
+            </c:strRef>
+          </c:cat>
+          <c:val>
+            <c:numRef>
+              <c:f>Sheet1!$B$2:$B$10</c:f>
+              <c:numCache>
+                <c:formatCode>General</c:formatCode>
+                <c:ptCount val="9"/>
+                <c:pt idx="0">
+                  <c:v>5</c:v>
+                </c:pt>
+                <c:pt idx="1">
+                  <c:v>5</c:v>
+                </c:pt>
+                <c:pt idx="2">
+                  <c:v>5</c:v>
+                </c:pt>
+                <c:pt idx="3">
+                  <c:v>5</c:v>
+                </c:pt>
+                <c:pt idx="4">
+                  <c:v>5</c:v>
+                </c:pt>
+                <c:pt idx="5">
+                  <c:v>5</c:v>
+                </c:pt>
+                <c:pt idx="6">
+                  <c:v>5</c:v>
+                </c:pt>
+                <c:pt idx="7">
+                  <c:v>5</c:v>
+                </c:pt>
+                <c:pt idx="8">
+                  <c:v>5</c:v>
+                </c:pt>
+              </c:numCache>
+            </c:numRef>
+          </c:val>
+        </c:ser>
+        <c:dLbls>
+          <c:showLegendKey val="0"/>
+          <c:showVal val="0"/>
+          <c:showCatName val="0"/>
+          <c:showSerName val="0"/>
+          <c:showPercent val="0"/>
+          <c:showBubbleSize val="0"/>
+          <c:showLeaderLines val="1"/>
+        </c:dLbls>
+        <c:firstSliceAng val="0"/>
+      </c:pieChart>
+    </c:plotArea>
+    <c:plotVisOnly val="1"/>
+    <c:dispBlanksAs val="gap"/>
+    <c:showDLblsOverMax val="0"/>
+  </c:chart>
+  <c:txPr>
+    <a:bodyPr/>
+    <a:lstStyle/>
+    <a:p>
+      <a:pPr>
+        <a:defRPr sz="1800"/>
+      </a:pPr>
+      <a:endParaRPr lang="nl-BE"/>
+    </a:p>
+  </c:txPr>
+  <c:externalData r:id="rId1">
+    <c:autoUpdate val="0"/>
+  </c:externalData>
+</c:chartSpace>
+</file>
+
+<file path=ppt/charts/chart3.xml><?xml version="1.0" encoding="utf-8"?>
+<c:chartSpace xmlns:c="http://schemas.openxmlformats.org/drawingml/2006/chart" xmlns:a="http://schemas.openxmlformats.org/drawingml/2006/main" xmlns:r="http://schemas.openxmlformats.org/officeDocument/2006/relationships">
+  <c:date1904 val="0"/>
+  <c:lang val="nl-BE"/>
+  <c:roundedCorners val="0"/>
+  <mc:AlternateContent xmlns:mc="http://schemas.openxmlformats.org/markup-compatibility/2006">
+    <mc:Choice xmlns:c14="http://schemas.microsoft.com/office/drawing/2007/8/2/chart" Requires="c14">
+      <c14:style val="102"/>
+    </mc:Choice>
+    <mc:Fallback>
+      <c:style val="2"/>
+    </mc:Fallback>
+  </mc:AlternateContent>
+  <c:chart>
+    <c:autoTitleDeleted val="1"/>
+    <c:plotArea>
+      <c:layout/>
+      <c:pieChart>
+        <c:varyColors val="1"/>
+        <c:ser>
+          <c:idx val="0"/>
+          <c:order val="0"/>
+          <c:tx>
+            <c:strRef>
+              <c:f>Sheet1!$B$1</c:f>
+              <c:strCache>
+                <c:ptCount val="1"/>
+                <c:pt idx="0">
+                  <c:v>Portfolio</c:v>
+                </c:pt>
+              </c:strCache>
+            </c:strRef>
+          </c:tx>
+          <c:cat>
+            <c:strRef>
+              <c:f>Sheet1!$A$2:$A$10</c:f>
+              <c:strCache>
+                <c:ptCount val="2"/>
+                <c:pt idx="0">
+                  <c:v>Company 1</c:v>
+                </c:pt>
+                <c:pt idx="1">
+                  <c:v>Company 2</c:v>
+                </c:pt>
+              </c:strCache>
+            </c:strRef>
+          </c:cat>
+          <c:val>
+            <c:numRef>
+              <c:f>Sheet1!$B$2:$B$10</c:f>
+              <c:numCache>
+                <c:formatCode>General</c:formatCode>
+                <c:ptCount val="9"/>
+                <c:pt idx="0">
+                  <c:v>2</c:v>
+                </c:pt>
+                <c:pt idx="1">
+                  <c:v>3</c:v>
+                </c:pt>
+                <c:pt idx="2">
+                  <c:v>4</c:v>
+                </c:pt>
+                <c:pt idx="3">
+                  <c:v>8</c:v>
+                </c:pt>
+                <c:pt idx="4">
+                  <c:v>11</c:v>
+                </c:pt>
+                <c:pt idx="5">
+                  <c:v>14</c:v>
+                </c:pt>
+                <c:pt idx="6">
+                  <c:v>20</c:v>
+                </c:pt>
+                <c:pt idx="7">
+                  <c:v>30</c:v>
+                </c:pt>
+                <c:pt idx="8">
+                  <c:v>50</c:v>
+                </c:pt>
+              </c:numCache>
+            </c:numRef>
+          </c:val>
+        </c:ser>
+        <c:dLbls>
+          <c:showLegendKey val="0"/>
+          <c:showVal val="0"/>
+          <c:showCatName val="0"/>
+          <c:showSerName val="0"/>
+          <c:showPercent val="0"/>
+          <c:showBubbleSize val="0"/>
+          <c:showLeaderLines val="1"/>
+        </c:dLbls>
+        <c:firstSliceAng val="0"/>
+      </c:pieChart>
+    </c:plotArea>
+    <c:plotVisOnly val="1"/>
+    <c:dispBlanksAs val="gap"/>
+    <c:showDLblsOverMax val="0"/>
+  </c:chart>
+  <c:txPr>
+    <a:bodyPr/>
+    <a:lstStyle/>
+    <a:p>
+      <a:pPr>
+        <a:defRPr sz="1800"/>
+      </a:pPr>
+      <a:endParaRPr lang="nl-BE"/>
+    </a:p>
+  </c:txPr>
+  <c:externalData r:id="rId1">
+    <c:autoUpdate val="0"/>
+  </c:externalData>
+</c:chartSpace>
+</file>
+
+<file path=ppt/charts/chart4.xml><?xml version="1.0" encoding="utf-8"?>
+<c:chartSpace xmlns:c="http://schemas.openxmlformats.org/drawingml/2006/chart" xmlns:a="http://schemas.openxmlformats.org/drawingml/2006/main" xmlns:r="http://schemas.openxmlformats.org/officeDocument/2006/relationships">
+  <c:date1904 val="0"/>
+  <c:lang val="nl-BE"/>
+  <c:roundedCorners val="0"/>
+  <mc:AlternateContent xmlns:mc="http://schemas.openxmlformats.org/markup-compatibility/2006">
+    <mc:Choice xmlns:c14="http://schemas.microsoft.com/office/drawing/2007/8/2/chart" Requires="c14">
+      <c14:style val="102"/>
+    </mc:Choice>
+    <mc:Fallback>
+      <c:style val="2"/>
+    </mc:Fallback>
+  </mc:AlternateContent>
+  <c:chart>
+    <c:autoTitleDeleted val="1"/>
+    <c:plotArea>
+      <c:layout/>
+      <c:pieChart>
+        <c:varyColors val="1"/>
+        <c:ser>
+          <c:idx val="0"/>
+          <c:order val="0"/>
+          <c:tx>
+            <c:strRef>
+              <c:f>Sheet1!$B$1</c:f>
+              <c:strCache>
+                <c:ptCount val="1"/>
+                <c:pt idx="0">
+                  <c:v>Portfolio</c:v>
+                </c:pt>
+              </c:strCache>
+            </c:strRef>
+          </c:tx>
+          <c:explosion val="18"/>
+          <c:dPt>
+            <c:idx val="0"/>
+            <c:bubble3D val="0"/>
+            <c:spPr>
+              <a:solidFill>
+                <a:srgbClr val="FF0000"/>
+              </a:solidFill>
+              <a:ln>
+                <a:solidFill>
+                  <a:srgbClr val="FF0000"/>
+                </a:solidFill>
+              </a:ln>
+            </c:spPr>
+          </c:dPt>
+          <c:cat>
+            <c:strRef>
+              <c:f>Sheet1!$A$2:$A$10</c:f>
+              <c:strCache>
+                <c:ptCount val="2"/>
+                <c:pt idx="0">
+                  <c:v>Company 1</c:v>
+                </c:pt>
+                <c:pt idx="1">
+                  <c:v>Company 2</c:v>
+                </c:pt>
+              </c:strCache>
+            </c:strRef>
+          </c:cat>
+          <c:val>
+            <c:numRef>
+              <c:f>Sheet1!$B$2:$B$10</c:f>
+              <c:numCache>
+                <c:formatCode>General</c:formatCode>
+                <c:ptCount val="9"/>
+                <c:pt idx="0">
+                  <c:v>5</c:v>
+                </c:pt>
+              </c:numCache>
+            </c:numRef>
+          </c:val>
+        </c:ser>
+        <c:dLbls>
+          <c:showLegendKey val="0"/>
+          <c:showVal val="0"/>
+          <c:showCatName val="0"/>
+          <c:showSerName val="0"/>
+          <c:showPercent val="0"/>
+          <c:showBubbleSize val="0"/>
+          <c:showLeaderLines val="1"/>
+        </c:dLbls>
+        <c:firstSliceAng val="0"/>
+      </c:pieChart>
+    </c:plotArea>
+    <c:plotVisOnly val="1"/>
+    <c:dispBlanksAs val="gap"/>
+    <c:showDLblsOverMax val="0"/>
+  </c:chart>
+  <c:txPr>
+    <a:bodyPr/>
+    <a:lstStyle/>
+    <a:p>
+      <a:pPr>
+        <a:defRPr sz="1800"/>
+      </a:pPr>
+      <a:endParaRPr lang="nl-BE"/>
+    </a:p>
+  </c:txPr>
+  <c:externalData r:id="rId1">
+    <c:autoUpdate val="0"/>
+  </c:externalData>
+</c:chartSpace>
+</file>
+
+<file path=ppt/diagrams/colors1.xml><?xml version="1.0" encoding="utf-8"?>
+<dgm:colorsDef xmlns:dgm="http://schemas.openxmlformats.org/drawingml/2006/diagram" xmlns:a="http://schemas.openxmlformats.org/drawingml/2006/main" uniqueId="urn:microsoft.com/office/officeart/2005/8/colors/accent1_2">
+  <dgm:title val=""/>
+  <dgm:desc val=""/>
+  <dgm:catLst>
+    <dgm:cat type="accent1" pri="11200"/>
+  </dgm:catLst>
+  <dgm:styleLbl name="node0">
+    <dgm:fillClrLst meth="repeat">
+      <a:schemeClr val="accent1"/>
+    </dgm:fillClrLst>
+    <dgm:linClrLst meth="repeat">
+      <a:schemeClr val="lt1"/>
+    </dgm:linClrLst>
+    <dgm:effectClrLst/>
+    <dgm:txLinClrLst/>
+    <dgm:txFillClrLst/>
+    <dgm:txEffectClrLst/>
+  </dgm:styleLbl>
+  <dgm:styleLbl name="alignNode1">
+    <dgm:fillClrLst meth="repeat">
+      <a:schemeClr val="accent1"/>
+    </dgm:fillClrLst>
+    <dgm:linClrLst meth="repeat">
+      <a:schemeClr val="accent1"/>
+    </dgm:linClrLst>
+    <dgm:effectClrLst/>
+    <dgm:txLinClrLst/>
+    <dgm:txFillClrLst/>
+    <dgm:txEffectClrLst/>
+  </dgm:styleLbl>
+  <dgm:styleLbl name="node1">
+    <dgm:fillClrLst meth="repeat">
+      <a:schemeClr val="accent1"/>
+    </dgm:fillClrLst>
+    <dgm:linClrLst meth="repeat">
+      <a:schemeClr val="lt1"/>
+    </dgm:linClrLst>
+    <dgm:effectClrLst/>
+    <dgm:txLinClrLst/>
+    <dgm:txFillClrLst/>
+    <dgm:txEffectClrLst/>
+  </dgm:styleLbl>
+  <dgm:styleLbl name="lnNode1">
+    <dgm:fillClrLst meth="repeat">
+      <a:schemeClr val="accent1"/>
+    </dgm:fillClrLst>
+    <dgm:linClrLst meth="repeat">
+      <a:schemeClr val="lt1"/>
+    </dgm:linClrLst>
+    <dgm:effectClrLst/>
+    <dgm:txLinClrLst/>
+    <dgm:txFillClrLst/>
+    <dgm:txEffectClrLst/>
+  </dgm:styleLbl>
+  <dgm:styleLbl name="vennNode1">
+    <dgm:fillClrLst meth="repeat">
+      <a:schemeClr val="accent1">
+        <a:alpha val="50000"/>
+      </a:schemeClr>
+    </dgm:fillClrLst>
+    <dgm:linClrLst meth="repeat">
+      <a:schemeClr val="lt1"/>
+    </dgm:linClrLst>
+    <dgm:effectClrLst/>
+    <dgm:txLinClrLst/>
+    <dgm:txFillClrLst/>
+    <dgm:txEffectClrLst/>
+  </dgm:styleLbl>
+  <dgm:styleLbl name="node2">
+    <dgm:fillClrLst meth="repeat">
+      <a:schemeClr val="accent1"/>
+    </dgm:fillClrLst>
+    <dgm:linClrLst meth="repeat">
+      <a:schemeClr val="lt1"/>
+    </dgm:linClrLst>
+    <dgm:effectClrLst/>
+    <dgm:txLinClrLst/>
+    <dgm:txFillClrLst/>
+    <dgm:txEffectClrLst/>
+  </dgm:styleLbl>
+  <dgm:styleLbl name="node3">
+    <dgm:fillClrLst meth="repeat">
+      <a:schemeClr val="accent1"/>
+    </dgm:fillClrLst>
+    <dgm:linClrLst meth="repeat">
+      <a:schemeClr val="lt1"/>
+    </dgm:linClrLst>
+    <dgm:effectClrLst/>
+    <dgm:txLinClrLst/>
+    <dgm:txFillClrLst/>
+    <dgm:txEffectClrLst/>
+  </dgm:styleLbl>
+  <dgm:styleLbl name="node4">
+    <dgm:fillClrLst meth="repeat">
+      <a:schemeClr val="accent1"/>
+    </dgm:fillClrLst>
+    <dgm:linClrLst meth="repeat">
+      <a:schemeClr val="lt1"/>
+    </dgm:linClrLst>
+    <dgm:effectClrLst/>
+    <dgm:txLinClrLst/>
+    <dgm:txFillClrLst/>
+    <dgm:txEffectClrLst/>
+  </dgm:styleLbl>
+  <dgm:styleLbl name="fgImgPlace1">
+    <dgm:fillClrLst meth="repeat">
+      <a:schemeClr val="accent1">
+        <a:tint val="50000"/>
+      </a:schemeClr>
+    </dgm:fillClrLst>
+    <dgm:linClrLst meth="repeat">
+      <a:schemeClr val="lt1"/>
+    </dgm:linClrLst>
+    <dgm:effectClrLst/>
+    <dgm:txLinClrLst/>
+    <dgm:txFillClrLst meth="repeat">
+      <a:schemeClr val="lt1"/>
+    </dgm:txFillClrLst>
+    <dgm:txEffectClrLst/>
+  </dgm:styleLbl>
+  <dgm:styleLbl name="alignImgPlace1">
+    <dgm:fillClrLst meth="repeat">
+      <a:schemeClr val="accent1">
+        <a:tint val="50000"/>
+      </a:schemeClr>
+    </dgm:fillClrLst>
+    <dgm:linClrLst meth="repeat">
+      <a:schemeClr val="lt1"/>
+    </dgm:linClrLst>
+    <dgm:effectClrLst/>
+    <dgm:txLinClrLst/>
+    <dgm:txFillClrLst meth="repeat">
+      <a:schemeClr val="lt1"/>
+    </dgm:txFillClrLst>
+    <dgm:txEffectClrLst/>
+  </dgm:styleLbl>
+  <dgm:styleLbl name="bgImgPlace1">
+    <dgm:fillClrLst meth="repeat">
+      <a:schemeClr val="accent1">
+        <a:tint val="50000"/>
+      </a:schemeClr>
+    </dgm:fillClrLst>
+    <dgm:linClrLst meth="repeat">
+      <a:schemeClr val="lt1"/>
+    </dgm:linClrLst>
+    <dgm:effectClrLst/>
+    <dgm:txLinClrLst/>
+    <dgm:txFillClrLst meth="repeat">
+      <a:schemeClr val="lt1"/>
+    </dgm:txFillClrLst>
+    <dgm:txEffectClrLst/>
+  </dgm:styleLbl>
+  <dgm:styleLbl name="sibTrans2D1">
+    <dgm:fillClrLst meth="repeat">
+      <a:schemeClr val="accent1">
+        <a:tint val="60000"/>
+      </a:schemeClr>
+    </dgm:fillClrLst>
+    <dgm:linClrLst meth="repeat">
+      <a:schemeClr val="accent1">
+        <a:tint val="60000"/>
+      </a:schemeClr>
+    </dgm:linClrLst>
+    <dgm:effectClrLst/>
+    <dgm:txLinClrLst/>
+    <dgm:txFillClrLst/>
+    <dgm:txEffectClrLst/>
+  </dgm:styleLbl>
+  <dgm:styleLbl name="fgSibTrans2D1">
+    <dgm:fillClrLst meth="repeat">
+      <a:schemeClr val="accent1">
+        <a:tint val="60000"/>
+      </a:schemeClr>
+    </dgm:fillClrLst>
+    <dgm:linClrLst meth="repeat">
+      <a:schemeClr val="accent1">
+        <a:tint val="60000"/>
+      </a:schemeClr>
+    </dgm:linClrLst>
+    <dgm:effectClrLst/>
+    <dgm:txLinClrLst/>
+    <dgm:txFillClrLst/>
+    <dgm:txEffectClrLst/>
+  </dgm:styleLbl>
+  <dgm:styleLbl name="bgSibTrans2D1">
+    <dgm:fillClrLst meth="repeat">
+      <a:schemeClr val="accent1">
+        <a:tint val="60000"/>
+      </a:schemeClr>
+    </dgm:fillClrLst>
+    <dgm:linClrLst meth="repeat">
+      <a:schemeClr val="accent1">
+        <a:tint val="60000"/>
+      </a:schemeClr>
+    </dgm:linClrLst>
+    <dgm:effectClrLst/>
+    <dgm:txLinClrLst/>
+    <dgm:txFillClrLst/>
+    <dgm:txEffectClrLst/>
+  </dgm:styleLbl>
+  <dgm:styleLbl name="sibTrans1D1">
+    <dgm:fillClrLst meth="repeat">
+      <a:schemeClr val="accent1"/>
+    </dgm:fillClrLst>
+    <dgm:linClrLst meth="repeat">
+      <a:schemeClr val="accent1"/>
+    </dgm:linClrLst>
+    <dgm:effectClrLst/>
+    <dgm:txLinClrLst/>
+    <dgm:txFillClrLst meth="repeat">
+      <a:schemeClr val="tx1"/>
+    </dgm:txFillClrLst>
+    <dgm:txEffectClrLst/>
+  </dgm:styleLbl>
+  <dgm:styleLbl name="callout">
+    <dgm:fillClrLst meth="repeat">
+      <a:schemeClr val="accent1"/>
+    </dgm:fillClrLst>
+    <dgm:linClrLst meth="repeat">
+      <a:schemeClr val="accent1">
+        <a:tint val="50000"/>
+      </a:schemeClr>
+    </dgm:linClrLst>
+    <dgm:effectClrLst/>
+    <dgm:txLinClrLst/>
+    <dgm:txFillClrLst meth="repeat">
+      <a:schemeClr val="tx1"/>
+    </dgm:txFillClrLst>
+    <dgm:txEffectClrLst/>
+  </dgm:styleLbl>
+  <dgm:styleLbl name="asst0">
+    <dgm:fillClrLst meth="repeat">
+      <a:schemeClr val="accent1"/>
+    </dgm:fillClrLst>
+    <dgm:linClrLst meth="repeat">
+      <a:schemeClr val="lt1"/>
+    </dgm:linClrLst>
+    <dgm:effectClrLst/>
+    <dgm:txLinClrLst/>
+    <dgm:txFillClrLst/>
+    <dgm:txEffectClrLst/>
+  </dgm:styleLbl>
+  <dgm:styleLbl name="asst1">
+    <dgm:fillClrLst meth="repeat">
+      <a:schemeClr val="accent1"/>
+    </dgm:fillClrLst>
+    <dgm:linClrLst meth="repeat">
+      <a:schemeClr val="lt1"/>
+    </dgm:linClrLst>
+    <dgm:effectClrLst/>
+    <dgm:txLinClrLst/>
+    <dgm:txFillClrLst/>
+    <dgm:txEffectClrLst/>
+  </dgm:styleLbl>
+  <dgm:styleLbl name="asst2">
+    <dgm:fillClrLst meth="repeat">
+      <a:schemeClr val="accent1"/>
+    </dgm:fillClrLst>
+    <dgm:linClrLst meth="repeat">
+      <a:schemeClr val="lt1"/>
+    </dgm:linClrLst>
+    <dgm:effectClrLst/>
+    <dgm:txLinClrLst/>
+    <dgm:txFillClrLst/>
+    <dgm:txEffectClrLst/>
+  </dgm:styleLbl>
+  <dgm:styleLbl name="asst3">
+    <dgm:fillClrLst meth="repeat">
+      <a:schemeClr val="accent1"/>
+    </dgm:fillClrLst>
+    <dgm:linClrLst meth="repeat">
+      <a:schemeClr val="lt1"/>
+    </dgm:linClrLst>
+    <dgm:effectClrLst/>
+    <dgm:txLinClrLst/>
+    <dgm:txFillClrLst/>
+    <dgm:txEffectClrLst/>
+  </dgm:styleLbl>
+  <dgm:styleLbl name="asst4">
+    <dgm:fillClrLst meth="repeat">
+      <a:schemeClr val="accent1"/>
+    </dgm:fillClrLst>
+    <dgm:linClrLst meth="repeat">
+      <a:schemeClr val="lt1"/>
+    </dgm:linClrLst>
+    <dgm:effectClrLst/>
+    <dgm:txLinClrLst/>
+    <dgm:txFillClrLst/>
+    <dgm:txEffectClrLst/>
+  </dgm:styleLbl>
+  <dgm:styleLbl name="parChTrans2D1">
+    <dgm:fillClrLst meth="repeat">
+      <a:schemeClr val="accent1">
+        <a:tint val="60000"/>
+      </a:schemeClr>
+    </dgm:fillClrLst>
+    <dgm:linClrLst meth="repeat">
+      <a:schemeClr val="accent1">
+        <a:tint val="60000"/>
+      </a:schemeClr>
+    </dgm:linClrLst>
+    <dgm:effectClrLst/>
+    <dgm:txLinClrLst/>
+    <dgm:txFillClrLst meth="repeat">
+      <a:schemeClr val="lt1"/>
+    </dgm:txFillClrLst>
+    <dgm:txEffectClrLst/>
+  </dgm:styleLbl>
+  <dgm:styleLbl name="parChTrans2D2">
+    <dgm:fillClrLst meth="repeat">
+      <a:schemeClr val="accent1"/>
+    </dgm:fillClrLst>
+    <dgm:linClrLst meth="repeat">
+      <a:schemeClr val="accent1"/>
+    </dgm:linClrLst>
+    <dgm:effectClrLst/>
+    <dgm:txLinClrLst/>
+    <dgm:txFillClrLst meth="repeat">
+      <a:schemeClr val="lt1"/>
+    </dgm:txFillClrLst>
+    <dgm:txEffectClrLst/>
+  </dgm:styleLbl>
+  <dgm:styleLbl name="parChTrans2D3">
+    <dgm:fillClrLst meth="repeat">
+      <a:schemeClr val="accent1"/>
+    </dgm:fillClrLst>
+    <dgm:linClrLst meth="repeat">
+      <a:schemeClr val="accent1"/>
+    </dgm:linClrLst>
+    <dgm:effectClrLst/>
+    <dgm:txLinClrLst/>
+    <dgm:txFillClrLst meth="repeat">
+      <a:schemeClr val="lt1"/>
+    </dgm:txFillClrLst>
+    <dgm:txEffectClrLst/>
+  </dgm:styleLbl>
+  <dgm:styleLbl name="parChTrans2D4">
+    <dgm:fillClrLst meth="repeat">
+      <a:schemeClr val="accent1"/>
+    </dgm:fillClrLst>
+    <dgm:linClrLst meth="repeat">
+      <a:schemeClr val="accent1"/>
+    </dgm:linClrLst>
+    <dgm:effectClrLst/>
+    <dgm:txLinClrLst/>
+    <dgm:txFillClrLst meth="repeat">
+      <a:schemeClr val="lt1"/>
+    </dgm:txFillClrLst>
+    <dgm:txEffectClrLst/>
+  </dgm:styleLbl>
+  <dgm:styleLbl name="parChTrans1D1">
+    <dgm:fillClrLst meth="repeat">
+      <a:schemeClr val="accent1"/>
+    </dgm:fillClrLst>
+    <dgm:linClrLst meth="repeat">
+      <a:schemeClr val="accent1">
+        <a:shade val="60000"/>
+      </a:schemeClr>
+    </dgm:linClrLst>
+    <dgm:effectClrLst/>
+    <dgm:txLinClrLst/>
+    <dgm:txFillClrLst meth="repeat">
+      <a:schemeClr val="tx1"/>
+    </dgm:txFillClrLst>
+    <dgm:txEffectClrLst/>
+  </dgm:styleLbl>
+  <dgm:styleLbl name="parChTrans1D2">
+    <dgm:fillClrLst meth="repeat">
+      <a:schemeClr val="accent1"/>
+    </dgm:fillClrLst>
+    <dgm:linClrLst meth="repeat">
+      <a:schemeClr val="accent1">
+        <a:shade val="60000"/>
+      </a:schemeClr>
+    </dgm:linClrLst>
+    <dgm:effectClrLst/>
+    <dgm:txLinClrLst/>
+    <dgm:txFillClrLst meth="repeat">
+      <a:schemeClr val="tx1"/>
+    </dgm:txFillClrLst>
+    <dgm:txEffectClrLst/>
+  </dgm:styleLbl>
+  <dgm:styleLbl name="parChTrans1D3">
+    <dgm:fillClrLst meth="repeat">
+      <a:schemeClr val="accent1"/>
+    </dgm:fillClrLst>
+    <dgm:linClrLst meth="repeat">
+      <a:schemeClr val="accent1">
+        <a:shade val="80000"/>
+      </a:schemeClr>
+    </dgm:linClrLst>
+    <dgm:effectClrLst/>
+    <dgm:txLinClrLst/>
+    <dgm:txFillClrLst meth="repeat">
+      <a:schemeClr val="tx1"/>
+    </dgm:txFillClrLst>
+    <dgm:txEffectClrLst/>
+  </dgm:styleLbl>
+  <dgm:styleLbl name="parChTrans1D4">
+    <dgm:fillClrLst meth="repeat">
+      <a:schemeClr val="accent1"/>
+    </dgm:fillClrLst>
+    <dgm:linClrLst meth="repeat">
+      <a:schemeClr val="accent1">
+        <a:shade val="80000"/>
+      </a:schemeClr>
+    </dgm:linClrLst>
+    <dgm:effectClrLst/>
+    <dgm:txLinClrLst/>
+    <dgm:txFillClrLst meth="repeat">
+      <a:schemeClr val="tx1"/>
+    </dgm:txFillClrLst>
+    <dgm:txEffectClrLst/>
+  </dgm:styleLbl>
+  <dgm:styleLbl name="fgAcc1">
+    <dgm:fillClrLst meth="repeat">
+      <a:schemeClr val="lt1">
+        <a:alpha val="90000"/>
+      </a:schemeClr>
+    </dgm:fillClrLst>
+    <dgm:linClrLst meth="repeat">
+      <a:schemeClr val="accent1"/>
+    </dgm:linClrLst>
+    <dgm:effectClrLst/>
+    <dgm:txLinClrLst/>
+    <dgm:txFillClrLst meth="repeat">
+      <a:schemeClr val="dk1"/>
+    </dgm:txFillClrLst>
+    <dgm:txEffectClrLst/>
+  </dgm:styleLbl>
+  <dgm:styleLbl name="conFgAcc1">
+    <dgm:fillClrLst meth="repeat">
+      <a:schemeClr val="lt1">
+        <a:alpha val="90000"/>
+      </a:schemeClr>
+    </dgm:fillClrLst>
+    <dgm:linClrLst meth="repeat">
+      <a:schemeClr val="accent1"/>
+    </dgm:linClrLst>
+    <dgm:effectClrLst/>
+    <dgm:txLinClrLst/>
+    <dgm:txFillClrLst meth="repeat">
+      <a:schemeClr val="dk1"/>
+    </dgm:txFillClrLst>
+    <dgm:txEffectClrLst/>
+  </dgm:styleLbl>
+  <dgm:styleLbl name="alignAcc1">
+    <dgm:fillClrLst meth="repeat">
+      <a:schemeClr val="lt1">
+        <a:alpha val="90000"/>
+      </a:schemeClr>
+    </dgm:fillClrLst>
+    <dgm:linClrLst meth="repeat">
+      <a:schemeClr val="accent1"/>
+    </dgm:linClrLst>
+    <dgm:effectClrLst/>
+    <dgm:txLinClrLst/>
+    <dgm:txFillClrLst meth="repeat">
+      <a:schemeClr val="dk1"/>
+    </dgm:txFillClrLst>
+    <dgm:txEffectClrLst/>
+  </dgm:styleLbl>
+  <dgm:styleLbl name="trAlignAcc1">
+    <dgm:fillClrLst meth="repeat">
+      <a:schemeClr val="lt1">
+        <a:alpha val="40000"/>
+      </a:schemeClr>
+    </dgm:fillClrLst>
+    <dgm:linClrLst meth="repeat">
+      <a:schemeClr val="accent1"/>
+    </dgm:linClrLst>
+    <dgm:effectClrLst/>
+    <dgm:txLinClrLst/>
+    <dgm:txFillClrLst meth="repeat">
+      <a:schemeClr val="dk1"/>
+    </dgm:txFillClrLst>
+    <dgm:txEffectClrLst/>
+  </dgm:styleLbl>
+  <dgm:styleLbl name="bgAcc1">
+    <dgm:fillClrLst meth="repeat">
+      <a:schemeClr val="lt1">
+        <a:alpha val="90000"/>
+      </a:schemeClr>
+    </dgm:fillClrLst>
+    <dgm:linClrLst meth="repeat">
+      <a:schemeClr val="accent1"/>
+    </dgm:linClrLst>
+    <dgm:effectClrLst/>
+    <dgm:txLinClrLst/>
+    <dgm:txFillClrLst meth="repeat">
+      <a:schemeClr val="dk1"/>
+    </dgm:txFillClrLst>
+    <dgm:txEffectClrLst/>
+  </dgm:styleLbl>
+  <dgm:styleLbl name="solidFgAcc1">
+    <dgm:fillClrLst meth="repeat">
+      <a:schemeClr val="lt1"/>
+    </dgm:fillClrLst>
+    <dgm:linClrLst meth="repeat">
+      <a:schemeClr val="accent1"/>
+    </dgm:linClrLst>
+    <dgm:effectClrLst/>
+    <dgm:txLinClrLst/>
+    <dgm:txFillClrLst meth="repeat">
+      <a:schemeClr val="dk1"/>
+    </dgm:txFillClrLst>
+    <dgm:txEffectClrLst/>
+  </dgm:styleLbl>
+  <dgm:styleLbl name="solidAlignAcc1">
+    <dgm:fillClrLst meth="repeat">
+      <a:schemeClr val="lt1"/>
+    </dgm:fillClrLst>
+    <dgm:linClrLst meth="repeat">
+      <a:schemeClr val="accent1"/>
+    </dgm:linClrLst>
+    <dgm:effectClrLst/>
+    <dgm:txLinClrLst/>
+    <dgm:txFillClrLst meth="repeat">
+      <a:schemeClr val="dk1"/>
+    </dgm:txFillClrLst>
+    <dgm:txEffectClrLst/>
+  </dgm:styleLbl>
+  <dgm:styleLbl name="solidBgAcc1">
+    <dgm:fillClrLst meth="repeat">
+      <a:schemeClr val="lt1"/>
+    </dgm:fillClrLst>
+    <dgm:linClrLst meth="repeat">
+      <a:schemeClr val="accent1"/>
+    </dgm:linClrLst>
+    <dgm:effectClrLst/>
+    <dgm:txLinClrLst/>
+    <dgm:txFillClrLst meth="repeat">
+      <a:schemeClr val="dk1"/>
+    </dgm:txFillClrLst>
+    <dgm:txEffectClrLst/>
+  </dgm:styleLbl>
+  <dgm:styleLbl name="fgAccFollowNode1">
+    <dgm:fillClrLst meth="repeat">
+      <a:schemeClr val="accent1">
+        <a:alpha val="90000"/>
+        <a:tint val="40000"/>
+      </a:schemeClr>
+    </dgm:fillClrLst>
+    <dgm:linClrLst meth="repeat">
+      <a:schemeClr val="accent1">
+        <a:alpha val="90000"/>
+        <a:tint val="40000"/>
+      </a:schemeClr>
+    </dgm:linClrLst>
+    <dgm:effectClrLst/>
+    <dgm:txLinClrLst/>
+    <dgm:txFillClrLst meth="repeat">
+      <a:schemeClr val="dk1"/>
+    </dgm:txFillClrLst>
+    <dgm:txEffectClrLst/>
+  </dgm:styleLbl>
+  <dgm:styleLbl name="alignAccFollowNode1">
+    <dgm:fillClrLst meth="repeat">
+      <a:schemeClr val="accent1">
+        <a:alpha val="90000"/>
+        <a:tint val="40000"/>
+      </a:schemeClr>
+    </dgm:fillClrLst>
+    <dgm:linClrLst meth="repeat">
+      <a:schemeClr val="accent1">
+        <a:alpha val="90000"/>
+        <a:tint val="40000"/>
+      </a:schemeClr>
+    </dgm:linClrLst>
+    <dgm:effectClrLst/>
+    <dgm:txLinClrLst/>
+    <dgm:txFillClrLst meth="repeat">
+      <a:schemeClr val="dk1"/>
+    </dgm:txFillClrLst>
+    <dgm:txEffectClrLst/>
+  </dgm:styleLbl>
+  <dgm:styleLbl name="bgAccFollowNode1">
+    <dgm:fillClrLst meth="repeat">
+      <a:schemeClr val="accent1">
+        <a:alpha val="90000"/>
+        <a:tint val="40000"/>
+      </a:schemeClr>
+    </dgm:fillClrLst>
+    <dgm:linClrLst meth="repeat">
+      <a:schemeClr val="accent1">
+        <a:alpha val="90000"/>
+        <a:tint val="40000"/>
+      </a:schemeClr>
+    </dgm:linClrLst>
+    <dgm:effectClrLst/>
+    <dgm:txLinClrLst/>
+    <dgm:txFillClrLst meth="repeat">
+      <a:schemeClr val="dk1"/>
+    </dgm:txFillClrLst>
+    <dgm:txEffectClrLst/>
+  </dgm:styleLbl>
+  <dgm:styleLbl name="fgAcc0">
+    <dgm:fillClrLst meth="repeat">
+      <a:schemeClr val="lt1">
+        <a:alpha val="90000"/>
+      </a:schemeClr>
+    </dgm:fillClrLst>
+    <dgm:linClrLst meth="repeat">
+      <a:schemeClr val="accent1"/>
+    </dgm:linClrLst>
+    <dgm:effectClrLst/>
+    <dgm:txLinClrLst/>
+    <dgm:txFillClrLst meth="repeat">
+      <a:schemeClr val="dk1"/>
+    </dgm:txFillClrLst>
+    <dgm:txEffectClrLst/>
+  </dgm:styleLbl>
+  <dgm:styleLbl name="fgAcc2">
+    <dgm:fillClrLst meth="repeat">
+      <a:schemeClr val="lt1">
+        <a:alpha val="90000"/>
+      </a:schemeClr>
+    </dgm:fillClrLst>
+    <dgm:linClrLst meth="repeat">
+      <a:schemeClr val="accent1"/>
+    </dgm:linClrLst>
+    <dgm:effectClrLst/>
+    <dgm:txLinClrLst/>
+    <dgm:txFillClrLst meth="repeat">
+      <a:schemeClr val="dk1"/>
+    </dgm:txFillClrLst>
+    <dgm:txEffectClrLst/>
+  </dgm:styleLbl>
+  <dgm:styleLbl name="fgAcc3">
+    <dgm:fillClrLst meth="repeat">
+      <a:schemeClr val="lt1">
+        <a:alpha val="90000"/>
+      </a:schemeClr>
+    </dgm:fillClrLst>
+    <dgm:linClrLst meth="repeat">
+      <a:schemeClr val="accent1"/>
+    </dgm:linClrLst>
+    <dgm:effectClrLst/>
+    <dgm:txLinClrLst/>
+    <dgm:txFillClrLst meth="repeat">
+      <a:schemeClr val="dk1"/>
+    </dgm:txFillClrLst>
+    <dgm:txEffectClrLst/>
+  </dgm:styleLbl>
+  <dgm:styleLbl name="fgAcc4">
+    <dgm:fillClrLst meth="repeat">
+      <a:schemeClr val="lt1">
+        <a:alpha val="90000"/>
+      </a:schemeClr>
+    </dgm:fillClrLst>
+    <dgm:linClrLst meth="repeat">
+      <a:schemeClr val="accent1"/>
+    </dgm:linClrLst>
+    <dgm:effectClrLst/>
+    <dgm:txLinClrLst/>
+    <dgm:txFillClrLst meth="repeat">
+      <a:schemeClr val="dk1"/>
+    </dgm:txFillClrLst>
+    <dgm:txEffectClrLst/>
+  </dgm:styleLbl>
+  <dgm:styleLbl name="bgShp">
+    <dgm:fillClrLst meth="repeat">
+      <a:schemeClr val="accent1">
+        <a:tint val="40000"/>
+      </a:schemeClr>
+    </dgm:fillClrLst>
+    <dgm:linClrLst meth="repeat">
+      <a:schemeClr val="accent1"/>
+    </dgm:linClrLst>
+    <dgm:effectClrLst/>
+    <dgm:txLinClrLst/>
+    <dgm:txFillClrLst meth="repeat">
+      <a:schemeClr val="dk1"/>
+    </dgm:txFillClrLst>
+    <dgm:txEffectClrLst/>
+  </dgm:styleLbl>
+  <dgm:styleLbl name="dkBgShp">
+    <dgm:fillClrLst meth="repeat">
+      <a:schemeClr val="accent1">
+        <a:shade val="80000"/>
+      </a:schemeClr>
+    </dgm:fillClrLst>
+    <dgm:linClrLst meth="repeat">
+      <a:schemeClr val="accent1"/>
+    </dgm:linClrLst>
+    <dgm:effectClrLst/>
+    <dgm:txLinClrLst/>
+    <dgm:txFillClrLst meth="repeat">
+      <a:schemeClr val="lt1"/>
+    </dgm:txFillClrLst>
+    <dgm:txEffectClrLst/>
+  </dgm:styleLbl>
+  <dgm:styleLbl name="trBgShp">
+    <dgm:fillClrLst meth="repeat">
+      <a:schemeClr val="accent1">
+        <a:tint val="50000"/>
+        <a:alpha val="40000"/>
+      </a:schemeClr>
+    </dgm:fillClrLst>
+    <dgm:linClrLst meth="repeat">
+      <a:schemeClr val="accent1"/>
+    </dgm:linClrLst>
+    <dgm:effectClrLst/>
+    <dgm:txLinClrLst/>
+    <dgm:txFillClrLst meth="repeat">
+      <a:schemeClr val="lt1"/>
+    </dgm:txFillClrLst>
+    <dgm:txEffectClrLst/>
+  </dgm:styleLbl>
+  <dgm:styleLbl name="fgShp">
+    <dgm:fillClrLst meth="repeat">
+      <a:schemeClr val="accent1">
+        <a:tint val="60000"/>
+      </a:schemeClr>
+    </dgm:fillClrLst>
+    <dgm:linClrLst meth="repeat">
+      <a:schemeClr val="lt1"/>
+    </dgm:linClrLst>
+    <dgm:effectClrLst/>
+    <dgm:txLinClrLst/>
+    <dgm:txFillClrLst meth="repeat">
+      <a:schemeClr val="dk1"/>
+    </dgm:txFillClrLst>
+    <dgm:txEffectClrLst/>
+  </dgm:styleLbl>
+  <dgm:styleLbl name="revTx">
+    <dgm:fillClrLst meth="repeat">
+      <a:schemeClr val="lt1">
+        <a:alpha val="0"/>
+      </a:schemeClr>
+    </dgm:fillClrLst>
+    <dgm:linClrLst meth="repeat">
+      <a:schemeClr val="dk1">
+        <a:alpha val="0"/>
+      </a:schemeClr>
+    </dgm:linClrLst>
+    <dgm:effectClrLst/>
+    <dgm:txLinClrLst/>
+    <dgm:txFillClrLst meth="repeat">
+      <a:schemeClr val="tx1"/>
+    </dgm:txFillClrLst>
+    <dgm:txEffectClrLst/>
+  </dgm:styleLbl>
+</dgm:colorsDef>
+</file>
+
+<file path=ppt/diagrams/data1.xml><?xml version="1.0" encoding="utf-8"?>
+<dgm:dataModel xmlns:dgm="http://schemas.openxmlformats.org/drawingml/2006/diagram" xmlns:a="http://schemas.openxmlformats.org/drawingml/2006/main">
+  <dgm:ptLst>
+    <dgm:pt modelId="{C5AD7A7C-A8A3-4968-9F22-8F961D8BC120}" type="doc">
+      <dgm:prSet loTypeId="urn:microsoft.com/office/officeart/2005/8/layout/matrix1" loCatId="matrix" qsTypeId="urn:microsoft.com/office/officeart/2005/8/quickstyle/simple1" qsCatId="simple" csTypeId="urn:microsoft.com/office/officeart/2005/8/colors/accent1_2" csCatId="accent1" phldr="1"/>
+      <dgm:spPr/>
+      <dgm:t>
+        <a:bodyPr/>
+        <a:lstStyle/>
+        <a:p>
+          <a:endParaRPr lang="nl-BE"/>
+        </a:p>
+      </dgm:t>
+    </dgm:pt>
+    <dgm:pt modelId="{56806FCC-DFA7-4929-B912-4E9E0A178CB7}">
+      <dgm:prSet phldrT="[Text]"/>
+      <dgm:spPr/>
+      <dgm:t>
+        <a:bodyPr/>
+        <a:lstStyle/>
+        <a:p>
+          <a:r>
+            <a:rPr lang="nl-BE" dirty="0" smtClean="0"/>
+            <a:t>Allocation strategies</a:t>
+          </a:r>
+          <a:endParaRPr lang="nl-BE" dirty="0"/>
+        </a:p>
+      </dgm:t>
+    </dgm:pt>
+    <dgm:pt modelId="{4C0893A2-BD55-4C78-A7A5-6C0E62138072}" type="parTrans" cxnId="{DB38C74A-1B59-49E6-BD9F-FA5FD6032190}">
+      <dgm:prSet/>
+      <dgm:spPr/>
+      <dgm:t>
+        <a:bodyPr/>
+        <a:lstStyle/>
+        <a:p>
+          <a:endParaRPr lang="nl-BE"/>
+        </a:p>
+      </dgm:t>
+    </dgm:pt>
+    <dgm:pt modelId="{8C42B916-79AE-442D-A0C8-4230E660CD33}" type="sibTrans" cxnId="{DB38C74A-1B59-49E6-BD9F-FA5FD6032190}">
+      <dgm:prSet/>
+      <dgm:spPr/>
+      <dgm:t>
+        <a:bodyPr/>
+        <a:lstStyle/>
+        <a:p>
+          <a:endParaRPr lang="nl-BE"/>
+        </a:p>
+      </dgm:t>
+    </dgm:pt>
+    <dgm:pt modelId="{1768641C-6EA8-4818-B2B3-ED0889D6391E}">
+      <dgm:prSet phldrT="[Text]"/>
+      <dgm:spPr/>
+      <dgm:t>
+        <a:bodyPr/>
+        <a:lstStyle/>
+        <a:p>
+          <a:r>
+            <a:rPr lang="nl-BE" dirty="0" smtClean="0"/>
+            <a:t>Optimize mean and variance </a:t>
+          </a:r>
+        </a:p>
+        <a:p>
+          <a:r>
+            <a:rPr lang="nl-BE" dirty="0" smtClean="0"/>
+            <a:t>(Ch. 4)</a:t>
+          </a:r>
+          <a:endParaRPr lang="nl-BE" dirty="0"/>
+        </a:p>
+      </dgm:t>
+    </dgm:pt>
+    <dgm:pt modelId="{66417FF8-D999-4D1D-8BC5-E248991550A7}" type="parTrans" cxnId="{77BB2BEC-E679-486E-BE37-123DEB032F77}">
+      <dgm:prSet/>
+      <dgm:spPr/>
+      <dgm:t>
+        <a:bodyPr/>
+        <a:lstStyle/>
+        <a:p>
+          <a:endParaRPr lang="nl-BE"/>
+        </a:p>
+      </dgm:t>
+    </dgm:pt>
+    <dgm:pt modelId="{0A68F187-A76D-4EB7-8DB5-455A9BBFBCD7}" type="sibTrans" cxnId="{77BB2BEC-E679-486E-BE37-123DEB032F77}">
+      <dgm:prSet/>
+      <dgm:spPr/>
+      <dgm:t>
+        <a:bodyPr/>
+        <a:lstStyle/>
+        <a:p>
+          <a:endParaRPr lang="nl-BE"/>
+        </a:p>
+      </dgm:t>
+    </dgm:pt>
+    <dgm:pt modelId="{57D33A59-CF4D-4A45-815C-3439FDF01BC7}">
+      <dgm:prSet phldrT="[Text]"/>
+      <dgm:spPr/>
+      <dgm:t>
+        <a:bodyPr/>
+        <a:lstStyle/>
+        <a:p>
+          <a:r>
+            <a:rPr lang="nl-BE" dirty="0" smtClean="0"/>
+            <a:t>Betting on </a:t>
+          </a:r>
+        </a:p>
+        <a:p>
+          <a:r>
+            <a:rPr lang="nl-BE" dirty="0" smtClean="0"/>
+            <a:t>one asset</a:t>
+          </a:r>
+          <a:endParaRPr lang="nl-BE" dirty="0"/>
+        </a:p>
+      </dgm:t>
+    </dgm:pt>
+    <dgm:pt modelId="{FC88B386-3B3B-48D9-BB29-19B3A12FA1B7}" type="parTrans" cxnId="{346DA843-5F08-4E7D-A51B-216F246FA54E}">
+      <dgm:prSet/>
+      <dgm:spPr/>
+      <dgm:t>
+        <a:bodyPr/>
+        <a:lstStyle/>
+        <a:p>
+          <a:endParaRPr lang="nl-BE"/>
+        </a:p>
+      </dgm:t>
+    </dgm:pt>
+    <dgm:pt modelId="{21EC7B79-401F-4393-B931-784BAACFC597}" type="sibTrans" cxnId="{346DA843-5F08-4E7D-A51B-216F246FA54E}">
+      <dgm:prSet/>
+      <dgm:spPr/>
+      <dgm:t>
+        <a:bodyPr/>
+        <a:lstStyle/>
+        <a:p>
+          <a:endParaRPr lang="nl-BE"/>
+        </a:p>
+      </dgm:t>
+    </dgm:pt>
+    <dgm:pt modelId="{26F3E411-7D6F-4F8E-9960-16ED8F0E8E96}">
+      <dgm:prSet phldrT="[Text]"/>
+      <dgm:spPr/>
+      <dgm:t>
+        <a:bodyPr/>
+        <a:lstStyle/>
+        <a:p>
+          <a:endParaRPr lang="nl-BE" dirty="0" smtClean="0"/>
+        </a:p>
+        <a:p>
+          <a:r>
+            <a:rPr lang="nl-BE" dirty="0" smtClean="0"/>
+            <a:t>Equal-weighting</a:t>
+          </a:r>
+          <a:endParaRPr lang="nl-BE" dirty="0"/>
+        </a:p>
+      </dgm:t>
+    </dgm:pt>
+    <dgm:pt modelId="{42053B06-32CB-435C-85C5-FB6F1CC58C7C}" type="parTrans" cxnId="{DC0D0128-2BD6-4ECF-826D-30B5AEF8B37B}">
+      <dgm:prSet/>
+      <dgm:spPr/>
+      <dgm:t>
+        <a:bodyPr/>
+        <a:lstStyle/>
+        <a:p>
+          <a:endParaRPr lang="nl-BE"/>
+        </a:p>
+      </dgm:t>
+    </dgm:pt>
+    <dgm:pt modelId="{9746E898-3014-4368-90EB-0820D2764069}" type="sibTrans" cxnId="{DC0D0128-2BD6-4ECF-826D-30B5AEF8B37B}">
+      <dgm:prSet/>
+      <dgm:spPr/>
+      <dgm:t>
+        <a:bodyPr/>
+        <a:lstStyle/>
+        <a:p>
+          <a:endParaRPr lang="nl-BE"/>
+        </a:p>
+      </dgm:t>
+    </dgm:pt>
+    <dgm:pt modelId="{4F39AEE3-12AC-4604-8876-4B3B5E0C68E6}">
+      <dgm:prSet phldrT="[Text]"/>
+      <dgm:spPr/>
+      <dgm:t>
+        <a:bodyPr/>
+        <a:lstStyle/>
+        <a:p>
+          <a:endParaRPr lang="nl-BE" dirty="0" smtClean="0"/>
+        </a:p>
+        <a:p>
+          <a:r>
+            <a:rPr lang="nl-BE" dirty="0" smtClean="0"/>
+            <a:t>Market cap weighting</a:t>
+          </a:r>
+          <a:endParaRPr lang="nl-BE" dirty="0"/>
+        </a:p>
+      </dgm:t>
+    </dgm:pt>
+    <dgm:pt modelId="{02525D12-FF4F-4BEA-BD79-A5CC854C00C4}" type="parTrans" cxnId="{2462FCD7-411B-4F97-9BD0-7143C7B81C13}">
+      <dgm:prSet/>
+      <dgm:spPr/>
+      <dgm:t>
+        <a:bodyPr/>
+        <a:lstStyle/>
+        <a:p>
+          <a:endParaRPr lang="nl-BE"/>
+        </a:p>
+      </dgm:t>
+    </dgm:pt>
+    <dgm:pt modelId="{EFCCF4BD-609D-4DA8-BE6B-A6EE73103519}" type="sibTrans" cxnId="{2462FCD7-411B-4F97-9BD0-7143C7B81C13}">
+      <dgm:prSet/>
+      <dgm:spPr/>
+      <dgm:t>
+        <a:bodyPr/>
+        <a:lstStyle/>
+        <a:p>
+          <a:endParaRPr lang="nl-BE"/>
+        </a:p>
+      </dgm:t>
+    </dgm:pt>
+    <dgm:pt modelId="{22334272-8AD4-4722-9870-3D0CA17B8CF6}" type="pres">
+      <dgm:prSet presAssocID="{C5AD7A7C-A8A3-4968-9F22-8F961D8BC120}" presName="diagram" presStyleCnt="0">
+        <dgm:presLayoutVars>
+          <dgm:chMax val="1"/>
+          <dgm:dir/>
+          <dgm:animLvl val="ctr"/>
+          <dgm:resizeHandles val="exact"/>
+        </dgm:presLayoutVars>
+      </dgm:prSet>
+      <dgm:spPr/>
+      <dgm:t>
+        <a:bodyPr/>
+        <a:lstStyle/>
+        <a:p>
+          <a:endParaRPr lang="nl-BE"/>
+        </a:p>
+      </dgm:t>
+    </dgm:pt>
+    <dgm:pt modelId="{11716142-B4D0-45FE-8C72-DE1C3F476E8D}" type="pres">
+      <dgm:prSet presAssocID="{C5AD7A7C-A8A3-4968-9F22-8F961D8BC120}" presName="matrix" presStyleCnt="0"/>
+      <dgm:spPr/>
+    </dgm:pt>
+    <dgm:pt modelId="{F48E0154-FE3C-4E62-8719-36D5EBAE50DB}" type="pres">
+      <dgm:prSet presAssocID="{C5AD7A7C-A8A3-4968-9F22-8F961D8BC120}" presName="tile1" presStyleLbl="node1" presStyleIdx="0" presStyleCnt="4"/>
+      <dgm:spPr/>
+      <dgm:t>
+        <a:bodyPr/>
+        <a:lstStyle/>
+        <a:p>
+          <a:endParaRPr lang="nl-BE"/>
+        </a:p>
+      </dgm:t>
+    </dgm:pt>
+    <dgm:pt modelId="{CE2E7DCF-553F-4086-96E4-25D574FE5345}" type="pres">
+      <dgm:prSet presAssocID="{C5AD7A7C-A8A3-4968-9F22-8F961D8BC120}" presName="tile1text" presStyleLbl="node1" presStyleIdx="0" presStyleCnt="4">
+        <dgm:presLayoutVars>
+          <dgm:chMax val="0"/>
+          <dgm:chPref val="0"/>
+          <dgm:bulletEnabled val="1"/>
+        </dgm:presLayoutVars>
+      </dgm:prSet>
+      <dgm:spPr/>
+      <dgm:t>
+        <a:bodyPr/>
+        <a:lstStyle/>
+        <a:p>
+          <a:endParaRPr lang="nl-BE"/>
+        </a:p>
+      </dgm:t>
+    </dgm:pt>
+    <dgm:pt modelId="{05FDECF0-1FA1-42C8-99EF-AF30C5B43EB5}" type="pres">
+      <dgm:prSet presAssocID="{C5AD7A7C-A8A3-4968-9F22-8F961D8BC120}" presName="tile2" presStyleLbl="node1" presStyleIdx="1" presStyleCnt="4"/>
+      <dgm:spPr/>
+      <dgm:t>
+        <a:bodyPr/>
+        <a:lstStyle/>
+        <a:p>
+          <a:endParaRPr lang="nl-BE"/>
+        </a:p>
+      </dgm:t>
+    </dgm:pt>
+    <dgm:pt modelId="{C180FFD0-9D17-4CD5-859A-BFCD4A58ACFE}" type="pres">
+      <dgm:prSet presAssocID="{C5AD7A7C-A8A3-4968-9F22-8F961D8BC120}" presName="tile2text" presStyleLbl="node1" presStyleIdx="1" presStyleCnt="4">
+        <dgm:presLayoutVars>
+          <dgm:chMax val="0"/>
+          <dgm:chPref val="0"/>
+          <dgm:bulletEnabled val="1"/>
+        </dgm:presLayoutVars>
+      </dgm:prSet>
+      <dgm:spPr/>
+      <dgm:t>
+        <a:bodyPr/>
+        <a:lstStyle/>
+        <a:p>
+          <a:endParaRPr lang="nl-BE"/>
+        </a:p>
+      </dgm:t>
+    </dgm:pt>
+    <dgm:pt modelId="{E8BE5601-B0B2-4C3B-96F5-8B6DE3DD3167}" type="pres">
+      <dgm:prSet presAssocID="{C5AD7A7C-A8A3-4968-9F22-8F961D8BC120}" presName="tile3" presStyleLbl="node1" presStyleIdx="2" presStyleCnt="4"/>
+      <dgm:spPr/>
+      <dgm:t>
+        <a:bodyPr/>
+        <a:lstStyle/>
+        <a:p>
+          <a:endParaRPr lang="nl-BE"/>
+        </a:p>
+      </dgm:t>
+    </dgm:pt>
+    <dgm:pt modelId="{FE9629ED-CB0A-450A-A0B9-A0B3FD8AAD2B}" type="pres">
+      <dgm:prSet presAssocID="{C5AD7A7C-A8A3-4968-9F22-8F961D8BC120}" presName="tile3text" presStyleLbl="node1" presStyleIdx="2" presStyleCnt="4">
+        <dgm:presLayoutVars>
+          <dgm:chMax val="0"/>
+          <dgm:chPref val="0"/>
+          <dgm:bulletEnabled val="1"/>
+        </dgm:presLayoutVars>
+      </dgm:prSet>
+      <dgm:spPr/>
+      <dgm:t>
+        <a:bodyPr/>
+        <a:lstStyle/>
+        <a:p>
+          <a:endParaRPr lang="nl-BE"/>
+        </a:p>
+      </dgm:t>
+    </dgm:pt>
+    <dgm:pt modelId="{3CF78BFB-09F5-41FF-84C7-CD218E09CF7F}" type="pres">
+      <dgm:prSet presAssocID="{C5AD7A7C-A8A3-4968-9F22-8F961D8BC120}" presName="tile4" presStyleLbl="node1" presStyleIdx="3" presStyleCnt="4" custLinFactNeighborY="2449"/>
+      <dgm:spPr/>
+      <dgm:t>
+        <a:bodyPr/>
+        <a:lstStyle/>
+        <a:p>
+          <a:endParaRPr lang="nl-BE"/>
+        </a:p>
+      </dgm:t>
+    </dgm:pt>
+    <dgm:pt modelId="{73E5244F-5CE9-4416-B777-91EFD50E378E}" type="pres">
+      <dgm:prSet presAssocID="{C5AD7A7C-A8A3-4968-9F22-8F961D8BC120}" presName="tile4text" presStyleLbl="node1" presStyleIdx="3" presStyleCnt="4">
+        <dgm:presLayoutVars>
+          <dgm:chMax val="0"/>
+          <dgm:chPref val="0"/>
+          <dgm:bulletEnabled val="1"/>
+        </dgm:presLayoutVars>
+      </dgm:prSet>
+      <dgm:spPr/>
+      <dgm:t>
+        <a:bodyPr/>
+        <a:lstStyle/>
+        <a:p>
+          <a:endParaRPr lang="nl-BE"/>
+        </a:p>
+      </dgm:t>
+    </dgm:pt>
+    <dgm:pt modelId="{1FE68144-7407-41C1-B247-74CAC4B40484}" type="pres">
+      <dgm:prSet presAssocID="{C5AD7A7C-A8A3-4968-9F22-8F961D8BC120}" presName="centerTile" presStyleLbl="fgShp" presStyleIdx="0" presStyleCnt="1">
+        <dgm:presLayoutVars>
+          <dgm:chMax val="0"/>
+          <dgm:chPref val="0"/>
+        </dgm:presLayoutVars>
+      </dgm:prSet>
+      <dgm:spPr/>
+      <dgm:t>
+        <a:bodyPr/>
+        <a:lstStyle/>
+        <a:p>
+          <a:endParaRPr lang="nl-BE"/>
+        </a:p>
+      </dgm:t>
+    </dgm:pt>
+  </dgm:ptLst>
+  <dgm:cxnLst>
+    <dgm:cxn modelId="{A4DC57DB-F385-4A3A-897C-A9F2792ED288}" type="presOf" srcId="{4F39AEE3-12AC-4604-8876-4B3B5E0C68E6}" destId="{73E5244F-5CE9-4416-B777-91EFD50E378E}" srcOrd="1" destOrd="0" presId="urn:microsoft.com/office/officeart/2005/8/layout/matrix1"/>
+    <dgm:cxn modelId="{DC0D0128-2BD6-4ECF-826D-30B5AEF8B37B}" srcId="{56806FCC-DFA7-4929-B912-4E9E0A178CB7}" destId="{26F3E411-7D6F-4F8E-9960-16ED8F0E8E96}" srcOrd="2" destOrd="0" parTransId="{42053B06-32CB-435C-85C5-FB6F1CC58C7C}" sibTransId="{9746E898-3014-4368-90EB-0820D2764069}"/>
+    <dgm:cxn modelId="{346DA843-5F08-4E7D-A51B-216F246FA54E}" srcId="{56806FCC-DFA7-4929-B912-4E9E0A178CB7}" destId="{57D33A59-CF4D-4A45-815C-3439FDF01BC7}" srcOrd="1" destOrd="0" parTransId="{FC88B386-3B3B-48D9-BB29-19B3A12FA1B7}" sibTransId="{21EC7B79-401F-4393-B931-784BAACFC597}"/>
+    <dgm:cxn modelId="{B6A6AB47-669B-400F-AED1-6E6A31447E61}" type="presOf" srcId="{57D33A59-CF4D-4A45-815C-3439FDF01BC7}" destId="{C180FFD0-9D17-4CD5-859A-BFCD4A58ACFE}" srcOrd="1" destOrd="0" presId="urn:microsoft.com/office/officeart/2005/8/layout/matrix1"/>
+    <dgm:cxn modelId="{D5E22E5A-EC19-4F5B-A7B5-9805C2686FC0}" type="presOf" srcId="{1768641C-6EA8-4818-B2B3-ED0889D6391E}" destId="{CE2E7DCF-553F-4086-96E4-25D574FE5345}" srcOrd="1" destOrd="0" presId="urn:microsoft.com/office/officeart/2005/8/layout/matrix1"/>
+    <dgm:cxn modelId="{A5055747-7DA9-4817-B6B0-47F3862A0962}" type="presOf" srcId="{26F3E411-7D6F-4F8E-9960-16ED8F0E8E96}" destId="{FE9629ED-CB0A-450A-A0B9-A0B3FD8AAD2B}" srcOrd="1" destOrd="0" presId="urn:microsoft.com/office/officeart/2005/8/layout/matrix1"/>
+    <dgm:cxn modelId="{C353C83E-8C4B-4251-A476-189D533A490D}" type="presOf" srcId="{C5AD7A7C-A8A3-4968-9F22-8F961D8BC120}" destId="{22334272-8AD4-4722-9870-3D0CA17B8CF6}" srcOrd="0" destOrd="0" presId="urn:microsoft.com/office/officeart/2005/8/layout/matrix1"/>
+    <dgm:cxn modelId="{2462FCD7-411B-4F97-9BD0-7143C7B81C13}" srcId="{56806FCC-DFA7-4929-B912-4E9E0A178CB7}" destId="{4F39AEE3-12AC-4604-8876-4B3B5E0C68E6}" srcOrd="3" destOrd="0" parTransId="{02525D12-FF4F-4BEA-BD79-A5CC854C00C4}" sibTransId="{EFCCF4BD-609D-4DA8-BE6B-A6EE73103519}"/>
+    <dgm:cxn modelId="{77BB2BEC-E679-486E-BE37-123DEB032F77}" srcId="{56806FCC-DFA7-4929-B912-4E9E0A178CB7}" destId="{1768641C-6EA8-4818-B2B3-ED0889D6391E}" srcOrd="0" destOrd="0" parTransId="{66417FF8-D999-4D1D-8BC5-E248991550A7}" sibTransId="{0A68F187-A76D-4EB7-8DB5-455A9BBFBCD7}"/>
+    <dgm:cxn modelId="{D9FE5641-318D-4258-A498-EC646D6E24E5}" type="presOf" srcId="{1768641C-6EA8-4818-B2B3-ED0889D6391E}" destId="{F48E0154-FE3C-4E62-8719-36D5EBAE50DB}" srcOrd="0" destOrd="0" presId="urn:microsoft.com/office/officeart/2005/8/layout/matrix1"/>
+    <dgm:cxn modelId="{CF9B0484-BA2B-4E35-8F94-26970DF48DE1}" type="presOf" srcId="{4F39AEE3-12AC-4604-8876-4B3B5E0C68E6}" destId="{3CF78BFB-09F5-41FF-84C7-CD218E09CF7F}" srcOrd="0" destOrd="0" presId="urn:microsoft.com/office/officeart/2005/8/layout/matrix1"/>
+    <dgm:cxn modelId="{2D50187B-06D5-4CCC-BF3A-7CECA4D95FDF}" type="presOf" srcId="{26F3E411-7D6F-4F8E-9960-16ED8F0E8E96}" destId="{E8BE5601-B0B2-4C3B-96F5-8B6DE3DD3167}" srcOrd="0" destOrd="0" presId="urn:microsoft.com/office/officeart/2005/8/layout/matrix1"/>
+    <dgm:cxn modelId="{E95A4A36-092B-4ADD-B3EE-49F8384643A6}" type="presOf" srcId="{57D33A59-CF4D-4A45-815C-3439FDF01BC7}" destId="{05FDECF0-1FA1-42C8-99EF-AF30C5B43EB5}" srcOrd="0" destOrd="0" presId="urn:microsoft.com/office/officeart/2005/8/layout/matrix1"/>
+    <dgm:cxn modelId="{ABCCC4A6-D3AC-4567-8D2E-D29501CEB2BC}" type="presOf" srcId="{56806FCC-DFA7-4929-B912-4E9E0A178CB7}" destId="{1FE68144-7407-41C1-B247-74CAC4B40484}" srcOrd="0" destOrd="0" presId="urn:microsoft.com/office/officeart/2005/8/layout/matrix1"/>
+    <dgm:cxn modelId="{DB38C74A-1B59-49E6-BD9F-FA5FD6032190}" srcId="{C5AD7A7C-A8A3-4968-9F22-8F961D8BC120}" destId="{56806FCC-DFA7-4929-B912-4E9E0A178CB7}" srcOrd="0" destOrd="0" parTransId="{4C0893A2-BD55-4C78-A7A5-6C0E62138072}" sibTransId="{8C42B916-79AE-442D-A0C8-4230E660CD33}"/>
+    <dgm:cxn modelId="{9294C47F-D0AD-459C-8932-8A2B5303AFF8}" type="presParOf" srcId="{22334272-8AD4-4722-9870-3D0CA17B8CF6}" destId="{11716142-B4D0-45FE-8C72-DE1C3F476E8D}" srcOrd="0" destOrd="0" presId="urn:microsoft.com/office/officeart/2005/8/layout/matrix1"/>
+    <dgm:cxn modelId="{FE353A01-8E59-45F4-95D4-5DD7416A84C5}" type="presParOf" srcId="{11716142-B4D0-45FE-8C72-DE1C3F476E8D}" destId="{F48E0154-FE3C-4E62-8719-36D5EBAE50DB}" srcOrd="0" destOrd="0" presId="urn:microsoft.com/office/officeart/2005/8/layout/matrix1"/>
+    <dgm:cxn modelId="{3911E3E0-4F9D-42F8-8DE9-D7402360866D}" type="presParOf" srcId="{11716142-B4D0-45FE-8C72-DE1C3F476E8D}" destId="{CE2E7DCF-553F-4086-96E4-25D574FE5345}" srcOrd="1" destOrd="0" presId="urn:microsoft.com/office/officeart/2005/8/layout/matrix1"/>
+    <dgm:cxn modelId="{B3530537-27ED-456F-B1A1-B8FEF520D84F}" type="presParOf" srcId="{11716142-B4D0-45FE-8C72-DE1C3F476E8D}" destId="{05FDECF0-1FA1-42C8-99EF-AF30C5B43EB5}" srcOrd="2" destOrd="0" presId="urn:microsoft.com/office/officeart/2005/8/layout/matrix1"/>
+    <dgm:cxn modelId="{BE6EABBF-4F1A-4712-A4E5-A97D76FAF977}" type="presParOf" srcId="{11716142-B4D0-45FE-8C72-DE1C3F476E8D}" destId="{C180FFD0-9D17-4CD5-859A-BFCD4A58ACFE}" srcOrd="3" destOrd="0" presId="urn:microsoft.com/office/officeart/2005/8/layout/matrix1"/>
+    <dgm:cxn modelId="{AF3467D2-787B-4550-B04E-82C6560B6780}" type="presParOf" srcId="{11716142-B4D0-45FE-8C72-DE1C3F476E8D}" destId="{E8BE5601-B0B2-4C3B-96F5-8B6DE3DD3167}" srcOrd="4" destOrd="0" presId="urn:microsoft.com/office/officeart/2005/8/layout/matrix1"/>
+    <dgm:cxn modelId="{15B90367-D7D0-48ED-9BD6-669DB6B52398}" type="presParOf" srcId="{11716142-B4D0-45FE-8C72-DE1C3F476E8D}" destId="{FE9629ED-CB0A-450A-A0B9-A0B3FD8AAD2B}" srcOrd="5" destOrd="0" presId="urn:microsoft.com/office/officeart/2005/8/layout/matrix1"/>
+    <dgm:cxn modelId="{1772D2CF-71F1-4E47-8230-6597EDC1ABE2}" type="presParOf" srcId="{11716142-B4D0-45FE-8C72-DE1C3F476E8D}" destId="{3CF78BFB-09F5-41FF-84C7-CD218E09CF7F}" srcOrd="6" destOrd="0" presId="urn:microsoft.com/office/officeart/2005/8/layout/matrix1"/>
+    <dgm:cxn modelId="{B64ED6EC-2745-41DE-BBF7-E0006B12638A}" type="presParOf" srcId="{11716142-B4D0-45FE-8C72-DE1C3F476E8D}" destId="{73E5244F-5CE9-4416-B777-91EFD50E378E}" srcOrd="7" destOrd="0" presId="urn:microsoft.com/office/officeart/2005/8/layout/matrix1"/>
+    <dgm:cxn modelId="{133F2239-E152-429C-A157-C50349B226E3}" type="presParOf" srcId="{22334272-8AD4-4722-9870-3D0CA17B8CF6}" destId="{1FE68144-7407-41C1-B247-74CAC4B40484}" srcOrd="1" destOrd="0" presId="urn:microsoft.com/office/officeart/2005/8/layout/matrix1"/>
+  </dgm:cxnLst>
+  <dgm:bg/>
+  <dgm:whole/>
+  <dgm:extLst>
+    <a:ext uri="http://schemas.microsoft.com/office/drawing/2008/diagram">
+      <dsp:dataModelExt xmlns:dsp="http://schemas.microsoft.com/office/drawing/2008/diagram" relId="rId6" minVer="http://schemas.openxmlformats.org/drawingml/2006/diagram"/>
+    </a:ext>
+  </dgm:extLst>
+</dgm:dataModel>
+</file>
+
+<file path=ppt/diagrams/drawing1.xml><?xml version="1.0" encoding="utf-8"?>
+<dsp:drawing xmlns:dgm="http://schemas.openxmlformats.org/drawingml/2006/diagram" xmlns:dsp="http://schemas.microsoft.com/office/drawing/2008/diagram" xmlns:a="http://schemas.openxmlformats.org/drawingml/2006/main">
+  <dsp:spTree>
+    <dsp:nvGrpSpPr>
+      <dsp:cNvPr id="0" name=""/>
+      <dsp:cNvGrpSpPr/>
+    </dsp:nvGrpSpPr>
+    <dsp:grpSpPr/>
+    <dsp:sp modelId="{F48E0154-FE3C-4E62-8719-36D5EBAE50DB}">
+      <dsp:nvSpPr>
+        <dsp:cNvPr id="0" name=""/>
+        <dsp:cNvSpPr/>
+      </dsp:nvSpPr>
+      <dsp:spPr>
+        <a:xfrm rot="16200000">
+          <a:off x="1142999" y="-1142999"/>
+          <a:ext cx="4457700" cy="6743700"/>
+        </a:xfrm>
+        <a:prstGeom prst="round1Rect">
+          <a:avLst/>
+        </a:prstGeom>
+        <a:solidFill>
+          <a:schemeClr val="accent1">
+            <a:hueOff val="0"/>
+            <a:satOff val="0"/>
+            <a:lumOff val="0"/>
+            <a:alphaOff val="0"/>
+          </a:schemeClr>
+        </a:solidFill>
+        <a:ln w="25400" cap="flat" cmpd="sng" algn="ctr">
+          <a:solidFill>
+            <a:schemeClr val="lt1">
+              <a:hueOff val="0"/>
+              <a:satOff val="0"/>
+              <a:lumOff val="0"/>
+              <a:alphaOff val="0"/>
+            </a:schemeClr>
+          </a:solidFill>
+          <a:prstDash val="solid"/>
+        </a:ln>
+        <a:effectLst/>
+      </dsp:spPr>
+      <dsp:style>
+        <a:lnRef idx="2">
+          <a:scrgbClr r="0" g="0" b="0"/>
+        </a:lnRef>
+        <a:fillRef idx="1">
+          <a:scrgbClr r="0" g="0" b="0"/>
+        </a:fillRef>
+        <a:effectRef idx="0">
+          <a:scrgbClr r="0" g="0" b="0"/>
+        </a:effectRef>
+        <a:fontRef idx="minor">
+          <a:schemeClr val="lt1"/>
+        </a:fontRef>
+      </dsp:style>
+      <dsp:txBody>
+        <a:bodyPr spcFirstLastPara="0" vert="horz" wrap="square" lIns="398272" tIns="398272" rIns="398272" bIns="398272" numCol="1" spcCol="1270" anchor="ctr" anchorCtr="0">
+          <a:noAutofit/>
+        </a:bodyPr>
+        <a:lstStyle/>
+        <a:p>
+          <a:pPr lvl="0" algn="ctr" defTabSz="2489200">
+            <a:lnSpc>
+              <a:spcPct val="90000"/>
+            </a:lnSpc>
+            <a:spcBef>
+              <a:spcPct val="0"/>
+            </a:spcBef>
+            <a:spcAft>
+              <a:spcPct val="35000"/>
+            </a:spcAft>
+          </a:pPr>
+          <a:r>
+            <a:rPr lang="nl-BE" sz="5600" kern="1200" dirty="0" smtClean="0"/>
+            <a:t>Optimize mean and variance </a:t>
+          </a:r>
+        </a:p>
+        <a:p>
+          <a:pPr lvl="0" algn="ctr" defTabSz="2489200">
+            <a:lnSpc>
+              <a:spcPct val="90000"/>
+            </a:lnSpc>
+            <a:spcBef>
+              <a:spcPct val="0"/>
+            </a:spcBef>
+            <a:spcAft>
+              <a:spcPct val="35000"/>
+            </a:spcAft>
+          </a:pPr>
+          <a:r>
+            <a:rPr lang="nl-BE" sz="5600" kern="1200" dirty="0" smtClean="0"/>
+            <a:t>(Ch. 4)</a:t>
+          </a:r>
+          <a:endParaRPr lang="nl-BE" sz="5600" kern="1200" dirty="0"/>
+        </a:p>
+      </dsp:txBody>
+      <dsp:txXfrm rot="5400000">
+        <a:off x="0" y="0"/>
+        <a:ext cx="6743700" cy="3343275"/>
+      </dsp:txXfrm>
+    </dsp:sp>
+    <dsp:sp modelId="{05FDECF0-1FA1-42C8-99EF-AF30C5B43EB5}">
+      <dsp:nvSpPr>
+        <dsp:cNvPr id="0" name=""/>
+        <dsp:cNvSpPr/>
+      </dsp:nvSpPr>
+      <dsp:spPr>
+        <a:xfrm>
+          <a:off x="6743700" y="0"/>
+          <a:ext cx="6743700" cy="4457700"/>
+        </a:xfrm>
+        <a:prstGeom prst="round1Rect">
+          <a:avLst/>
+        </a:prstGeom>
+        <a:solidFill>
+          <a:schemeClr val="accent1">
+            <a:hueOff val="0"/>
+            <a:satOff val="0"/>
+            <a:lumOff val="0"/>
+            <a:alphaOff val="0"/>
+          </a:schemeClr>
+        </a:solidFill>
+        <a:ln w="25400" cap="flat" cmpd="sng" algn="ctr">
+          <a:solidFill>
+            <a:schemeClr val="lt1">
+              <a:hueOff val="0"/>
+              <a:satOff val="0"/>
+              <a:lumOff val="0"/>
+              <a:alphaOff val="0"/>
+            </a:schemeClr>
+          </a:solidFill>
+          <a:prstDash val="solid"/>
+        </a:ln>
+        <a:effectLst/>
+      </dsp:spPr>
+      <dsp:style>
+        <a:lnRef idx="2">
+          <a:scrgbClr r="0" g="0" b="0"/>
+        </a:lnRef>
+        <a:fillRef idx="1">
+          <a:scrgbClr r="0" g="0" b="0"/>
+        </a:fillRef>
+        <a:effectRef idx="0">
+          <a:scrgbClr r="0" g="0" b="0"/>
+        </a:effectRef>
+        <a:fontRef idx="minor">
+          <a:schemeClr val="lt1"/>
+        </a:fontRef>
+      </dsp:style>
+      <dsp:txBody>
+        <a:bodyPr spcFirstLastPara="0" vert="horz" wrap="square" lIns="398272" tIns="398272" rIns="398272" bIns="398272" numCol="1" spcCol="1270" anchor="ctr" anchorCtr="0">
+          <a:noAutofit/>
+        </a:bodyPr>
+        <a:lstStyle/>
+        <a:p>
+          <a:pPr lvl="0" algn="ctr" defTabSz="2489200">
+            <a:lnSpc>
+              <a:spcPct val="90000"/>
+            </a:lnSpc>
+            <a:spcBef>
+              <a:spcPct val="0"/>
+            </a:spcBef>
+            <a:spcAft>
+              <a:spcPct val="35000"/>
+            </a:spcAft>
+          </a:pPr>
+          <a:r>
+            <a:rPr lang="nl-BE" sz="5600" kern="1200" dirty="0" smtClean="0"/>
+            <a:t>Betting on </a:t>
+          </a:r>
+        </a:p>
+        <a:p>
+          <a:pPr lvl="0" algn="ctr" defTabSz="2489200">
+            <a:lnSpc>
+              <a:spcPct val="90000"/>
+            </a:lnSpc>
+            <a:spcBef>
+              <a:spcPct val="0"/>
+            </a:spcBef>
+            <a:spcAft>
+              <a:spcPct val="35000"/>
+            </a:spcAft>
+          </a:pPr>
+          <a:r>
+            <a:rPr lang="nl-BE" sz="5600" kern="1200" dirty="0" smtClean="0"/>
+            <a:t>one asset</a:t>
+          </a:r>
+          <a:endParaRPr lang="nl-BE" sz="5600" kern="1200" dirty="0"/>
+        </a:p>
+      </dsp:txBody>
+      <dsp:txXfrm>
+        <a:off x="6743700" y="0"/>
+        <a:ext cx="6743700" cy="3343275"/>
+      </dsp:txXfrm>
+    </dsp:sp>
+    <dsp:sp modelId="{E8BE5601-B0B2-4C3B-96F5-8B6DE3DD3167}">
+      <dsp:nvSpPr>
+        <dsp:cNvPr id="0" name=""/>
+        <dsp:cNvSpPr/>
+      </dsp:nvSpPr>
+      <dsp:spPr>
+        <a:xfrm rot="10800000">
+          <a:off x="0" y="4457700"/>
+          <a:ext cx="6743700" cy="4457700"/>
+        </a:xfrm>
+        <a:prstGeom prst="round1Rect">
+          <a:avLst/>
+        </a:prstGeom>
+        <a:solidFill>
+          <a:schemeClr val="accent1">
+            <a:hueOff val="0"/>
+            <a:satOff val="0"/>
+            <a:lumOff val="0"/>
+            <a:alphaOff val="0"/>
+          </a:schemeClr>
+        </a:solidFill>
+        <a:ln w="25400" cap="flat" cmpd="sng" algn="ctr">
+          <a:solidFill>
+            <a:schemeClr val="lt1">
+              <a:hueOff val="0"/>
+              <a:satOff val="0"/>
+              <a:lumOff val="0"/>
+              <a:alphaOff val="0"/>
+            </a:schemeClr>
+          </a:solidFill>
+          <a:prstDash val="solid"/>
+        </a:ln>
+        <a:effectLst/>
+      </dsp:spPr>
+      <dsp:style>
+        <a:lnRef idx="2">
+          <a:scrgbClr r="0" g="0" b="0"/>
+        </a:lnRef>
+        <a:fillRef idx="1">
+          <a:scrgbClr r="0" g="0" b="0"/>
+        </a:fillRef>
+        <a:effectRef idx="0">
+          <a:scrgbClr r="0" g="0" b="0"/>
+        </a:effectRef>
+        <a:fontRef idx="minor">
+          <a:schemeClr val="lt1"/>
+        </a:fontRef>
+      </dsp:style>
+      <dsp:txBody>
+        <a:bodyPr spcFirstLastPara="0" vert="horz" wrap="square" lIns="398272" tIns="398272" rIns="398272" bIns="398272" numCol="1" spcCol="1270" anchor="ctr" anchorCtr="0">
+          <a:noAutofit/>
+        </a:bodyPr>
+        <a:lstStyle/>
+        <a:p>
+          <a:pPr lvl="0" algn="ctr" defTabSz="2489200">
+            <a:lnSpc>
+              <a:spcPct val="90000"/>
+            </a:lnSpc>
+            <a:spcBef>
+              <a:spcPct val="0"/>
+            </a:spcBef>
+            <a:spcAft>
+              <a:spcPct val="35000"/>
+            </a:spcAft>
+          </a:pPr>
+          <a:endParaRPr lang="nl-BE" sz="5600" kern="1200" dirty="0" smtClean="0"/>
+        </a:p>
+        <a:p>
+          <a:pPr lvl="0" algn="ctr" defTabSz="2489200">
+            <a:lnSpc>
+              <a:spcPct val="90000"/>
+            </a:lnSpc>
+            <a:spcBef>
+              <a:spcPct val="0"/>
+            </a:spcBef>
+            <a:spcAft>
+              <a:spcPct val="35000"/>
+            </a:spcAft>
+          </a:pPr>
+          <a:r>
+            <a:rPr lang="nl-BE" sz="5600" kern="1200" dirty="0" smtClean="0"/>
+            <a:t>Equal-weighting</a:t>
+          </a:r>
+          <a:endParaRPr lang="nl-BE" sz="5600" kern="1200" dirty="0"/>
+        </a:p>
+      </dsp:txBody>
+      <dsp:txXfrm rot="10800000">
+        <a:off x="0" y="5572125"/>
+        <a:ext cx="6743700" cy="3343275"/>
+      </dsp:txXfrm>
+    </dsp:sp>
+    <dsp:sp modelId="{3CF78BFB-09F5-41FF-84C7-CD218E09CF7F}">
+      <dsp:nvSpPr>
+        <dsp:cNvPr id="0" name=""/>
+        <dsp:cNvSpPr/>
+      </dsp:nvSpPr>
+      <dsp:spPr>
+        <a:xfrm rot="5400000">
+          <a:off x="7886700" y="3314700"/>
+          <a:ext cx="4457700" cy="6743700"/>
+        </a:xfrm>
+        <a:prstGeom prst="round1Rect">
+          <a:avLst/>
+        </a:prstGeom>
+        <a:solidFill>
+          <a:schemeClr val="accent1">
+            <a:hueOff val="0"/>
+            <a:satOff val="0"/>
+            <a:lumOff val="0"/>
+            <a:alphaOff val="0"/>
+          </a:schemeClr>
+        </a:solidFill>
+        <a:ln w="25400" cap="flat" cmpd="sng" algn="ctr">
+          <a:solidFill>
+            <a:schemeClr val="lt1">
+              <a:hueOff val="0"/>
+              <a:satOff val="0"/>
+              <a:lumOff val="0"/>
+              <a:alphaOff val="0"/>
+            </a:schemeClr>
+          </a:solidFill>
+          <a:prstDash val="solid"/>
+        </a:ln>
+        <a:effectLst/>
+      </dsp:spPr>
+      <dsp:style>
+        <a:lnRef idx="2">
+          <a:scrgbClr r="0" g="0" b="0"/>
+        </a:lnRef>
+        <a:fillRef idx="1">
+          <a:scrgbClr r="0" g="0" b="0"/>
+        </a:fillRef>
+        <a:effectRef idx="0">
+          <a:scrgbClr r="0" g="0" b="0"/>
+        </a:effectRef>
+        <a:fontRef idx="minor">
+          <a:schemeClr val="lt1"/>
+        </a:fontRef>
+      </dsp:style>
+      <dsp:txBody>
+        <a:bodyPr spcFirstLastPara="0" vert="horz" wrap="square" lIns="398272" tIns="398272" rIns="398272" bIns="398272" numCol="1" spcCol="1270" anchor="ctr" anchorCtr="0">
+          <a:noAutofit/>
+        </a:bodyPr>
+        <a:lstStyle/>
+        <a:p>
+          <a:pPr lvl="0" algn="ctr" defTabSz="2489200">
+            <a:lnSpc>
+              <a:spcPct val="90000"/>
+            </a:lnSpc>
+            <a:spcBef>
+              <a:spcPct val="0"/>
+            </a:spcBef>
+            <a:spcAft>
+              <a:spcPct val="35000"/>
+            </a:spcAft>
+          </a:pPr>
+          <a:endParaRPr lang="nl-BE" sz="5600" kern="1200" dirty="0" smtClean="0"/>
+        </a:p>
+        <a:p>
+          <a:pPr lvl="0" algn="ctr" defTabSz="2489200">
+            <a:lnSpc>
+              <a:spcPct val="90000"/>
+            </a:lnSpc>
+            <a:spcBef>
+              <a:spcPct val="0"/>
+            </a:spcBef>
+            <a:spcAft>
+              <a:spcPct val="35000"/>
+            </a:spcAft>
+          </a:pPr>
+          <a:r>
+            <a:rPr lang="nl-BE" sz="5600" kern="1200" dirty="0" smtClean="0"/>
+            <a:t>Market cap weighting</a:t>
+          </a:r>
+          <a:endParaRPr lang="nl-BE" sz="5600" kern="1200" dirty="0"/>
+        </a:p>
+      </dsp:txBody>
+      <dsp:txXfrm rot="-5400000">
+        <a:off x="6743700" y="5572124"/>
+        <a:ext cx="6743700" cy="3343275"/>
+      </dsp:txXfrm>
+    </dsp:sp>
+    <dsp:sp modelId="{1FE68144-7407-41C1-B247-74CAC4B40484}">
+      <dsp:nvSpPr>
+        <dsp:cNvPr id="0" name=""/>
+        <dsp:cNvSpPr/>
+      </dsp:nvSpPr>
+      <dsp:spPr>
+        <a:xfrm>
+          <a:off x="4720590" y="3343275"/>
+          <a:ext cx="4046220" cy="2228850"/>
+        </a:xfrm>
+        <a:prstGeom prst="roundRect">
+          <a:avLst/>
+        </a:prstGeom>
+        <a:solidFill>
+          <a:schemeClr val="accent1">
+            <a:tint val="60000"/>
+            <a:hueOff val="0"/>
+            <a:satOff val="0"/>
+            <a:lumOff val="0"/>
+            <a:alphaOff val="0"/>
+          </a:schemeClr>
+        </a:solidFill>
+        <a:ln w="25400" cap="flat" cmpd="sng" algn="ctr">
+          <a:solidFill>
+            <a:schemeClr val="lt1">
+              <a:hueOff val="0"/>
+              <a:satOff val="0"/>
+              <a:lumOff val="0"/>
+              <a:alphaOff val="0"/>
+            </a:schemeClr>
+          </a:solidFill>
+          <a:prstDash val="solid"/>
+        </a:ln>
+        <a:effectLst/>
+      </dsp:spPr>
+      <dsp:style>
+        <a:lnRef idx="2">
+          <a:scrgbClr r="0" g="0" b="0"/>
+        </a:lnRef>
+        <a:fillRef idx="1">
+          <a:scrgbClr r="0" g="0" b="0"/>
+        </a:fillRef>
+        <a:effectRef idx="0">
+          <a:scrgbClr r="0" g="0" b="0"/>
+        </a:effectRef>
+        <a:fontRef idx="minor"/>
+      </dsp:style>
+      <dsp:txBody>
+        <a:bodyPr spcFirstLastPara="0" vert="horz" wrap="square" lIns="213360" tIns="213360" rIns="213360" bIns="213360" numCol="1" spcCol="1270" anchor="ctr" anchorCtr="0">
+          <a:noAutofit/>
+        </a:bodyPr>
+        <a:lstStyle/>
+        <a:p>
+          <a:pPr lvl="0" algn="ctr" defTabSz="2489200">
+            <a:lnSpc>
+              <a:spcPct val="90000"/>
+            </a:lnSpc>
+            <a:spcBef>
+              <a:spcPct val="0"/>
+            </a:spcBef>
+            <a:spcAft>
+              <a:spcPct val="35000"/>
+            </a:spcAft>
+          </a:pPr>
+          <a:r>
+            <a:rPr lang="nl-BE" sz="5600" kern="1200" dirty="0" smtClean="0"/>
+            <a:t>Allocation strategies</a:t>
+          </a:r>
+          <a:endParaRPr lang="nl-BE" sz="5600" kern="1200" dirty="0"/>
+        </a:p>
+      </dsp:txBody>
+      <dsp:txXfrm>
+        <a:off x="4829393" y="3452078"/>
+        <a:ext cx="3828614" cy="2011244"/>
+      </dsp:txXfrm>
+    </dsp:sp>
+  </dsp:spTree>
+</dsp:drawing>
+</file>
+
+<file path=ppt/diagrams/layout1.xml><?xml version="1.0" encoding="utf-8"?>
+<dgm:layoutDef xmlns:dgm="http://schemas.openxmlformats.org/drawingml/2006/diagram" xmlns:a="http://schemas.openxmlformats.org/drawingml/2006/main" uniqueId="urn:microsoft.com/office/officeart/2005/8/layout/matrix1">
+  <dgm:title val=""/>
+  <dgm:desc val=""/>
+  <dgm:catLst>
+    <dgm:cat type="matrix" pri="2000"/>
+  </dgm:catLst>
+  <dgm:sampData>
+    <dgm:dataModel>
+      <dgm:ptLst>
+        <dgm:pt modelId="0" type="doc"/>
+        <dgm:pt modelId="1">
+          <dgm:prSet phldr="1"/>
+        </dgm:pt>
+        <dgm:pt modelId="11">
+          <dgm:prSet phldr="1"/>
+        </dgm:pt>
+        <dgm:pt modelId="12">
+          <dgm:prSet phldr="1"/>
+        </dgm:pt>
+        <dgm:pt modelId="13">
+          <dgm:prSet phldr="1"/>
+        </dgm:pt>
+        <dgm:pt modelId="14">
+          <dgm:prSet phldr="1"/>
+        </dgm:pt>
+      </dgm:ptLst>
+      <dgm:cxnLst>
+        <dgm:cxn modelId="2" srcId="0" destId="1" srcOrd="0" destOrd="0"/>
+        <dgm:cxn modelId="3" srcId="1" destId="11" srcOrd="0" destOrd="0"/>
+        <dgm:cxn modelId="4" srcId="1" destId="12" srcOrd="1" destOrd="0"/>
+        <dgm:cxn modelId="5" srcId="1" destId="13" srcOrd="2" destOrd="0"/>
+        <dgm:cxn modelId="6" srcId="1" destId="14" srcOrd="3" destOrd="0"/>
+      </dgm:cxnLst>
+      <dgm:bg/>
+      <dgm:whole/>
+    </dgm:dataModel>
+  </dgm:sampData>
+  <dgm:styleData>
+    <dgm:dataModel>
+      <dgm:ptLst>
+        <dgm:pt modelId="0" type="doc"/>
+        <dgm:pt modelId="1"/>
+        <dgm:pt modelId="11"/>
+        <dgm:pt modelId="12"/>
+        <dgm:pt modelId="13"/>
+        <dgm:pt modelId="14"/>
+      </dgm:ptLst>
+      <dgm:cxnLst>
+        <dgm:cxn modelId="2" srcId="0" destId="1" srcOrd="0" destOrd="0"/>
+        <dgm:cxn modelId="15" srcId="1" destId="11" srcOrd="0" destOrd="0"/>
+        <dgm:cxn modelId="16" srcId="1" destId="12" srcOrd="1" destOrd="0"/>
+        <dgm:cxn modelId="17" srcId="1" destId="13" srcOrd="2" destOrd="0"/>
+        <dgm:cxn modelId="18" srcId="1" destId="14" srcOrd="3" destOrd="0"/>
+      </dgm:cxnLst>
+      <dgm:bg/>
+      <dgm:whole/>
+    </dgm:dataModel>
+  </dgm:styleData>
+  <dgm:clrData>
+    <dgm:dataModel>
+      <dgm:ptLst>
+        <dgm:pt modelId="0" type="doc"/>
+        <dgm:pt modelId="1"/>
+        <dgm:pt modelId="11"/>
+        <dgm:pt modelId="12"/>
+        <dgm:pt modelId="13"/>
+        <dgm:pt modelId="14"/>
+      </dgm:ptLst>
+      <dgm:cxnLst>
+        <dgm:cxn modelId="2" srcId="0" destId="1" srcOrd="0" destOrd="0"/>
+        <dgm:cxn modelId="15" srcId="1" destId="11" srcOrd="0" destOrd="0"/>
+        <dgm:cxn modelId="16" srcId="1" destId="12" srcOrd="1" destOrd="0"/>
+        <dgm:cxn modelId="17" srcId="1" destId="13" srcOrd="2" destOrd="0"/>
+        <dgm:cxn modelId="18" srcId="1" destId="14" srcOrd="3" destOrd="0"/>
+      </dgm:cxnLst>
+      <dgm:bg/>
+      <dgm:whole/>
+    </dgm:dataModel>
+  </dgm:clrData>
+  <dgm:layoutNode name="diagram">
+    <dgm:varLst>
+      <dgm:chMax val="1"/>
+      <dgm:dir/>
+      <dgm:animLvl val="ctr"/>
+      <dgm:resizeHandles val="exact"/>
+    </dgm:varLst>
+    <dgm:alg type="composite"/>
+    <dgm:shape xmlns:r="http://schemas.openxmlformats.org/officeDocument/2006/relationships" r:blip="">
+      <dgm:adjLst/>
+    </dgm:shape>
+    <dgm:presOf/>
+    <dgm:constrLst>
+      <dgm:constr type="ctrX" for="ch" forName="matrix" refType="w" fact="0.5"/>
+      <dgm:constr type="ctrY" for="ch" forName="matrix" refType="h" fact="0.5"/>
+      <dgm:constr type="w" for="ch" forName="matrix" refType="w"/>
+      <dgm:constr type="h" for="ch" forName="matrix" refType="h"/>
+      <dgm:constr type="ctrX" for="ch" forName="centerTile" refType="w" fact="0.5"/>
+      <dgm:constr type="ctrY" for="ch" forName="centerTile" refType="h" fact="0.5"/>
+      <dgm:constr type="w" for="ch" forName="centerTile" refType="w" fact="0.3"/>
+      <dgm:constr type="h" for="ch" forName="centerTile" refType="h" fact="0.25"/>
+      <dgm:constr type="primFontSz" for="des" ptType="node" op="equ" val="65"/>
+    </dgm:constrLst>
+    <dgm:ruleLst/>
+    <dgm:choose name="Name0">
+      <dgm:if name="Name1" axis="ch" ptType="node" func="cnt" op="gte" val="1">
+        <dgm:layoutNode name="matrix">
+          <dgm:alg type="composite"/>
+          <dgm:shape xmlns:r="http://schemas.openxmlformats.org/officeDocument/2006/relationships" r:blip="">
+            <dgm:adjLst/>
+          </dgm:shape>
+          <dgm:presOf/>
+          <dgm:constrLst>
+            <dgm:constr type="l" for="ch" forName="tile1"/>
+            <dgm:constr type="t" for="ch" forName="tile1"/>
+            <dgm:constr type="r" for="ch" forName="tile1" refType="w" fact="0.5"/>
+            <dgm:constr type="b" for="ch" forName="tile1" refType="h" fact="0.5"/>
+            <dgm:constr type="l" for="ch" forName="tile1text" refType="l" refFor="ch" refForName="tile1"/>
+            <dgm:constr type="t" for="ch" forName="tile1text" refType="t" refFor="ch" refForName="tile1"/>
+            <dgm:constr type="w" for="ch" forName="tile1text" refType="w" refFor="ch" refForName="tile1"/>
+            <dgm:constr type="h" for="ch" forName="tile1text" refType="h" refFor="ch" refForName="tile1" fact="0.75"/>
+            <dgm:constr type="r" for="ch" forName="tile2" refType="w"/>
+            <dgm:constr type="t" for="ch" forName="tile2"/>
+            <dgm:constr type="l" for="ch" forName="tile2" refType="w" fact="0.5"/>
+            <dgm:constr type="b" for="ch" forName="tile2" refType="h" fact="0.5"/>
+            <dgm:constr type="r" for="ch" forName="tile2text" refType="r" refFor="ch" refForName="tile2"/>
+            <dgm:constr type="t" for="ch" forName="tile2text" refType="t" refFor="ch" refForName="tile2"/>
+            <dgm:constr type="w" for="ch" forName="tile2text" refType="w" refFor="ch" refForName="tile2"/>
+            <dgm:constr type="h" for="ch" forName="tile2text" refType="h" refFor="ch" refForName="tile2" fact="0.75"/>
+            <dgm:constr type="l" for="ch" forName="tile3"/>
+            <dgm:constr type="b" for="ch" forName="tile3" refType="h"/>
+            <dgm:constr type="r" for="ch" forName="tile3" refType="w" fact="0.5"/>
+            <dgm:constr type="t" for="ch" forName="tile3" refType="h" fact="0.5"/>
+            <dgm:constr type="l" for="ch" forName="tile3text" refType="l" refFor="ch" refForName="tile3"/>
+            <dgm:constr type="b" for="ch" forName="tile3text" refType="b" refFor="ch" refForName="tile3"/>
+            <dgm:constr type="w" for="ch" forName="tile3text" refType="w" refFor="ch" refForName="tile3"/>
+            <dgm:constr type="h" for="ch" forName="tile3text" refType="h" refFor="ch" refForName="tile3" fact="0.75"/>
+            <dgm:constr type="r" for="ch" forName="tile4" refType="w"/>
+            <dgm:constr type="b" for="ch" forName="tile4" refType="h"/>
+            <dgm:constr type="l" for="ch" forName="tile4" refType="w" fact="0.5"/>
+            <dgm:constr type="t" for="ch" forName="tile4" refType="h" fact="0.5"/>
+            <dgm:constr type="r" for="ch" forName="tile4text" refType="r" refFor="ch" refForName="tile4"/>
+            <dgm:constr type="b" for="ch" forName="tile4text" refType="b" refFor="ch" refForName="tile4"/>
+            <dgm:constr type="w" for="ch" forName="tile4text" refType="w" refFor="ch" refForName="tile4"/>
+            <dgm:constr type="h" for="ch" forName="tile4text" refType="h" refFor="ch" refForName="tile4" fact="0.75"/>
+          </dgm:constrLst>
+          <dgm:ruleLst/>
+          <dgm:layoutNode name="tile1" styleLbl="node1">
+            <dgm:alg type="sp"/>
+            <dgm:shape xmlns:r="http://schemas.openxmlformats.org/officeDocument/2006/relationships" rot="270" type="round1Rect" r:blip="">
+              <dgm:adjLst/>
+            </dgm:shape>
+            <dgm:choose name="Name2">
+              <dgm:if name="Name3" func="var" arg="dir" op="equ" val="norm">
+                <dgm:presOf axis="ch ch desOrSelf" ptType="node node node" st="1 1 1" cnt="1 1 0"/>
+              </dgm:if>
+              <dgm:else name="Name4">
+                <dgm:presOf axis="ch ch desOrSelf" ptType="node node node" st="1 2 1" cnt="1 1 0"/>
+              </dgm:else>
+            </dgm:choose>
+            <dgm:constrLst/>
+            <dgm:ruleLst/>
+          </dgm:layoutNode>
+          <dgm:layoutNode name="tile1text" styleLbl="node1">
+            <dgm:varLst>
+              <dgm:chMax val="0"/>
+              <dgm:chPref val="0"/>
+              <dgm:bulletEnabled val="1"/>
+            </dgm:varLst>
+            <dgm:choose name="Name5">
+              <dgm:if name="Name6" axis="root des" func="maxDepth" op="gte" val="3">
+                <dgm:alg type="tx">
+                  <dgm:param type="txAnchorVert" val="t"/>
+                  <dgm:param type="parTxLTRAlign" val="l"/>
+                  <dgm:param type="parTxRTLAlign" val="r"/>
+                </dgm:alg>
+              </dgm:if>
+              <dgm:else name="Name7">
+                <dgm:alg type="tx"/>
+              </dgm:else>
+            </dgm:choose>
+            <dgm:shape xmlns:r="http://schemas.openxmlformats.org/officeDocument/2006/relationships" rot="270" type="rect" r:blip="" hideGeom="1">
+              <dgm:adjLst>
+                <dgm:adj idx="1" val="0.2"/>
+              </dgm:adjLst>
+            </dgm:shape>
+            <dgm:choose name="Name8">
+              <dgm:if name="Name9" func="var" arg="dir" op="equ" val="norm">
+                <dgm:presOf axis="ch ch desOrSelf" ptType="node node node" st="1 1 1" cnt="1 1 0"/>
+              </dgm:if>
+              <dgm:else name="Name10">
+                <dgm:presOf axis="ch ch desOrSelf" ptType="node node node" st="1 2 1" cnt="1 1 0"/>
+              </dgm:else>
+            </dgm:choose>
+            <dgm:constrLst/>
+            <dgm:ruleLst>
+              <dgm:rule type="primFontSz" val="5" fact="NaN" max="NaN"/>
+            </dgm:ruleLst>
+          </dgm:layoutNode>
+          <dgm:layoutNode name="tile2" styleLbl="node1">
+            <dgm:alg type="sp"/>
+            <dgm:shape xmlns:r="http://schemas.openxmlformats.org/officeDocument/2006/relationships" type="round1Rect" r:blip="">
+              <dgm:adjLst/>
+            </dgm:shape>
+            <dgm:choose name="Name11">
+              <dgm:if name="Name12" func="var" arg="dir" op="equ" val="norm">
+                <dgm:presOf axis="ch ch desOrSelf" ptType="node node node" st="1 2 1" cnt="1 1 0"/>
+              </dgm:if>
+              <dgm:else name="Name13">
+                <dgm:presOf axis="ch ch desOrSelf" ptType="node node node" st="1 1 1" cnt="1 1 0"/>
+              </dgm:else>
+            </dgm:choose>
+            <dgm:constrLst/>
+            <dgm:ruleLst/>
+          </dgm:layoutNode>
+          <dgm:layoutNode name="tile2text" styleLbl="node1">
+            <dgm:varLst>
+              <dgm:chMax val="0"/>
+              <dgm:chPref val="0"/>
+              <dgm:bulletEnabled val="1"/>
+            </dgm:varLst>
+            <dgm:choose name="Name14">
+              <dgm:if name="Name15" axis="root des" func="maxDepth" op="gte" val="3">
+                <dgm:alg type="tx">
+                  <dgm:param type="txAnchorVert" val="t"/>
+                  <dgm:param type="parTxLTRAlign" val="l"/>
+                  <dgm:param type="parTxRTLAlign" val="r"/>
+                </dgm:alg>
+              </dgm:if>
+              <dgm:else name="Name16">
+                <dgm:alg type="tx"/>
+              </dgm:else>
+            </dgm:choose>
+            <dgm:shape xmlns:r="http://schemas.openxmlformats.org/officeDocument/2006/relationships" type="rect" r:blip="" hideGeom="1">
+              <dgm:adjLst/>
+            </dgm:shape>
+            <dgm:choose name="Name17">
+              <dgm:if name="Name18" func="var" arg="dir" op="equ" val="norm">
+                <dgm:presOf axis="ch ch desOrSelf" ptType="node node node" st="1 2 1" cnt="1 1 0"/>
+              </dgm:if>
+              <dgm:else name="Name19">
+                <dgm:presOf axis="ch ch desOrSelf" ptType="node node node" st="1 1 1" cnt="1 1 0"/>
+              </dgm:else>
+            </dgm:choose>
+            <dgm:constrLst/>
+            <dgm:ruleLst>
+              <dgm:rule type="primFontSz" val="5" fact="NaN" max="NaN"/>
+            </dgm:ruleLst>
+          </dgm:layoutNode>
+          <dgm:layoutNode name="tile3" styleLbl="node1">
+            <dgm:alg type="sp"/>
+            <dgm:shape xmlns:r="http://schemas.openxmlformats.org/officeDocument/2006/relationships" rot="180" type="round1Rect" r:blip="">
+              <dgm:adjLst/>
+            </dgm:shape>
+            <dgm:choose name="Name20">
+              <dgm:if name="Name21" func="var" arg="dir" op="equ" val="norm">
+                <dgm:presOf axis="ch ch desOrSelf" ptType="node node node" st="1 3 1" cnt="1 1 0"/>
+              </dgm:if>
+              <dgm:else name="Name22">
+                <dgm:presOf axis="ch ch desOrSelf" ptType="node node node" st="1 4 1" cnt="1 1 0"/>
+              </dgm:else>
+            </dgm:choose>
+            <dgm:constrLst/>
+            <dgm:ruleLst/>
+          </dgm:layoutNode>
+          <dgm:layoutNode name="tile3text" styleLbl="node1">
+            <dgm:varLst>
+              <dgm:chMax val="0"/>
+              <dgm:chPref val="0"/>
+              <dgm:bulletEnabled val="1"/>
+            </dgm:varLst>
+            <dgm:choose name="Name23">
+              <dgm:if name="Name24" axis="root des" func="maxDepth" op="gte" val="3">
+                <dgm:alg type="tx">
+                  <dgm:param type="txAnchorVert" val="t"/>
+                  <dgm:param type="parTxLTRAlign" val="l"/>
+                  <dgm:param type="parTxRTLAlign" val="r"/>
+                </dgm:alg>
+              </dgm:if>
+              <dgm:else name="Name25">
+                <dgm:alg type="tx"/>
+              </dgm:else>
+            </dgm:choose>
+            <dgm:shape xmlns:r="http://schemas.openxmlformats.org/officeDocument/2006/relationships" rot="180" type="rect" r:blip="" hideGeom="1">
+              <dgm:adjLst/>
+            </dgm:shape>
+            <dgm:choose name="Name26">
+              <dgm:if name="Name27" func="var" arg="dir" op="equ" val="norm">
+                <dgm:presOf axis="ch ch desOrSelf" ptType="node node node" st="1 3 1" cnt="1 1 0"/>
+              </dgm:if>
+              <dgm:else name="Name28">
+                <dgm:presOf axis="ch ch desOrSelf" ptType="node node node" st="1 4 1" cnt="1 1 0"/>
+              </dgm:else>
+            </dgm:choose>
+            <dgm:constrLst/>
+            <dgm:ruleLst>
+              <dgm:rule type="primFontSz" val="5" fact="NaN" max="NaN"/>
+            </dgm:ruleLst>
+          </dgm:layoutNode>
+          <dgm:layoutNode name="tile4" styleLbl="node1">
+            <dgm:alg type="sp"/>
+            <dgm:shape xmlns:r="http://schemas.openxmlformats.org/officeDocument/2006/relationships" rot="90" type="round1Rect" r:blip="">
+              <dgm:adjLst/>
+            </dgm:shape>
+            <dgm:choose name="Name29">
+              <dgm:if name="Name30" func="var" arg="dir" op="equ" val="norm">
+                <dgm:presOf axis="ch ch desOrSelf" ptType="node node node" st="1 4 1" cnt="1 1 0"/>
+              </dgm:if>
+              <dgm:else name="Name31">
+                <dgm:presOf axis="ch ch desOrSelf" ptType="node node node" st="1 3 1" cnt="1 1 0"/>
+              </dgm:else>
+            </dgm:choose>
+            <dgm:constrLst/>
+            <dgm:ruleLst/>
+          </dgm:layoutNode>
+          <dgm:layoutNode name="tile4text" styleLbl="node1">
+            <dgm:varLst>
+              <dgm:chMax val="0"/>
+              <dgm:chPref val="0"/>
+              <dgm:bulletEnabled val="1"/>
+            </dgm:varLst>
+            <dgm:choose name="Name32">
+              <dgm:if name="Name33" axis="root des" func="maxDepth" op="gte" val="3">
+                <dgm:alg type="tx">
+                  <dgm:param type="txAnchorVert" val="t"/>
+                  <dgm:param type="parTxLTRAlign" val="l"/>
+                  <dgm:param type="parTxRTLAlign" val="r"/>
+                </dgm:alg>
+              </dgm:if>
+              <dgm:else name="Name34">
+                <dgm:alg type="tx"/>
+              </dgm:else>
+            </dgm:choose>
+            <dgm:shape xmlns:r="http://schemas.openxmlformats.org/officeDocument/2006/relationships" rot="90" type="rect" r:blip="" hideGeom="1">
+              <dgm:adjLst/>
+            </dgm:shape>
+            <dgm:choose name="Name35">
+              <dgm:if name="Name36" func="var" arg="dir" op="equ" val="norm">
+                <dgm:presOf axis="ch ch desOrSelf" ptType="node node node" st="1 4 1" cnt="1 1 0"/>
+              </dgm:if>
+              <dgm:else name="Name37">
+                <dgm:presOf axis="ch ch desOrSelf" ptType="node node node" st="1 3 1" cnt="1 1 0"/>
+              </dgm:else>
+            </dgm:choose>
+            <dgm:constrLst/>
+            <dgm:ruleLst>
+              <dgm:rule type="primFontSz" val="5" fact="NaN" max="NaN"/>
+            </dgm:ruleLst>
+          </dgm:layoutNode>
+        </dgm:layoutNode>
+        <dgm:layoutNode name="centerTile" styleLbl="fgShp">
+          <dgm:varLst>
+            <dgm:chMax val="0"/>
+            <dgm:chPref val="0"/>
+          </dgm:varLst>
+          <dgm:alg type="tx"/>
+          <dgm:shape xmlns:r="http://schemas.openxmlformats.org/officeDocument/2006/relationships" type="roundRect" r:blip="">
+            <dgm:adjLst/>
+          </dgm:shape>
+          <dgm:presOf axis="ch" ptType="node" cnt="1"/>
+          <dgm:constrLst>
+            <dgm:constr type="tMarg" refType="primFontSz" fact="0.3"/>
+            <dgm:constr type="bMarg" refType="primFontSz" fact="0.3"/>
+            <dgm:constr type="lMarg" refType="primFontSz" fact="0.3"/>
+            <dgm:constr type="rMarg" refType="primFontSz" fact="0.3"/>
+          </dgm:constrLst>
+          <dgm:ruleLst>
+            <dgm:rule type="primFontSz" val="5" fact="NaN" max="NaN"/>
+          </dgm:ruleLst>
+        </dgm:layoutNode>
+      </dgm:if>
+      <dgm:else name="Name38"/>
+    </dgm:choose>
+  </dgm:layoutNode>
+</dgm:layoutDef>
+</file>
+
+<file path=ppt/diagrams/quickStyle1.xml><?xml version="1.0" encoding="utf-8"?>
+<dgm:styleDef xmlns:dgm="http://schemas.openxmlformats.org/drawingml/2006/diagram" xmlns:a="http://schemas.openxmlformats.org/drawingml/2006/main" uniqueId="urn:microsoft.com/office/officeart/2005/8/quickstyle/simple1">
+  <dgm:title val=""/>
+  <dgm:desc val=""/>
+  <dgm:catLst>
+    <dgm:cat type="simple" pri="10100"/>
+  </dgm:catLst>
+  <dgm:scene3d>
+    <a:camera prst="orthographicFront"/>
+    <a:lightRig rig="threePt" dir="t"/>
+  </dgm:scene3d>
+  <dgm:styleLbl name="node0">
+    <dgm:scene3d>
+      <a:camera prst="orthographicFront"/>
+      <a:lightRig rig="threePt" dir="t"/>
+    </dgm:scene3d>
+    <dgm:sp3d/>
+    <dgm:txPr/>
+    <dgm:style>
+      <a:lnRef idx="2">
+        <a:scrgbClr r="0" g="0" b="0"/>
+      </a:lnRef>
+      <a:fillRef idx="1">
+        <a:scrgbClr r="0" g="0" b="0"/>
+      </a:fillRef>
+      <a:effectRef idx="0">
+        <a:scrgbClr r="0" g="0" b="0"/>
+      </a:effectRef>
+      <a:fontRef idx="minor">
+        <a:schemeClr val="lt1"/>
+      </a:fontRef>
+    </dgm:style>
+  </dgm:styleLbl>
+  <dgm:styleLbl name="lnNode1">
+    <dgm:scene3d>
+      <a:camera prst="orthographicFront"/>
+      <a:lightRig rig="threePt" dir="t"/>
+    </dgm:scene3d>
+    <dgm:sp3d/>
+    <dgm:txPr/>
+    <dgm:style>
+      <a:lnRef idx="2">
+        <a:scrgbClr r="0" g="0" b="0"/>
+      </a:lnRef>
+      <a:fillRef idx="1">
+        <a:scrgbClr r="0" g="0" b="0"/>
+      </a:fillRef>
+      <a:effectRef idx="0">
+        <a:scrgbClr r="0" g="0" b="0"/>
+      </a:effectRef>
+      <a:fontRef idx="minor">
+        <a:schemeClr val="lt1"/>
+      </a:fontRef>
+    </dgm:style>
+  </dgm:styleLbl>
+  <dgm:styleLbl name="vennNode1">
+    <dgm:scene3d>
+      <a:camera prst="orthographicFront"/>
+      <a:lightRig rig="threePt" dir="t"/>
+    </dgm:scene3d>
+    <dgm:sp3d/>
+    <dgm:txPr/>
+    <dgm:style>
+      <a:lnRef idx="2">
+        <a:scrgbClr r="0" g="0" b="0"/>
+      </a:lnRef>
+      <a:fillRef idx="1">
+        <a:scrgbClr r="0" g="0" b="0"/>
+      </a:fillRef>
+      <a:effectRef idx="0">
+        <a:scrgbClr r="0" g="0" b="0"/>
+      </a:effectRef>
+      <a:fontRef idx="minor">
+        <a:schemeClr val="tx1"/>
+      </a:fontRef>
+    </dgm:style>
+  </dgm:styleLbl>
+  <dgm:styleLbl name="alignNode1">
+    <dgm:scene3d>
+      <a:camera prst="orthographicFront"/>
+      <a:lightRig rig="threePt" dir="t"/>
+    </dgm:scene3d>
+    <dgm:sp3d/>
+    <dgm:txPr/>
+    <dgm:style>
+      <a:lnRef idx="2">
+        <a:scrgbClr r="0" g="0" b="0"/>
+      </a:lnRef>
+      <a:fillRef idx="1">
+        <a:scrgbClr r="0" g="0" b="0"/>
+      </a:fillRef>
+      <a:effectRef idx="0">
+        <a:scrgbClr r="0" g="0" b="0"/>
+      </a:effectRef>
+      <a:fontRef idx="minor">
+        <a:schemeClr val="lt1"/>
+      </a:fontRef>
+    </dgm:style>
+  </dgm:styleLbl>
+  <dgm:styleLbl name="node1">
+    <dgm:scene3d>
+      <a:camera prst="orthographicFront"/>
+      <a:lightRig rig="threePt" dir="t"/>
+    </dgm:scene3d>
+    <dgm:sp3d/>
+    <dgm:txPr/>
+    <dgm:style>
+      <a:lnRef idx="2">
+        <a:scrgbClr r="0" g="0" b="0"/>
+      </a:lnRef>
+      <a:fillRef idx="1">
+        <a:scrgbClr r="0" g="0" b="0"/>
+      </a:fillRef>
+      <a:effectRef idx="0">
+        <a:scrgbClr r="0" g="0" b="0"/>
+      </a:effectRef>
+      <a:fontRef idx="minor">
+        <a:schemeClr val="lt1"/>
+      </a:fontRef>
+    </dgm:style>
+  </dgm:styleLbl>
+  <dgm:styleLbl name="node2">
+    <dgm:scene3d>
+      <a:camera prst="orthographicFront"/>
+      <a:lightRig rig="threePt" dir="t"/>
+    </dgm:scene3d>
+    <dgm:sp3d/>
+    <dgm:txPr/>
+    <dgm:style>
+      <a:lnRef idx="2">
+        <a:scrgbClr r="0" g="0" b="0"/>
+      </a:lnRef>
+      <a:fillRef idx="1">
+        <a:scrgbClr r="0" g="0" b="0"/>
+      </a:fillRef>
+      <a:effectRef idx="0">
+        <a:scrgbClr r="0" g="0" b="0"/>
+      </a:effectRef>
+      <a:fontRef idx="minor">
+        <a:schemeClr val="lt1"/>
+      </a:fontRef>
+    </dgm:style>
+  </dgm:styleLbl>
+  <dgm:styleLbl name="node3">
+    <dgm:scene3d>
+      <a:camera prst="orthographicFront"/>
+      <a:lightRig rig="threePt" dir="t"/>
+    </dgm:scene3d>
+    <dgm:sp3d/>
+    <dgm:txPr/>
+    <dgm:style>
+      <a:lnRef idx="2">
+        <a:scrgbClr r="0" g="0" b="0"/>
+      </a:lnRef>
+      <a:fillRef idx="1">
+        <a:scrgbClr r="0" g="0" b="0"/>
+      </a:fillRef>
+      <a:effectRef idx="0">
+        <a:scrgbClr r="0" g="0" b="0"/>
+      </a:effectRef>
+      <a:fontRef idx="minor">
+        <a:schemeClr val="lt1"/>
+      </a:fontRef>
+    </dgm:style>
+  </dgm:styleLbl>
+  <dgm:styleLbl name="node4">
+    <dgm:scene3d>
+      <a:camera prst="orthographicFront"/>
+      <a:lightRig rig="threePt" dir="t"/>
+    </dgm:scene3d>
+    <dgm:sp3d/>
+    <dgm:txPr/>
+    <dgm:style>
+      <a:lnRef idx="2">
+        <a:scrgbClr r="0" g="0" b="0"/>
+      </a:lnRef>
+      <a:fillRef idx="1">
+        <a:scrgbClr r="0" g="0" b="0"/>
+      </a:fillRef>
+      <a:effectRef idx="0">
+        <a:scrgbClr r="0" g="0" b="0"/>
+      </a:effectRef>
+      <a:fontRef idx="minor">
+        <a:schemeClr val="lt1"/>
+      </a:fontRef>
+    </dgm:style>
+  </dgm:styleLbl>
+  <dgm:styleLbl name="fgImgPlace1">
+    <dgm:scene3d>
+      <a:camera prst="orthographicFront"/>
+      <a:lightRig rig="threePt" dir="t"/>
+    </dgm:scene3d>
+    <dgm:sp3d/>
+    <dgm:txPr/>
+    <dgm:style>
+      <a:lnRef idx="2">
+        <a:scrgbClr r="0" g="0" b="0"/>
+      </a:lnRef>
+      <a:fillRef idx="1">
+        <a:scrgbClr r="0" g="0" b="0"/>
+      </a:fillRef>
+      <a:effectRef idx="0">
+        <a:scrgbClr r="0" g="0" b="0"/>
+      </a:effectRef>
+      <a:fontRef idx="minor"/>
+    </dgm:style>
+  </dgm:styleLbl>
+  <dgm:styleLbl name="alignImgPlace1">
+    <dgm:scene3d>
+      <a:camera prst="orthographicFront"/>
+      <a:lightRig rig="threePt" dir="t"/>
+    </dgm:scene3d>
+    <dgm:sp3d/>
+    <dgm:txPr/>
+    <dgm:style>
+      <a:lnRef idx="2">
+        <a:scrgbClr r="0" g="0" b="0"/>
+      </a:lnRef>
+      <a:fillRef idx="1">
+        <a:scrgbClr r="0" g="0" b="0"/>
+      </a:fillRef>
+      <a:effectRef idx="0">
+        <a:scrgbClr r="0" g="0" b="0"/>
+      </a:effectRef>
+      <a:fontRef idx="minor"/>
+    </dgm:style>
+  </dgm:styleLbl>
+  <dgm:styleLbl name="bgImgPlace1">
+    <dgm:scene3d>
+      <a:camera prst="orthographicFront"/>
+      <a:lightRig rig="threePt" dir="t"/>
+    </dgm:scene3d>
+    <dgm:sp3d/>
+    <dgm:txPr/>
+    <dgm:style>
+      <a:lnRef idx="2">
+        <a:scrgbClr r="0" g="0" b="0"/>
+      </a:lnRef>
+      <a:fillRef idx="1">
+        <a:scrgbClr r="0" g="0" b="0"/>
+      </a:fillRef>
+      <a:effectRef idx="0">
+        <a:scrgbClr r="0" g="0" b="0"/>
+      </a:effectRef>
+      <a:fontRef idx="minor"/>
+    </dgm:style>
+  </dgm:styleLbl>
+  <dgm:styleLbl name="sibTrans2D1">
+    <dgm:scene3d>
+      <a:camera prst="orthographicFront"/>
+      <a:lightRig rig="threePt" dir="t"/>
+    </dgm:scene3d>
+    <dgm:sp3d/>
+    <dgm:txPr/>
+    <dgm:style>
+      <a:lnRef idx="0">
+        <a:scrgbClr r="0" g="0" b="0"/>
+      </a:lnRef>
+      <a:fillRef idx="1">
+        <a:scrgbClr r="0" g="0" b="0"/>
+      </a:fillRef>
+      <a:effectRef idx="0">
+        <a:scrgbClr r="0" g="0" b="0"/>
+      </a:effectRef>
+      <a:fontRef idx="minor">
+        <a:schemeClr val="lt1"/>
+      </a:fontRef>
+    </dgm:style>
+  </dgm:styleLbl>
+  <dgm:styleLbl name="fgSibTrans2D1">
+    <dgm:scene3d>
+      <a:camera prst="orthographicFront"/>
+      <a:lightRig rig="threePt" dir="t"/>
+    </dgm:scene3d>
+    <dgm:sp3d/>
+    <dgm:txPr/>
+    <dgm:style>
+      <a:lnRef idx="0">
+        <a:scrgbClr r="0" g="0" b="0"/>
+      </a:lnRef>
+      <a:fillRef idx="1">
+        <a:scrgbClr r="0" g="0" b="0"/>
+      </a:fillRef>
+      <a:effectRef idx="0">
+        <a:scrgbClr r="0" g="0" b="0"/>
+      </a:effectRef>
+      <a:fontRef idx="minor">
+        <a:schemeClr val="lt1"/>
+      </a:fontRef>
+    </dgm:style>
+  </dgm:styleLbl>
+  <dgm:styleLbl name="bgSibTrans2D1">
+    <dgm:scene3d>
+      <a:camera prst="orthographicFront"/>
+      <a:lightRig rig="threePt" dir="t"/>
+    </dgm:scene3d>
+    <dgm:sp3d/>
+    <dgm:txPr/>
+    <dgm:style>
+      <a:lnRef idx="0">
+        <a:scrgbClr r="0" g="0" b="0"/>
+      </a:lnRef>
+      <a:fillRef idx="1">
+        <a:scrgbClr r="0" g="0" b="0"/>
+      </a:fillRef>
+      <a:effectRef idx="0">
+        <a:scrgbClr r="0" g="0" b="0"/>
+      </a:effectRef>
+      <a:fontRef idx="minor">
+        <a:schemeClr val="lt1"/>
+      </a:fontRef>
+    </dgm:style>
+  </dgm:styleLbl>
+  <dgm:styleLbl name="sibTrans1D1">
+    <dgm:scene3d>
+      <a:camera prst="orthographicFront"/>
+      <a:lightRig rig="threePt" dir="t"/>
+    </dgm:scene3d>
+    <dgm:sp3d/>
+    <dgm:txPr/>
+    <dgm:style>
+      <a:lnRef idx="1">
+        <a:scrgbClr r="0" g="0" b="0"/>
+      </a:lnRef>
+      <a:fillRef idx="0">
+        <a:scrgbClr r="0" g="0" b="0"/>
+      </a:fillRef>
+      <a:effectRef idx="0">
+        <a:scrgbClr r="0" g="0" b="0"/>
+      </a:effectRef>
+      <a:fontRef idx="minor"/>
+    </dgm:style>
+  </dgm:styleLbl>
+  <dgm:styleLbl name="callout">
+    <dgm:scene3d>
+      <a:camera prst="orthographicFront"/>
+      <a:lightRig rig="threePt" dir="t"/>
+    </dgm:scene3d>
+    <dgm:sp3d/>
+    <dgm:txPr/>
+    <dgm:style>
+      <a:lnRef idx="2">
+        <a:scrgbClr r="0" g="0" b="0"/>
+      </a:lnRef>
+      <a:fillRef idx="1">
+        <a:scrgbClr r="0" g="0" b="0"/>
+      </a:fillRef>
+      <a:effectRef idx="0">
+        <a:scrgbClr r="0" g="0" b="0"/>
+      </a:effectRef>
+      <a:fontRef idx="minor"/>
+    </dgm:style>
+  </dgm:styleLbl>
+  <dgm:styleLbl name="asst0">
+    <dgm:scene3d>
+      <a:camera prst="orthographicFront"/>
+      <a:lightRig rig="threePt" dir="t"/>
+    </dgm:scene3d>
+    <dgm:sp3d/>
+    <dgm:txPr/>
+    <dgm:style>
+      <a:lnRef idx="2">
+        <a:scrgbClr r="0" g="0" b="0"/>
+      </a:lnRef>
+      <a:fillRef idx="1">
+        <a:scrgbClr r="0" g="0" b="0"/>
+      </a:fillRef>
+      <a:effectRef idx="0">
+        <a:scrgbClr r="0" g="0" b="0"/>
+      </a:effectRef>
+      <a:fontRef idx="minor">
+        <a:schemeClr val="lt1"/>
+      </a:fontRef>
+    </dgm:style>
+  </dgm:styleLbl>
+  <dgm:styleLbl name="asst1">
+    <dgm:scene3d>
+      <a:camera prst="orthographicFront"/>
+      <a:lightRig rig="threePt" dir="t"/>
+    </dgm:scene3d>
+    <dgm:sp3d/>
+    <dgm:txPr/>
+    <dgm:style>
+      <a:lnRef idx="2">
+        <a:scrgbClr r="0" g="0" b="0"/>
+      </a:lnRef>
+      <a:fillRef idx="1">
+        <a:scrgbClr r="0" g="0" b="0"/>
+      </a:fillRef>
+      <a:effectRef idx="0">
+        <a:scrgbClr r="0" g="0" b="0"/>
+      </a:effectRef>
+      <a:fontRef idx="minor">
+        <a:schemeClr val="lt1"/>
+      </a:fontRef>
+    </dgm:style>
+  </dgm:styleLbl>
+  <dgm:styleLbl name="asst2">
+    <dgm:scene3d>
+      <a:camera prst="orthographicFront"/>
+      <a:lightRig rig="threePt" dir="t"/>
+    </dgm:scene3d>
+    <dgm:sp3d/>
+    <dgm:txPr/>
+    <dgm:style>
+      <a:lnRef idx="2">
+        <a:scrgbClr r="0" g="0" b="0"/>
+      </a:lnRef>
+      <a:fillRef idx="1">
+        <a:scrgbClr r="0" g="0" b="0"/>
+      </a:fillRef>
+      <a:effectRef idx="0">
+        <a:scrgbClr r="0" g="0" b="0"/>
+      </a:effectRef>
+      <a:fontRef idx="minor">
+        <a:schemeClr val="lt1"/>
+      </a:fontRef>
+    </dgm:style>
+  </dgm:styleLbl>
+  <dgm:styleLbl name="asst3">
+    <dgm:scene3d>
+      <a:camera prst="orthographicFront"/>
+      <a:lightRig rig="threePt" dir="t"/>
+    </dgm:scene3d>
+    <dgm:sp3d/>
+    <dgm:txPr/>
+    <dgm:style>
+      <a:lnRef idx="2">
+        <a:scrgbClr r="0" g="0" b="0"/>
+      </a:lnRef>
+      <a:fillRef idx="1">
+        <a:scrgbClr r="0" g="0" b="0"/>
+      </a:fillRef>
+      <a:effectRef idx="0">
+        <a:scrgbClr r="0" g="0" b="0"/>
+      </a:effectRef>
+      <a:fontRef idx="minor">
+        <a:schemeClr val="lt1"/>
+      </a:fontRef>
+    </dgm:style>
+  </dgm:styleLbl>
+  <dgm:styleLbl name="asst4">
+    <dgm:scene3d>
+      <a:camera prst="orthographicFront"/>
+      <a:lightRig rig="threePt" dir="t"/>
+    </dgm:scene3d>
+    <dgm:sp3d/>
+    <dgm:txPr/>
+    <dgm:style>
+      <a:lnRef idx="2">
+        <a:scrgbClr r="0" g="0" b="0"/>
+      </a:lnRef>
+      <a:fillRef idx="1">
+        <a:scrgbClr r="0" g="0" b="0"/>
+      </a:fillRef>
+      <a:effectRef idx="0">
+        <a:scrgbClr r="0" g="0" b="0"/>
+      </a:effectRef>
+      <a:fontRef idx="minor">
+        <a:schemeClr val="lt1"/>
+      </a:fontRef>
+    </dgm:style>
+  </dgm:styleLbl>
+  <dgm:styleLbl name="parChTrans2D1">
+    <dgm:scene3d>
+      <a:camera prst="orthographicFront"/>
+      <a:lightRig rig="threePt" dir="t"/>
+    </dgm:scene3d>
+    <dgm:sp3d/>
+    <dgm:txPr/>
+    <dgm:style>
+      <a:lnRef idx="2">
+        <a:scrgbClr r="0" g="0" b="0"/>
+      </a:lnRef>
+      <a:fillRef idx="1">
+        <a:scrgbClr r="0" g="0" b="0"/>
+      </a:fillRef>
+      <a:effectRef idx="0">
+        <a:scrgbClr r="0" g="0" b="0"/>
+      </a:effectRef>
+      <a:fontRef idx="minor">
+        <a:schemeClr val="lt1"/>
+      </a:fontRef>
+    </dgm:style>
+  </dgm:styleLbl>
+  <dgm:styleLbl name="parChTrans2D2">
+    <dgm:scene3d>
+      <a:camera prst="orthographicFront"/>
+      <a:lightRig rig="threePt" dir="t"/>
+    </dgm:scene3d>
+    <dgm:sp3d/>
+    <dgm:txPr/>
+    <dgm:style>
+      <a:lnRef idx="2">
+        <a:scrgbClr r="0" g="0" b="0"/>
+      </a:lnRef>
+      <a:fillRef idx="1">
+        <a:scrgbClr r="0" g="0" b="0"/>
+      </a:fillRef>
+      <a:effectRef idx="0">
+        <a:scrgbClr r="0" g="0" b="0"/>
+      </a:effectRef>
+      <a:fontRef idx="minor">
+        <a:schemeClr val="lt1"/>
+      </a:fontRef>
+    </dgm:style>
+  </dgm:styleLbl>
+  <dgm:styleLbl name="parChTrans2D3">
+    <dgm:scene3d>
+      <a:camera prst="orthographicFront"/>
+      <a:lightRig rig="threePt" dir="t"/>
+    </dgm:scene3d>
+    <dgm:sp3d/>
+    <dgm:txPr/>
+    <dgm:style>
+      <a:lnRef idx="2">
+        <a:scrgbClr r="0" g="0" b="0"/>
+      </a:lnRef>
+      <a:fillRef idx="1">
+        <a:scrgbClr r="0" g="0" b="0"/>
+      </a:fillRef>
+      <a:effectRef idx="0">
+        <a:scrgbClr r="0" g="0" b="0"/>
+      </a:effectRef>
+      <a:fontRef idx="minor">
+        <a:schemeClr val="lt1"/>
+      </a:fontRef>
+    </dgm:style>
+  </dgm:styleLbl>
+  <dgm:styleLbl name="parChTrans2D4">
+    <dgm:scene3d>
+      <a:camera prst="orthographicFront"/>
+      <a:lightRig rig="threePt" dir="t"/>
+    </dgm:scene3d>
+    <dgm:sp3d/>
+    <dgm:txPr/>
+    <dgm:style>
+      <a:lnRef idx="2">
+        <a:scrgbClr r="0" g="0" b="0"/>
+      </a:lnRef>
+      <a:fillRef idx="1">
+        <a:scrgbClr r="0" g="0" b="0"/>
+      </a:fillRef>
+      <a:effectRef idx="0">
+        <a:scrgbClr r="0" g="0" b="0"/>
+      </a:effectRef>
+      <a:fontRef idx="minor">
+        <a:schemeClr val="lt1"/>
+      </a:fontRef>
+    </dgm:style>
+  </dgm:styleLbl>
+  <dgm:styleLbl name="parChTrans1D1">
+    <dgm:scene3d>
+      <a:camera prst="orthographicFront"/>
+      <a:lightRig rig="threePt" dir="t"/>
+    </dgm:scene3d>
+    <dgm:sp3d/>
+    <dgm:txPr/>
+    <dgm:style>
+      <a:lnRef idx="2">
+        <a:scrgbClr r="0" g="0" b="0"/>
+      </a:lnRef>
+      <a:fillRef idx="0">
+        <a:scrgbClr r="0" g="0" b="0"/>
+      </a:fillRef>
+      <a:effectRef idx="0">
+        <a:scrgbClr r="0" g="0" b="0"/>
+      </a:effectRef>
+      <a:fontRef idx="minor"/>
+    </dgm:style>
+  </dgm:styleLbl>
+  <dgm:styleLbl name="parChTrans1D2">
+    <dgm:scene3d>
+      <a:camera prst="orthographicFront"/>
+      <a:lightRig rig="threePt" dir="t"/>
+    </dgm:scene3d>
+    <dgm:sp3d/>
+    <dgm:txPr/>
+    <dgm:style>
+      <a:lnRef idx="2">
+        <a:scrgbClr r="0" g="0" b="0"/>
+      </a:lnRef>
+      <a:fillRef idx="0">
+        <a:scrgbClr r="0" g="0" b="0"/>
+      </a:fillRef>
+      <a:effectRef idx="0">
+        <a:scrgbClr r="0" g="0" b="0"/>
+      </a:effectRef>
+      <a:fontRef idx="minor"/>
+    </dgm:style>
+  </dgm:styleLbl>
+  <dgm:styleLbl name="parChTrans1D3">
+    <dgm:scene3d>
+      <a:camera prst="orthographicFront"/>
+      <a:lightRig rig="threePt" dir="t"/>
+    </dgm:scene3d>
+    <dgm:sp3d/>
+    <dgm:txPr/>
+    <dgm:style>
+      <a:lnRef idx="2">
+        <a:scrgbClr r="0" g="0" b="0"/>
+      </a:lnRef>
+      <a:fillRef idx="0">
+        <a:scrgbClr r="0" g="0" b="0"/>
+      </a:fillRef>
+      <a:effectRef idx="0">
+        <a:scrgbClr r="0" g="0" b="0"/>
+      </a:effectRef>
+      <a:fontRef idx="minor"/>
+    </dgm:style>
+  </dgm:styleLbl>
+  <dgm:styleLbl name="parChTrans1D4">
+    <dgm:scene3d>
+      <a:camera prst="orthographicFront"/>
+      <a:lightRig rig="threePt" dir="t"/>
+    </dgm:scene3d>
+    <dgm:sp3d/>
+    <dgm:txPr/>
+    <dgm:style>
+      <a:lnRef idx="2">
+        <a:scrgbClr r="0" g="0" b="0"/>
+      </a:lnRef>
+      <a:fillRef idx="0">
+        <a:scrgbClr r="0" g="0" b="0"/>
+      </a:fillRef>
+      <a:effectRef idx="0">
+        <a:scrgbClr r="0" g="0" b="0"/>
+      </a:effectRef>
+      <a:fontRef idx="minor"/>
+    </dgm:style>
+  </dgm:styleLbl>
+  <dgm:styleLbl name="fgAcc1">
+    <dgm:scene3d>
+      <a:camera prst="orthographicFront"/>
+      <a:lightRig rig="threePt" dir="t"/>
+    </dgm:scene3d>
+    <dgm:sp3d/>
+    <dgm:txPr/>
+    <dgm:style>
+      <a:lnRef idx="2">
+        <a:scrgbClr r="0" g="0" b="0"/>
+      </a:lnRef>
+      <a:fillRef idx="1">
+        <a:scrgbClr r="0" g="0" b="0"/>
+      </a:fillRef>
+      <a:effectRef idx="0">
+        <a:scrgbClr r="0" g="0" b="0"/>
+      </a:effectRef>
+      <a:fontRef idx="minor"/>
+    </dgm:style>
+  </dgm:styleLbl>
+  <dgm:styleLbl name="conFgAcc1">
+    <dgm:scene3d>
+      <a:camera prst="orthographicFront"/>
+      <a:lightRig rig="threePt" dir="t"/>
+    </dgm:scene3d>
+    <dgm:sp3d/>
+    <dgm:txPr/>
+    <dgm:style>
+      <a:lnRef idx="2">
+        <a:scrgbClr r="0" g="0" b="0"/>
+      </a:lnRef>
+      <a:fillRef idx="1">
+        <a:scrgbClr r="0" g="0" b="0"/>
+      </a:fillRef>
+      <a:effectRef idx="0">
+        <a:scrgbClr r="0" g="0" b="0"/>
+      </a:effectRef>
+      <a:fontRef idx="minor"/>
+    </dgm:style>
+  </dgm:styleLbl>
+  <dgm:styleLbl name="alignAcc1">
+    <dgm:scene3d>
+      <a:camera prst="orthographicFront"/>
+      <a:lightRig rig="threePt" dir="t"/>
+    </dgm:scene3d>
+    <dgm:sp3d/>
+    <dgm:txPr/>
+    <dgm:style>
+      <a:lnRef idx="2">
+        <a:scrgbClr r="0" g="0" b="0"/>
+      </a:lnRef>
+      <a:fillRef idx="1">
+        <a:scrgbClr r="0" g="0" b="0"/>
+      </a:fillRef>
+      <a:effectRef idx="0">
+        <a:scrgbClr r="0" g="0" b="0"/>
+      </a:effectRef>
+      <a:fontRef idx="minor"/>
+    </dgm:style>
+  </dgm:styleLbl>
+  <dgm:styleLbl name="trAlignAcc1">
+    <dgm:scene3d>
+      <a:camera prst="orthographicFront"/>
+      <a:lightRig rig="threePt" dir="t"/>
+    </dgm:scene3d>
+    <dgm:sp3d/>
+    <dgm:txPr/>
+    <dgm:style>
+      <a:lnRef idx="1">
+        <a:scrgbClr r="0" g="0" b="0"/>
+      </a:lnRef>
+      <a:fillRef idx="1">
+        <a:scrgbClr r="0" g="0" b="0"/>
+      </a:fillRef>
+      <a:effectRef idx="0">
+        <a:scrgbClr r="0" g="0" b="0"/>
+      </a:effectRef>
+      <a:fontRef idx="minor"/>
+    </dgm:style>
+  </dgm:styleLbl>
+  <dgm:styleLbl name="bgAcc1">
+    <dgm:scene3d>
+      <a:camera prst="orthographicFront"/>
+      <a:lightRig rig="threePt" dir="t"/>
+    </dgm:scene3d>
+    <dgm:sp3d/>
+    <dgm:txPr/>
+    <dgm:style>
+      <a:lnRef idx="2">
+        <a:scrgbClr r="0" g="0" b="0"/>
+      </a:lnRef>
+      <a:fillRef idx="1">
+        <a:scrgbClr r="0" g="0" b="0"/>
+      </a:fillRef>
+      <a:effectRef idx="0">
+        <a:scrgbClr r="0" g="0" b="0"/>
+      </a:effectRef>
+      <a:fontRef idx="minor"/>
+    </dgm:style>
+  </dgm:styleLbl>
+  <dgm:styleLbl name="solidFgAcc1">
+    <dgm:scene3d>
+      <a:camera prst="orthographicFront"/>
+      <a:lightRig rig="threePt" dir="t"/>
+    </dgm:scene3d>
+    <dgm:sp3d/>
+    <dgm:txPr/>
+    <dgm:style>
+      <a:lnRef idx="2">
+        <a:scrgbClr r="0" g="0" b="0"/>
+      </a:lnRef>
+      <a:fillRef idx="1">
+        <a:scrgbClr r="0" g="0" b="0"/>
+      </a:fillRef>
+      <a:effectRef idx="0">
+        <a:scrgbClr r="0" g="0" b="0"/>
+      </a:effectRef>
+      <a:fontRef idx="minor"/>
+    </dgm:style>
+  </dgm:styleLbl>
+  <dgm:styleLbl name="solidAlignAcc1">
+    <dgm:scene3d>
+      <a:camera prst="orthographicFront"/>
+      <a:lightRig rig="threePt" dir="t"/>
+    </dgm:scene3d>
+    <dgm:sp3d/>
+    <dgm:txPr/>
+    <dgm:style>
+      <a:lnRef idx="2">
+        <a:scrgbClr r="0" g="0" b="0"/>
+      </a:lnRef>
+      <a:fillRef idx="1">
+        <a:scrgbClr r="0" g="0" b="0"/>
+      </a:fillRef>
+      <a:effectRef idx="0">
+        <a:scrgbClr r="0" g="0" b="0"/>
+      </a:effectRef>
+      <a:fontRef idx="minor"/>
+    </dgm:style>
+  </dgm:styleLbl>
+  <dgm:styleLbl name="solidBgAcc1">
+    <dgm:scene3d>
+      <a:camera prst="orthographicFront"/>
+      <a:lightRig rig="threePt" dir="t"/>
+    </dgm:scene3d>
+    <dgm:sp3d/>
+    <dgm:txPr/>
+    <dgm:style>
+      <a:lnRef idx="2">
+        <a:scrgbClr r="0" g="0" b="0"/>
+      </a:lnRef>
+      <a:fillRef idx="1">
+        <a:scrgbClr r="0" g="0" b="0"/>
+      </a:fillRef>
+      <a:effectRef idx="0">
+        <a:scrgbClr r="0" g="0" b="0"/>
+      </a:effectRef>
+      <a:fontRef idx="minor"/>
+    </dgm:style>
+  </dgm:styleLbl>
+  <dgm:styleLbl name="fgAccFollowNode1">
+    <dgm:scene3d>
+      <a:camera prst="orthographicFront"/>
+      <a:lightRig rig="threePt" dir="t"/>
+    </dgm:scene3d>
+    <dgm:sp3d/>
+    <dgm:txPr/>
+    <dgm:style>
+      <a:lnRef idx="2">
+        <a:scrgbClr r="0" g="0" b="0"/>
+      </a:lnRef>
+      <a:fillRef idx="1">
+        <a:scrgbClr r="0" g="0" b="0"/>
+      </a:fillRef>
+      <a:effectRef idx="0">
+        <a:scrgbClr r="0" g="0" b="0"/>
+      </a:effectRef>
+      <a:fontRef idx="minor"/>
+    </dgm:style>
+  </dgm:styleLbl>
+  <dgm:styleLbl name="alignAccFollowNode1">
+    <dgm:scene3d>
+      <a:camera prst="orthographicFront"/>
+      <a:lightRig rig="threePt" dir="t"/>
+    </dgm:scene3d>
+    <dgm:sp3d/>
+    <dgm:txPr/>
+    <dgm:style>
+      <a:lnRef idx="2">
+        <a:scrgbClr r="0" g="0" b="0"/>
+      </a:lnRef>
+      <a:fillRef idx="1">
+        <a:scrgbClr r="0" g="0" b="0"/>
+      </a:fillRef>
+      <a:effectRef idx="0">
+        <a:scrgbClr r="0" g="0" b="0"/>
+      </a:effectRef>
+      <a:fontRef idx="minor"/>
+    </dgm:style>
+  </dgm:styleLbl>
+  <dgm:styleLbl name="bgAccFollowNode1">
+    <dgm:scene3d>
+      <a:camera prst="orthographicFront"/>
+      <a:lightRig rig="threePt" dir="t"/>
+    </dgm:scene3d>
+    <dgm:sp3d/>
+    <dgm:txPr/>
+    <dgm:style>
+      <a:lnRef idx="2">
+        <a:scrgbClr r="0" g="0" b="0"/>
+      </a:lnRef>
+      <a:fillRef idx="1">
+        <a:scrgbClr r="0" g="0" b="0"/>
+      </a:fillRef>
+      <a:effectRef idx="0">
+        <a:scrgbClr r="0" g="0" b="0"/>
+      </a:effectRef>
+      <a:fontRef idx="minor"/>
+    </dgm:style>
+  </dgm:styleLbl>
+  <dgm:styleLbl name="fgAcc0">
+    <dgm:scene3d>
+      <a:camera prst="orthographicFront"/>
+      <a:lightRig rig="threePt" dir="t"/>
+    </dgm:scene3d>
+    <dgm:sp3d/>
+    <dgm:txPr/>
+    <dgm:style>
+      <a:lnRef idx="2">
+        <a:scrgbClr r="0" g="0" b="0"/>
+      </a:lnRef>
+      <a:fillRef idx="1">
+        <a:scrgbClr r="0" g="0" b="0"/>
+      </a:fillRef>
+      <a:effectRef idx="0">
+        <a:scrgbClr r="0" g="0" b="0"/>
+      </a:effectRef>
+      <a:fontRef idx="minor"/>
+    </dgm:style>
+  </dgm:styleLbl>
+  <dgm:styleLbl name="fgAcc2">
+    <dgm:scene3d>
+      <a:camera prst="orthographicFront"/>
+      <a:lightRig rig="threePt" dir="t"/>
+    </dgm:scene3d>
+    <dgm:sp3d/>
+    <dgm:txPr/>
+    <dgm:style>
+      <a:lnRef idx="2">
+        <a:scrgbClr r="0" g="0" b="0"/>
+      </a:lnRef>
+      <a:fillRef idx="1">
+        <a:scrgbClr r="0" g="0" b="0"/>
+      </a:fillRef>
+      <a:effectRef idx="0">
+        <a:scrgbClr r="0" g="0" b="0"/>
+      </a:effectRef>
+      <a:fontRef idx="minor"/>
+    </dgm:style>
+  </dgm:styleLbl>
+  <dgm:styleLbl name="fgAcc3">
+    <dgm:scene3d>
+      <a:camera prst="orthographicFront"/>
+      <a:lightRig rig="threePt" dir="t"/>
+    </dgm:scene3d>
+    <dgm:sp3d/>
+    <dgm:txPr/>
+    <dgm:style>
+      <a:lnRef idx="2">
+        <a:scrgbClr r="0" g="0" b="0"/>
+      </a:lnRef>
+      <a:fillRef idx="1">
+        <a:scrgbClr r="0" g="0" b="0"/>
+      </a:fillRef>
+      <a:effectRef idx="0">
+        <a:scrgbClr r="0" g="0" b="0"/>
+      </a:effectRef>
+      <a:fontRef idx="minor"/>
+    </dgm:style>
+  </dgm:styleLbl>
+  <dgm:styleLbl name="fgAcc4">
+    <dgm:scene3d>
+      <a:camera prst="orthographicFront"/>
+      <a:lightRig rig="threePt" dir="t"/>
+    </dgm:scene3d>
+    <dgm:sp3d/>
+    <dgm:txPr/>
+    <dgm:style>
+      <a:lnRef idx="2">
+        <a:scrgbClr r="0" g="0" b="0"/>
+      </a:lnRef>
+      <a:fillRef idx="1">
+        <a:scrgbClr r="0" g="0" b="0"/>
+      </a:fillRef>
+      <a:effectRef idx="0">
+        <a:scrgbClr r="0" g="0" b="0"/>
+      </a:effectRef>
+      <a:fontRef idx="minor"/>
+    </dgm:style>
+  </dgm:styleLbl>
+  <dgm:styleLbl name="bgShp">
+    <dgm:scene3d>
+      <a:camera prst="orthographicFront"/>
+      <a:lightRig rig="threePt" dir="t"/>
+    </dgm:scene3d>
+    <dgm:sp3d/>
+    <dgm:txPr/>
+    <dgm:style>
+      <a:lnRef idx="0">
+        <a:scrgbClr r="0" g="0" b="0"/>
+      </a:lnRef>
+      <a:fillRef idx="1">
+        <a:scrgbClr r="0" g="0" b="0"/>
+      </a:fillRef>
+      <a:effectRef idx="0">
+        <a:scrgbClr r="0" g="0" b="0"/>
+      </a:effectRef>
+      <a:fontRef idx="minor"/>
+    </dgm:style>
+  </dgm:styleLbl>
+  <dgm:styleLbl name="dkBgShp">
+    <dgm:scene3d>
+      <a:camera prst="orthographicFront"/>
+      <a:lightRig rig="threePt" dir="t"/>
+    </dgm:scene3d>
+    <dgm:sp3d/>
+    <dgm:txPr/>
+    <dgm:style>
+      <a:lnRef idx="0">
+        <a:scrgbClr r="0" g="0" b="0"/>
+      </a:lnRef>
+      <a:fillRef idx="1">
+        <a:scrgbClr r="0" g="0" b="0"/>
+      </a:fillRef>
+      <a:effectRef idx="0">
+        <a:scrgbClr r="0" g="0" b="0"/>
+      </a:effectRef>
+      <a:fontRef idx="minor"/>
+    </dgm:style>
+  </dgm:styleLbl>
+  <dgm:styleLbl name="trBgShp">
+    <dgm:scene3d>
+      <a:camera prst="orthographicFront"/>
+      <a:lightRig rig="threePt" dir="t"/>
+    </dgm:scene3d>
+    <dgm:sp3d/>
+    <dgm:txPr/>
+    <dgm:style>
+      <a:lnRef idx="0">
+        <a:scrgbClr r="0" g="0" b="0"/>
+      </a:lnRef>
+      <a:fillRef idx="1">
+        <a:scrgbClr r="0" g="0" b="0"/>
+      </a:fillRef>
+      <a:effectRef idx="0">
+        <a:scrgbClr r="0" g="0" b="0"/>
+      </a:effectRef>
+      <a:fontRef idx="minor"/>
+    </dgm:style>
+  </dgm:styleLbl>
+  <dgm:styleLbl name="fgShp">
+    <dgm:scene3d>
+      <a:camera prst="orthographicFront"/>
+      <a:lightRig rig="threePt" dir="t"/>
+    </dgm:scene3d>
+    <dgm:sp3d/>
+    <dgm:txPr/>
+    <dgm:style>
+      <a:lnRef idx="2">
+        <a:scrgbClr r="0" g="0" b="0"/>
+      </a:lnRef>
+      <a:fillRef idx="1">
+        <a:scrgbClr r="0" g="0" b="0"/>
+      </a:fillRef>
+      <a:effectRef idx="0">
+        <a:scrgbClr r="0" g="0" b="0"/>
+      </a:effectRef>
+      <a:fontRef idx="minor"/>
+    </dgm:style>
+  </dgm:styleLbl>
+  <dgm:styleLbl name="revTx">
+    <dgm:scene3d>
+      <a:camera prst="orthographicFront"/>
+      <a:lightRig rig="threePt" dir="t"/>
+    </dgm:scene3d>
+    <dgm:sp3d/>
+    <dgm:txPr/>
+    <dgm:style>
+      <a:lnRef idx="0">
+        <a:scrgbClr r="0" g="0" b="0"/>
+      </a:lnRef>
+      <a:fillRef idx="0">
+        <a:scrgbClr r="0" g="0" b="0"/>
+      </a:fillRef>
+      <a:effectRef idx="0">
+        <a:scrgbClr r="0" g="0" b="0"/>
+      </a:effectRef>
+      <a:fontRef idx="minor"/>
+    </dgm:style>
+  </dgm:styleLbl>
+</dgm:styleDef>
+</file>
+
 <file path=ppt/notesMasters/notesMaster1.xml><?xml version="1.0" encoding="utf-8"?>
 <p:notesMaster xmlns:a="http://schemas.openxmlformats.org/drawingml/2006/main" xmlns:r="http://schemas.openxmlformats.org/officeDocument/2006/relationships" xmlns:p="http://schemas.openxmlformats.org/presentationml/2006/main">
   <p:cSld>
+    <p:bg>
+      <p:bgRef idx="1001">
+        <a:schemeClr val="bg1"/>
+      </p:bgRef>
+    </p:bg>
     <p:spTree>
       <p:nvGrpSpPr>
         <p:cNvPr id="1" name=""/>
@@ -645,7 +3914,9 @@
       <p:sp>
         <p:nvSpPr>
           <p:cNvPr id="63" name="Shape 63"/>
-          <p:cNvSpPr/>
+          <p:cNvSpPr>
+            <a:spLocks noGrp="1" noRot="1" noChangeAspect="1"/>
+          </p:cNvSpPr>
           <p:nvPr>
             <p:ph type="sldImg"/>
           </p:nvPr>
@@ -663,14 +3934,16 @@
           <a:bodyPr/>
           <a:lstStyle/>
           <a:p>
-            <a:pPr/>
+            <a:endParaRPr/>
           </a:p>
         </p:txBody>
       </p:sp>
       <p:sp>
         <p:nvSpPr>
           <p:cNvPr id="64" name="Shape 64"/>
-          <p:cNvSpPr/>
+          <p:cNvSpPr>
+            <a:spLocks noGrp="1"/>
+          </p:cNvSpPr>
           <p:nvPr>
             <p:ph type="body" sz="quarter" idx="1"/>
           </p:nvPr>
@@ -688,11 +3961,16 @@
           <a:bodyPr/>
           <a:lstStyle/>
           <a:p>
-            <a:pPr/>
+            <a:endParaRPr/>
           </a:p>
         </p:txBody>
       </p:sp>
     </p:spTree>
+    <p:extLst>
+      <p:ext uri="{BB962C8B-B14F-4D97-AF65-F5344CB8AC3E}">
+        <p14:creationId xmlns:p14="http://schemas.microsoft.com/office/powerpoint/2010/main" val="127506074"/>
+      </p:ext>
+    </p:extLst>
   </p:cSld>
   <p:clrMap bg1="lt1" tx1="dk1" bg2="lt2" tx2="dk2" accent1="accent1" accent2="accent2" accent3="accent3" accent4="accent4" accent5="accent5" accent6="accent6" hlink="hlink" folHlink="folHlink"/>
   <p:notesStyle>
@@ -800,7 +4078,7 @@
 </file>
 
 <file path=ppt/slideLayouts/slideLayout1.xml><?xml version="1.0" encoding="utf-8"?>
-<p:sldLayout xmlns:a="http://schemas.openxmlformats.org/drawingml/2006/main" xmlns:r="http://schemas.openxmlformats.org/officeDocument/2006/relationships" xmlns:p="http://schemas.openxmlformats.org/presentationml/2006/main" type="title" showMasterSp="0" showMasterPhAnim="1">
+<p:sldLayout xmlns:a="http://schemas.openxmlformats.org/drawingml/2006/main" xmlns:r="http://schemas.openxmlformats.org/officeDocument/2006/relationships" xmlns:p="http://schemas.openxmlformats.org/presentationml/2006/main" showMasterSp="0" type="title">
   <p:cSld name="Title">
     <p:spTree>
       <p:nvGrpSpPr>
@@ -848,7 +4126,9 @@
       <p:sp>
         <p:nvSpPr>
           <p:cNvPr id="17" name="Shape 17"/>
-          <p:cNvSpPr/>
+          <p:cNvSpPr>
+            <a:spLocks noGrp="1"/>
+          </p:cNvSpPr>
           <p:nvPr>
             <p:ph type="title"/>
           </p:nvPr>
@@ -868,7 +4148,6 @@
             <a:lvl1pPr algn="ctr"/>
           </a:lstStyle>
           <a:p>
-            <a:pPr/>
             <a:r>
               <a:t>Title Text</a:t>
             </a:r>
@@ -894,7 +4173,7 @@
           </a:ln>
           <a:extLst>
             <a:ext uri="{C572A759-6A51-4108-AA02-DFA0A04FC94B}">
-              <ma14:wrappingTextBoxFlag xmlns:ma14="http://schemas.microsoft.com/office/mac/drawingml/2011/main" val="1"/>
+              <ma14:wrappingTextBoxFlag xmlns="" xmlns:ma14="http://schemas.microsoft.com/office/mac/drawingml/2011/main" val="1"/>
             </a:ext>
           </a:extLst>
         </p:spPr>
@@ -916,7 +4195,6 @@
             </a:lvl1pPr>
           </a:lstStyle>
           <a:p>
-            <a:pPr/>
             <a:r>
               <a:t>INTRODUCTION TO PORTFOLIO ANALYSIS</a:t>
             </a:r>
@@ -967,7 +4245,7 @@
             <a:lstStyle/>
             <a:p>
               <a:pPr algn="l" defTabSz="825500">
-                <a:defRPr b="1" sz="3600">
+                <a:defRPr sz="3600" b="1">
                   <a:solidFill>
                     <a:srgbClr val="2685A2"/>
                   </a:solidFill>
@@ -977,6 +4255,7 @@
                   <a:sym typeface="Helvetica"/>
                 </a:defRPr>
               </a:pPr>
+              <a:endParaRPr/>
             </a:p>
           </p:txBody>
         </p:sp>
@@ -992,7 +4271,7 @@
             <a:blip r:embed="rId3">
               <a:extLst/>
             </a:blip>
-            <a:srcRect l="0" t="0" r="0" b="0"/>
+            <a:srcRect/>
             <a:stretch>
               <a:fillRect/>
             </a:stretch>
@@ -1045,7 +4324,9 @@
       <p:sp>
         <p:nvSpPr>
           <p:cNvPr id="23" name="Shape 23"/>
-          <p:cNvSpPr/>
+          <p:cNvSpPr>
+            <a:spLocks noGrp="1"/>
+          </p:cNvSpPr>
           <p:nvPr>
             <p:ph type="sldNum" sz="quarter" idx="2"/>
           </p:nvPr>
@@ -1059,8 +4340,10 @@
           <a:bodyPr/>
           <a:lstStyle/>
           <a:p>
-            <a:pPr/>
-            <a:fld id="{86CB4B4D-7CA3-9044-876B-883B54F8677D}" type="slidenum"/>
+            <a:fld id="{86CB4B4D-7CA3-9044-876B-883B54F8677D}" type="slidenum">
+              <a:t>‹#›</a:t>
+            </a:fld>
+            <a:endParaRPr/>
           </a:p>
         </p:txBody>
       </p:sp>
@@ -1069,12 +4352,12 @@
   <p:clrMapOvr>
     <a:masterClrMapping/>
   </p:clrMapOvr>
-  <p:transition xmlns:p14="http://schemas.microsoft.com/office/powerpoint/2010/main" spd="med" advClick="1"/>
+  <p:transition spd="med"/>
 </p:sldLayout>
 </file>
 
 <file path=ppt/slideLayouts/slideLayout2.xml><?xml version="1.0" encoding="utf-8"?>
-<p:sldLayout xmlns:a="http://schemas.openxmlformats.org/drawingml/2006/main" xmlns:r="http://schemas.openxmlformats.org/officeDocument/2006/relationships" xmlns:p="http://schemas.openxmlformats.org/presentationml/2006/main" type="tx" showMasterSp="1" showMasterPhAnim="1">
+<p:sldLayout xmlns:a="http://schemas.openxmlformats.org/drawingml/2006/main" xmlns:r="http://schemas.openxmlformats.org/officeDocument/2006/relationships" xmlns:p="http://schemas.openxmlformats.org/presentationml/2006/main" type="tx">
   <p:cSld name="Title Only">
     <p:spTree>
       <p:nvGrpSpPr>
@@ -1093,7 +4376,9 @@
       <p:sp>
         <p:nvSpPr>
           <p:cNvPr id="30" name="Shape 30"/>
-          <p:cNvSpPr/>
+          <p:cNvSpPr>
+            <a:spLocks noGrp="1"/>
+          </p:cNvSpPr>
           <p:nvPr>
             <p:ph type="title"/>
           </p:nvPr>
@@ -1107,7 +4392,6 @@
           <a:bodyPr/>
           <a:lstStyle/>
           <a:p>
-            <a:pPr/>
             <a:r>
               <a:t>Title Text</a:t>
             </a:r>
@@ -1117,7 +4401,9 @@
       <p:sp>
         <p:nvSpPr>
           <p:cNvPr id="31" name="Shape 31"/>
-          <p:cNvSpPr/>
+          <p:cNvSpPr>
+            <a:spLocks noGrp="1"/>
+          </p:cNvSpPr>
           <p:nvPr>
             <p:ph type="sldNum" sz="quarter" idx="2"/>
           </p:nvPr>
@@ -1131,8 +4417,10 @@
           <a:bodyPr/>
           <a:lstStyle/>
           <a:p>
-            <a:pPr/>
-            <a:fld id="{86CB4B4D-7CA3-9044-876B-883B54F8677D}" type="slidenum"/>
+            <a:fld id="{86CB4B4D-7CA3-9044-876B-883B54F8677D}" type="slidenum">
+              <a:t>‹#›</a:t>
+            </a:fld>
+            <a:endParaRPr/>
           </a:p>
         </p:txBody>
       </p:sp>
@@ -1141,12 +4429,12 @@
   <p:clrMapOvr>
     <a:masterClrMapping/>
   </p:clrMapOvr>
-  <p:transition xmlns:p14="http://schemas.microsoft.com/office/powerpoint/2010/main" spd="med" advClick="1"/>
+  <p:transition spd="med"/>
 </p:sldLayout>
 </file>
 
 <file path=ppt/slideLayouts/slideLayout3.xml><?xml version="1.0" encoding="utf-8"?>
-<p:sldLayout xmlns:a="http://schemas.openxmlformats.org/drawingml/2006/main" xmlns:r="http://schemas.openxmlformats.org/officeDocument/2006/relationships" xmlns:p="http://schemas.openxmlformats.org/presentationml/2006/main" type="tx" showMasterSp="0" showMasterPhAnim="1">
+<p:sldLayout xmlns:a="http://schemas.openxmlformats.org/drawingml/2006/main" xmlns:r="http://schemas.openxmlformats.org/officeDocument/2006/relationships" xmlns:p="http://schemas.openxmlformats.org/presentationml/2006/main" showMasterSp="0" type="tx">
   <p:cSld name="Title &amp; Bullets">
     <p:spTree>
       <p:nvGrpSpPr>
@@ -1165,7 +4453,9 @@
       <p:sp>
         <p:nvSpPr>
           <p:cNvPr id="38" name="Shape 38"/>
-          <p:cNvSpPr/>
+          <p:cNvSpPr>
+            <a:spLocks noGrp="1"/>
+          </p:cNvSpPr>
           <p:nvPr>
             <p:ph type="title"/>
           </p:nvPr>
@@ -1179,7 +4469,6 @@
           <a:bodyPr/>
           <a:lstStyle/>
           <a:p>
-            <a:pPr/>
             <a:r>
               <a:t>Title Text</a:t>
             </a:r>
@@ -1230,7 +4519,7 @@
             <a:lstStyle/>
             <a:p>
               <a:pPr algn="l" defTabSz="825500">
-                <a:defRPr b="1" sz="3600">
+                <a:defRPr sz="3600" b="1">
                   <a:solidFill>
                     <a:srgbClr val="2685A2"/>
                   </a:solidFill>
@@ -1240,6 +4529,7 @@
                   <a:sym typeface="Helvetica"/>
                 </a:defRPr>
               </a:pPr>
+              <a:endParaRPr/>
             </a:p>
           </p:txBody>
         </p:sp>
@@ -1255,7 +4545,7 @@
             <a:blip r:embed="rId2">
               <a:extLst/>
             </a:blip>
-            <a:srcRect l="0" t="0" r="0" b="0"/>
+            <a:srcRect/>
             <a:stretch>
               <a:fillRect/>
             </a:stretch>
@@ -1297,7 +4587,7 @@
             <a:effectLst/>
             <a:extLst>
               <a:ext uri="{C572A759-6A51-4108-AA02-DFA0A04FC94B}">
-                <ma14:wrappingTextBoxFlag xmlns:ma14="http://schemas.microsoft.com/office/mac/drawingml/2011/main" val="1"/>
+                <ma14:wrappingTextBoxFlag xmlns="" xmlns:ma14="http://schemas.microsoft.com/office/mac/drawingml/2011/main" val="1"/>
               </a:ext>
             </a:extLst>
           </p:spPr>
@@ -1319,7 +4609,6 @@
               </a:lvl1pPr>
             </a:lstStyle>
             <a:p>
-              <a:pPr/>
               <a:r>
                 <a:t>Course Title</a:t>
               </a:r>
@@ -1338,7 +4627,7 @@
             <a:blip r:embed="rId3">
               <a:extLst/>
             </a:blip>
-            <a:srcRect l="0" t="0" r="0" b="0"/>
+            <a:srcRect/>
             <a:stretch>
               <a:fillRect/>
             </a:stretch>
@@ -1362,7 +4651,9 @@
       <p:sp>
         <p:nvSpPr>
           <p:cNvPr id="44" name="Shape 44"/>
-          <p:cNvSpPr/>
+          <p:cNvSpPr>
+            <a:spLocks noGrp="1"/>
+          </p:cNvSpPr>
           <p:nvPr>
             <p:ph type="body" idx="1"/>
           </p:nvPr>
@@ -1476,7 +4767,6 @@
             </a:lvl5pPr>
           </a:lstStyle>
           <a:p>
-            <a:pPr/>
             <a:r>
               <a:t>Body Level One</a:t>
             </a:r>
@@ -1510,7 +4800,9 @@
       <p:sp>
         <p:nvSpPr>
           <p:cNvPr id="45" name="Shape 45"/>
-          <p:cNvSpPr/>
+          <p:cNvSpPr>
+            <a:spLocks noGrp="1"/>
+          </p:cNvSpPr>
           <p:nvPr>
             <p:ph type="sldNum" sz="quarter" idx="2"/>
           </p:nvPr>
@@ -1524,8 +4816,10 @@
           <a:bodyPr/>
           <a:lstStyle/>
           <a:p>
-            <a:pPr/>
-            <a:fld id="{86CB4B4D-7CA3-9044-876B-883B54F8677D}" type="slidenum"/>
+            <a:fld id="{86CB4B4D-7CA3-9044-876B-883B54F8677D}" type="slidenum">
+              <a:t>‹#›</a:t>
+            </a:fld>
+            <a:endParaRPr/>
           </a:p>
         </p:txBody>
       </p:sp>
@@ -1534,12 +4828,12 @@
   <p:clrMapOvr>
     <a:masterClrMapping/>
   </p:clrMapOvr>
-  <p:transition xmlns:p14="http://schemas.microsoft.com/office/powerpoint/2010/main" spd="med" advClick="1"/>
+  <p:transition spd="med"/>
 </p:sldLayout>
 </file>
 
 <file path=ppt/slideLayouts/slideLayout4.xml><?xml version="1.0" encoding="utf-8"?>
-<p:sldLayout xmlns:a="http://schemas.openxmlformats.org/drawingml/2006/main" xmlns:r="http://schemas.openxmlformats.org/officeDocument/2006/relationships" xmlns:p="http://schemas.openxmlformats.org/presentationml/2006/main" type="tx" showMasterSp="0" showMasterPhAnim="1">
+<p:sldLayout xmlns:a="http://schemas.openxmlformats.org/drawingml/2006/main" xmlns:r="http://schemas.openxmlformats.org/officeDocument/2006/relationships" xmlns:p="http://schemas.openxmlformats.org/presentationml/2006/main" showMasterSp="0" type="tx">
   <p:cSld name="Blank">
     <p:spTree>
       <p:nvGrpSpPr>
@@ -1599,7 +4893,7 @@
             <a:lstStyle/>
             <a:p>
               <a:pPr algn="l" defTabSz="825500">
-                <a:defRPr b="1" sz="3600">
+                <a:defRPr sz="3600" b="1">
                   <a:solidFill>
                     <a:srgbClr val="2685A2"/>
                   </a:solidFill>
@@ -1609,6 +4903,7 @@
                   <a:sym typeface="Helvetica"/>
                 </a:defRPr>
               </a:pPr>
+              <a:endParaRPr/>
             </a:p>
           </p:txBody>
         </p:sp>
@@ -1624,7 +4919,7 @@
             <a:blip r:embed="rId2">
               <a:extLst/>
             </a:blip>
-            <a:srcRect l="0" t="0" r="0" b="0"/>
+            <a:srcRect/>
             <a:stretch>
               <a:fillRect/>
             </a:stretch>
@@ -1666,7 +4961,7 @@
             <a:effectLst/>
             <a:extLst>
               <a:ext uri="{C572A759-6A51-4108-AA02-DFA0A04FC94B}">
-                <ma14:wrappingTextBoxFlag xmlns:ma14="http://schemas.microsoft.com/office/mac/drawingml/2011/main" val="1"/>
+                <ma14:wrappingTextBoxFlag xmlns="" xmlns:ma14="http://schemas.microsoft.com/office/mac/drawingml/2011/main" val="1"/>
               </a:ext>
             </a:extLst>
           </p:spPr>
@@ -1688,7 +4983,6 @@
               </a:lvl1pPr>
             </a:lstStyle>
             <a:p>
-              <a:pPr/>
               <a:r>
                 <a:t>Course Title</a:t>
               </a:r>
@@ -1707,7 +5001,7 @@
             <a:blip r:embed="rId3">
               <a:extLst/>
             </a:blip>
-            <a:srcRect l="0" t="0" r="0" b="0"/>
+            <a:srcRect/>
             <a:stretch>
               <a:fillRect/>
             </a:stretch>
@@ -1731,7 +5025,9 @@
       <p:sp>
         <p:nvSpPr>
           <p:cNvPr id="57" name="Shape 57"/>
-          <p:cNvSpPr/>
+          <p:cNvSpPr>
+            <a:spLocks noGrp="1"/>
+          </p:cNvSpPr>
           <p:nvPr>
             <p:ph type="sldNum" sz="quarter" idx="2"/>
           </p:nvPr>
@@ -1745,8 +5041,10 @@
           <a:bodyPr/>
           <a:lstStyle/>
           <a:p>
-            <a:pPr/>
-            <a:fld id="{86CB4B4D-7CA3-9044-876B-883B54F8677D}" type="slidenum"/>
+            <a:fld id="{86CB4B4D-7CA3-9044-876B-883B54F8677D}" type="slidenum">
+              <a:t>‹#›</a:t>
+            </a:fld>
+            <a:endParaRPr/>
           </a:p>
         </p:txBody>
       </p:sp>
@@ -1755,7 +5053,7 @@
   <p:clrMapOvr>
     <a:masterClrMapping/>
   </p:clrMapOvr>
-  <p:transition xmlns:p14="http://schemas.microsoft.com/office/powerpoint/2010/main" spd="med" advClick="1"/>
+  <p:transition spd="med"/>
 </p:sldLayout>
 </file>
 
@@ -1767,6 +5065,7 @@
         <a:solidFill>
           <a:srgbClr val="FFFFFF"/>
         </a:solidFill>
+        <a:effectLst/>
       </p:bgPr>
     </p:bg>
     <p:spTree>
@@ -1786,7 +5085,9 @@
       <p:sp>
         <p:nvSpPr>
           <p:cNvPr id="2" name="Shape 2"/>
-          <p:cNvSpPr/>
+          <p:cNvSpPr>
+            <a:spLocks noGrp="1"/>
+          </p:cNvSpPr>
           <p:nvPr>
             <p:ph type="title"/>
           </p:nvPr>
@@ -1804,17 +5105,16 @@
           </a:ln>
           <a:extLst>
             <a:ext uri="{C572A759-6A51-4108-AA02-DFA0A04FC94B}">
-              <ma14:wrappingTextBoxFlag xmlns:ma14="http://schemas.microsoft.com/office/mac/drawingml/2011/main" val="1"/>
+              <ma14:wrappingTextBoxFlag xmlns="" xmlns:ma14="http://schemas.microsoft.com/office/mac/drawingml/2011/main" val="1"/>
             </a:ext>
           </a:extLst>
         </p:spPr>
         <p:txBody>
           <a:bodyPr lIns="71437" tIns="71437" rIns="71437" bIns="71437" anchor="ctr">
-            <a:normAutofit fontScale="100000" lnSpcReduction="0"/>
+            <a:normAutofit/>
           </a:bodyPr>
           <a:lstStyle/>
           <a:p>
-            <a:pPr/>
             <a:r>
               <a:t>Title Text</a:t>
             </a:r>
@@ -1865,7 +5165,7 @@
             <a:lstStyle/>
             <a:p>
               <a:pPr algn="l" defTabSz="825500">
-                <a:defRPr b="1" sz="3600">
+                <a:defRPr sz="3600" b="1">
                   <a:solidFill>
                     <a:srgbClr val="2685A2"/>
                   </a:solidFill>
@@ -1875,6 +5175,7 @@
                   <a:sym typeface="Helvetica"/>
                 </a:defRPr>
               </a:pPr>
+              <a:endParaRPr/>
             </a:p>
           </p:txBody>
         </p:sp>
@@ -1887,10 +5188,10 @@
             <p:nvPr/>
           </p:nvPicPr>
           <p:blipFill>
-            <a:blip r:embed="rId2">
+            <a:blip r:embed="rId6">
               <a:extLst/>
             </a:blip>
-            <a:srcRect l="0" t="0" r="0" b="0"/>
+            <a:srcRect/>
             <a:stretch>
               <a:fillRect/>
             </a:stretch>
@@ -1932,7 +5233,7 @@
             <a:effectLst/>
             <a:extLst>
               <a:ext uri="{C572A759-6A51-4108-AA02-DFA0A04FC94B}">
-                <ma14:wrappingTextBoxFlag xmlns:ma14="http://schemas.microsoft.com/office/mac/drawingml/2011/main" val="1"/>
+                <ma14:wrappingTextBoxFlag xmlns="" xmlns:ma14="http://schemas.microsoft.com/office/mac/drawingml/2011/main" val="1"/>
               </a:ext>
             </a:extLst>
           </p:spPr>
@@ -1954,7 +5255,6 @@
               </a:lvl1pPr>
             </a:lstStyle>
             <a:p>
-              <a:pPr/>
               <a:r>
                 <a:t>Course Title</a:t>
               </a:r>
@@ -1970,10 +5270,10 @@
             <p:nvPr/>
           </p:nvPicPr>
           <p:blipFill>
-            <a:blip r:embed="rId3">
+            <a:blip r:embed="rId7">
               <a:extLst/>
             </a:blip>
-            <a:srcRect l="0" t="0" r="0" b="0"/>
+            <a:srcRect/>
             <a:stretch>
               <a:fillRect/>
             </a:stretch>
@@ -1997,7 +5297,9 @@
       <p:sp>
         <p:nvSpPr>
           <p:cNvPr id="8" name="Shape 8"/>
-          <p:cNvSpPr/>
+          <p:cNvSpPr>
+            <a:spLocks noGrp="1"/>
+          </p:cNvSpPr>
           <p:nvPr>
             <p:ph type="body" idx="1"/>
           </p:nvPr>
@@ -2015,17 +5317,16 @@
           </a:ln>
           <a:extLst>
             <a:ext uri="{C572A759-6A51-4108-AA02-DFA0A04FC94B}">
-              <ma14:wrappingTextBoxFlag xmlns:ma14="http://schemas.microsoft.com/office/mac/drawingml/2011/main" val="1"/>
+              <ma14:wrappingTextBoxFlag xmlns="" xmlns:ma14="http://schemas.microsoft.com/office/mac/drawingml/2011/main" val="1"/>
             </a:ext>
           </a:extLst>
         </p:spPr>
         <p:txBody>
           <a:bodyPr lIns="71437" tIns="71437" rIns="71437" bIns="71437" anchor="ctr">
-            <a:normAutofit fontScale="100000" lnSpcReduction="0"/>
+            <a:normAutofit/>
           </a:bodyPr>
           <a:lstStyle/>
           <a:p>
-            <a:pPr/>
             <a:r>
               <a:t>Body Level One</a:t>
             </a:r>
@@ -2059,7 +5360,9 @@
       <p:sp>
         <p:nvSpPr>
           <p:cNvPr id="9" name="Shape 9"/>
-          <p:cNvSpPr/>
+          <p:cNvSpPr>
+            <a:spLocks noGrp="1"/>
+          </p:cNvSpPr>
           <p:nvPr>
             <p:ph type="sldNum" sz="quarter" idx="2"/>
           </p:nvPr>
@@ -2086,8 +5389,10 @@
             </a:lvl1pPr>
           </a:lstStyle>
           <a:p>
-            <a:pPr/>
-            <a:fld id="{86CB4B4D-7CA3-9044-876B-883B54F8677D}" type="slidenum"/>
+            <a:fld id="{86CB4B4D-7CA3-9044-876B-883B54F8677D}" type="slidenum">
+              <a:t>‹#›</a:t>
+            </a:fld>
+            <a:endParaRPr/>
           </a:p>
         </p:txBody>
       </p:sp>
@@ -2095,12 +5400,12 @@
   </p:cSld>
   <p:clrMap bg1="lt1" tx1="dk1" bg2="lt2" tx2="dk2" accent1="accent1" accent2="accent2" accent3="accent3" accent4="accent4" accent5="accent5" accent6="accent6" hlink="hlink" folHlink="folHlink"/>
   <p:sldLayoutIdLst>
-    <p:sldLayoutId id="2147483649" r:id="rId4"/>
-    <p:sldLayoutId id="2147483650" r:id="rId5"/>
-    <p:sldLayoutId id="2147483651" r:id="rId6"/>
-    <p:sldLayoutId id="2147483652" r:id="rId7"/>
+    <p:sldLayoutId id="2147483649" r:id="rId1"/>
+    <p:sldLayoutId id="2147483650" r:id="rId2"/>
+    <p:sldLayoutId id="2147483651" r:id="rId3"/>
+    <p:sldLayoutId id="2147483652" r:id="rId4"/>
   </p:sldLayoutIdLst>
-  <p:transition xmlns:p14="http://schemas.microsoft.com/office/powerpoint/2010/main" spd="med" advClick="1"/>
+  <p:transition spd="med"/>
   <p:txStyles>
     <p:titleStyle>
       <a:lvl1pPr marL="0" marR="0" indent="0" algn="l" defTabSz="584200" latinLnBrk="0">
@@ -2118,7 +5423,7 @@
         <a:buFontTx/>
         <a:buNone/>
         <a:tabLst/>
-        <a:defRPr b="1" baseline="0" cap="none" i="0" spc="0" strike="noStrike" sz="10600" u="none">
+        <a:defRPr sz="10600" b="1" i="0" u="none" strike="noStrike" cap="none" spc="0" baseline="0">
           <a:ln>
             <a:noFill/>
           </a:ln>
@@ -2147,7 +5452,7 @@
         <a:buFontTx/>
         <a:buNone/>
         <a:tabLst/>
-        <a:defRPr b="1" baseline="0" cap="none" i="0" spc="0" strike="noStrike" sz="10600" u="none">
+        <a:defRPr sz="10600" b="1" i="0" u="none" strike="noStrike" cap="none" spc="0" baseline="0">
           <a:ln>
             <a:noFill/>
           </a:ln>
@@ -2176,7 +5481,7 @@
         <a:buFontTx/>
         <a:buNone/>
         <a:tabLst/>
-        <a:defRPr b="1" baseline="0" cap="none" i="0" spc="0" strike="noStrike" sz="10600" u="none">
+        <a:defRPr sz="10600" b="1" i="0" u="none" strike="noStrike" cap="none" spc="0" baseline="0">
           <a:ln>
             <a:noFill/>
           </a:ln>
@@ -2205,7 +5510,7 @@
         <a:buFontTx/>
         <a:buNone/>
         <a:tabLst/>
-        <a:defRPr b="1" baseline="0" cap="none" i="0" spc="0" strike="noStrike" sz="10600" u="none">
+        <a:defRPr sz="10600" b="1" i="0" u="none" strike="noStrike" cap="none" spc="0" baseline="0">
           <a:ln>
             <a:noFill/>
           </a:ln>
@@ -2234,7 +5539,7 @@
         <a:buFontTx/>
         <a:buNone/>
         <a:tabLst/>
-        <a:defRPr b="1" baseline="0" cap="none" i="0" spc="0" strike="noStrike" sz="10600" u="none">
+        <a:defRPr sz="10600" b="1" i="0" u="none" strike="noStrike" cap="none" spc="0" baseline="0">
           <a:ln>
             <a:noFill/>
           </a:ln>
@@ -2263,7 +5568,7 @@
         <a:buFontTx/>
         <a:buNone/>
         <a:tabLst/>
-        <a:defRPr b="1" baseline="0" cap="none" i="0" spc="0" strike="noStrike" sz="10600" u="none">
+        <a:defRPr sz="10600" b="1" i="0" u="none" strike="noStrike" cap="none" spc="0" baseline="0">
           <a:ln>
             <a:noFill/>
           </a:ln>
@@ -2292,7 +5597,7 @@
         <a:buFontTx/>
         <a:buNone/>
         <a:tabLst/>
-        <a:defRPr b="1" baseline="0" cap="none" i="0" spc="0" strike="noStrike" sz="10600" u="none">
+        <a:defRPr sz="10600" b="1" i="0" u="none" strike="noStrike" cap="none" spc="0" baseline="0">
           <a:ln>
             <a:noFill/>
           </a:ln>
@@ -2321,7 +5626,7 @@
         <a:buFontTx/>
         <a:buNone/>
         <a:tabLst/>
-        <a:defRPr b="1" baseline="0" cap="none" i="0" spc="0" strike="noStrike" sz="10600" u="none">
+        <a:defRPr sz="10600" b="1" i="0" u="none" strike="noStrike" cap="none" spc="0" baseline="0">
           <a:ln>
             <a:noFill/>
           </a:ln>
@@ -2350,7 +5655,7 @@
         <a:buFontTx/>
         <a:buNone/>
         <a:tabLst/>
-        <a:defRPr b="1" baseline="0" cap="none" i="0" spc="0" strike="noStrike" sz="10600" u="none">
+        <a:defRPr sz="10600" b="1" i="0" u="none" strike="noStrike" cap="none" spc="0" baseline="0">
           <a:ln>
             <a:noFill/>
           </a:ln>
@@ -2381,7 +5686,7 @@
         <a:buFontTx/>
         <a:buChar char="•"/>
         <a:tabLst/>
-        <a:defRPr b="0" baseline="0" cap="none" i="0" spc="0" strike="noStrike" sz="5000" u="none">
+        <a:defRPr sz="5000" b="0" i="0" u="none" strike="noStrike" cap="none" spc="0" baseline="0">
           <a:ln>
             <a:noFill/>
           </a:ln>
@@ -2410,7 +5715,7 @@
         <a:buFontTx/>
         <a:buChar char="•"/>
         <a:tabLst/>
-        <a:defRPr b="0" baseline="0" cap="none" i="0" spc="0" strike="noStrike" sz="5000" u="none">
+        <a:defRPr sz="5000" b="0" i="0" u="none" strike="noStrike" cap="none" spc="0" baseline="0">
           <a:ln>
             <a:noFill/>
           </a:ln>
@@ -2439,7 +5744,7 @@
         <a:buFontTx/>
         <a:buChar char="•"/>
         <a:tabLst/>
-        <a:defRPr b="0" baseline="0" cap="none" i="0" spc="0" strike="noStrike" sz="5000" u="none">
+        <a:defRPr sz="5000" b="0" i="0" u="none" strike="noStrike" cap="none" spc="0" baseline="0">
           <a:ln>
             <a:noFill/>
           </a:ln>
@@ -2468,7 +5773,7 @@
         <a:buFontTx/>
         <a:buChar char="•"/>
         <a:tabLst/>
-        <a:defRPr b="0" baseline="0" cap="none" i="0" spc="0" strike="noStrike" sz="5000" u="none">
+        <a:defRPr sz="5000" b="0" i="0" u="none" strike="noStrike" cap="none" spc="0" baseline="0">
           <a:ln>
             <a:noFill/>
           </a:ln>
@@ -2497,7 +5802,7 @@
         <a:buFontTx/>
         <a:buChar char="•"/>
         <a:tabLst/>
-        <a:defRPr b="0" baseline="0" cap="none" i="0" spc="0" strike="noStrike" sz="5000" u="none">
+        <a:defRPr sz="5000" b="0" i="0" u="none" strike="noStrike" cap="none" spc="0" baseline="0">
           <a:ln>
             <a:noFill/>
           </a:ln>
@@ -2526,7 +5831,7 @@
         <a:buFontTx/>
         <a:buChar char="•"/>
         <a:tabLst/>
-        <a:defRPr b="0" baseline="0" cap="none" i="0" spc="0" strike="noStrike" sz="5000" u="none">
+        <a:defRPr sz="5000" b="0" i="0" u="none" strike="noStrike" cap="none" spc="0" baseline="0">
           <a:ln>
             <a:noFill/>
           </a:ln>
@@ -2555,7 +5860,7 @@
         <a:buFontTx/>
         <a:buChar char="•"/>
         <a:tabLst/>
-        <a:defRPr b="0" baseline="0" cap="none" i="0" spc="0" strike="noStrike" sz="5000" u="none">
+        <a:defRPr sz="5000" b="0" i="0" u="none" strike="noStrike" cap="none" spc="0" baseline="0">
           <a:ln>
             <a:noFill/>
           </a:ln>
@@ -2584,7 +5889,7 @@
         <a:buFontTx/>
         <a:buChar char="•"/>
         <a:tabLst/>
-        <a:defRPr b="0" baseline="0" cap="none" i="0" spc="0" strike="noStrike" sz="5000" u="none">
+        <a:defRPr sz="5000" b="0" i="0" u="none" strike="noStrike" cap="none" spc="0" baseline="0">
           <a:ln>
             <a:noFill/>
           </a:ln>
@@ -2613,7 +5918,7 @@
         <a:buFontTx/>
         <a:buChar char="•"/>
         <a:tabLst/>
-        <a:defRPr b="0" baseline="0" cap="none" i="0" spc="0" strike="noStrike" sz="5000" u="none">
+        <a:defRPr sz="5000" b="0" i="0" u="none" strike="noStrike" cap="none" spc="0" baseline="0">
           <a:ln>
             <a:noFill/>
           </a:ln>
@@ -2644,7 +5949,7 @@
         <a:buFontTx/>
         <a:buNone/>
         <a:tabLst/>
-        <a:defRPr b="0" baseline="0" cap="none" i="0" spc="0" strike="noStrike" sz="2400" u="none">
+        <a:defRPr sz="2400" b="0" i="0" u="none" strike="noStrike" cap="none" spc="0" baseline="0">
           <a:ln>
             <a:noFill/>
           </a:ln>
@@ -2673,7 +5978,7 @@
         <a:buFontTx/>
         <a:buNone/>
         <a:tabLst/>
-        <a:defRPr b="0" baseline="0" cap="none" i="0" spc="0" strike="noStrike" sz="2400" u="none">
+        <a:defRPr sz="2400" b="0" i="0" u="none" strike="noStrike" cap="none" spc="0" baseline="0">
           <a:ln>
             <a:noFill/>
           </a:ln>
@@ -2702,7 +6007,7 @@
         <a:buFontTx/>
         <a:buNone/>
         <a:tabLst/>
-        <a:defRPr b="0" baseline="0" cap="none" i="0" spc="0" strike="noStrike" sz="2400" u="none">
+        <a:defRPr sz="2400" b="0" i="0" u="none" strike="noStrike" cap="none" spc="0" baseline="0">
           <a:ln>
             <a:noFill/>
           </a:ln>
@@ -2731,7 +6036,7 @@
         <a:buFontTx/>
         <a:buNone/>
         <a:tabLst/>
-        <a:defRPr b="0" baseline="0" cap="none" i="0" spc="0" strike="noStrike" sz="2400" u="none">
+        <a:defRPr sz="2400" b="0" i="0" u="none" strike="noStrike" cap="none" spc="0" baseline="0">
           <a:ln>
             <a:noFill/>
           </a:ln>
@@ -2760,7 +6065,7 @@
         <a:buFontTx/>
         <a:buNone/>
         <a:tabLst/>
-        <a:defRPr b="0" baseline="0" cap="none" i="0" spc="0" strike="noStrike" sz="2400" u="none">
+        <a:defRPr sz="2400" b="0" i="0" u="none" strike="noStrike" cap="none" spc="0" baseline="0">
           <a:ln>
             <a:noFill/>
           </a:ln>
@@ -2789,7 +6094,7 @@
         <a:buFontTx/>
         <a:buNone/>
         <a:tabLst/>
-        <a:defRPr b="0" baseline="0" cap="none" i="0" spc="0" strike="noStrike" sz="2400" u="none">
+        <a:defRPr sz="2400" b="0" i="0" u="none" strike="noStrike" cap="none" spc="0" baseline="0">
           <a:ln>
             <a:noFill/>
           </a:ln>
@@ -2818,7 +6123,7 @@
         <a:buFontTx/>
         <a:buNone/>
         <a:tabLst/>
-        <a:defRPr b="0" baseline="0" cap="none" i="0" spc="0" strike="noStrike" sz="2400" u="none">
+        <a:defRPr sz="2400" b="0" i="0" u="none" strike="noStrike" cap="none" spc="0" baseline="0">
           <a:ln>
             <a:noFill/>
           </a:ln>
@@ -2847,7 +6152,7 @@
         <a:buFontTx/>
         <a:buNone/>
         <a:tabLst/>
-        <a:defRPr b="0" baseline="0" cap="none" i="0" spc="0" strike="noStrike" sz="2400" u="none">
+        <a:defRPr sz="2400" b="0" i="0" u="none" strike="noStrike" cap="none" spc="0" baseline="0">
           <a:ln>
             <a:noFill/>
           </a:ln>
@@ -2876,7 +6181,7 @@
         <a:buFontTx/>
         <a:buNone/>
         <a:tabLst/>
-        <a:defRPr b="0" baseline="0" cap="none" i="0" spc="0" strike="noStrike" sz="2400" u="none">
+        <a:defRPr sz="2400" b="0" i="0" u="none" strike="noStrike" cap="none" spc="0" baseline="0">
           <a:ln>
             <a:noFill/>
           </a:ln>
@@ -2896,7 +6201,7 @@
 </file>
 
 <file path=ppt/slides/slide1.xml><?xml version="1.0" encoding="utf-8"?>
-<p:sld xmlns:a="http://schemas.openxmlformats.org/drawingml/2006/main" xmlns:r="http://schemas.openxmlformats.org/officeDocument/2006/relationships" xmlns:p="http://schemas.openxmlformats.org/presentationml/2006/main" showMasterSp="1" showMasterPhAnim="1">
+<p:sld xmlns:a="http://schemas.openxmlformats.org/drawingml/2006/main" xmlns:r="http://schemas.openxmlformats.org/officeDocument/2006/relationships" xmlns:p="http://schemas.openxmlformats.org/presentationml/2006/main">
   <p:cSld>
     <p:spTree>
       <p:nvGrpSpPr>
@@ -2915,7 +6220,9 @@
       <p:sp>
         <p:nvSpPr>
           <p:cNvPr id="66" name="Shape 66"/>
-          <p:cNvSpPr/>
+          <p:cNvSpPr>
+            <a:spLocks noGrp="1"/>
+          </p:cNvSpPr>
           <p:nvPr>
             <p:ph type="ctrTitle"/>
           </p:nvPr>
@@ -2929,7 +6236,6 @@
           <a:bodyPr/>
           <a:lstStyle/>
           <a:p>
-            <a:pPr/>
             <a:r>
               <a:t>The Portfolio Weights</a:t>
             </a:r>
@@ -2941,12 +6247,232 @@
   <p:clrMapOvr>
     <a:masterClrMapping/>
   </p:clrMapOvr>
-  <p:transition xmlns:p14="http://schemas.microsoft.com/office/powerpoint/2010/main" spd="med" advClick="1"/>
+  <p:transition spd="med"/>
 </p:sld>
 </file>
 
 <file path=ppt/slides/slide2.xml><?xml version="1.0" encoding="utf-8"?>
-<p:sld xmlns:a="http://schemas.openxmlformats.org/drawingml/2006/main" xmlns:r="http://schemas.openxmlformats.org/officeDocument/2006/relationships" xmlns:p="http://schemas.openxmlformats.org/presentationml/2006/main" showMasterSp="1" showMasterPhAnim="1">
+<p:sld xmlns:a="http://schemas.openxmlformats.org/drawingml/2006/main" xmlns:r="http://schemas.openxmlformats.org/officeDocument/2006/relationships" xmlns:p="http://schemas.openxmlformats.org/presentationml/2006/main">
+  <p:cSld>
+    <p:spTree>
+      <p:nvGrpSpPr>
+        <p:cNvPr id="1" name=""/>
+        <p:cNvGrpSpPr/>
+        <p:nvPr/>
+      </p:nvGrpSpPr>
+      <p:grpSpPr>
+        <a:xfrm>
+          <a:off x="0" y="0"/>
+          <a:ext cx="0" cy="0"/>
+          <a:chOff x="0" y="0"/>
+          <a:chExt cx="0" cy="0"/>
+        </a:xfrm>
+      </p:grpSpPr>
+      <p:pic>
+        <p:nvPicPr>
+          <p:cNvPr id="70" name="image2.jpg" descr="https://usercontent2.hubstatic.com/6787929_f1024.jpg"/>
+          <p:cNvPicPr>
+            <a:picLocks noChangeAspect="1"/>
+          </p:cNvPicPr>
+          <p:nvPr/>
+        </p:nvPicPr>
+        <p:blipFill>
+          <a:blip r:embed="rId2">
+            <a:extLst/>
+          </a:blip>
+          <a:stretch>
+            <a:fillRect/>
+          </a:stretch>
+        </p:blipFill>
+        <p:spPr>
+          <a:xfrm>
+            <a:off x="2381635" y="6105452"/>
+            <a:ext cx="5281593" cy="6684517"/>
+          </a:xfrm>
+          <a:prstGeom prst="rect">
+            <a:avLst/>
+          </a:prstGeom>
+          <a:ln w="12700">
+            <a:miter lim="400000"/>
+          </a:ln>
+        </p:spPr>
+      </p:pic>
+      <p:sp>
+        <p:nvSpPr>
+          <p:cNvPr id="68" name="Shape 68"/>
+          <p:cNvSpPr>
+            <a:spLocks noGrp="1"/>
+          </p:cNvSpPr>
+          <p:nvPr>
+            <p:ph type="title"/>
+          </p:nvPr>
+        </p:nvSpPr>
+        <p:spPr>
+          <a:prstGeom prst="rect">
+            <a:avLst/>
+          </a:prstGeom>
+        </p:spPr>
+        <p:txBody>
+          <a:bodyPr>
+            <a:normAutofit fontScale="90000"/>
+          </a:bodyPr>
+          <a:lstStyle/>
+          <a:p>
+            <a:r>
+              <a:rPr lang="nl-BE" dirty="0" smtClean="0"/>
+              <a:t>Investment decision choices</a:t>
+            </a:r>
+            <a:endParaRPr dirty="0"/>
+          </a:p>
+        </p:txBody>
+      </p:sp>
+      <p:sp>
+        <p:nvSpPr>
+          <p:cNvPr id="69" name="Shape 69"/>
+          <p:cNvSpPr>
+            <a:spLocks noGrp="1"/>
+          </p:cNvSpPr>
+          <p:nvPr>
+            <p:ph type="body" idx="1"/>
+          </p:nvPr>
+        </p:nvSpPr>
+        <p:spPr>
+          <a:xfrm>
+            <a:off x="1155700" y="3030185"/>
+            <a:ext cx="18211800" cy="9461501"/>
+          </a:xfrm>
+          <a:prstGeom prst="rect">
+            <a:avLst/>
+          </a:prstGeom>
+        </p:spPr>
+        <p:txBody>
+          <a:bodyPr/>
+          <a:lstStyle/>
+          <a:p>
+            <a:r>
+              <a:rPr dirty="0"/>
+              <a:t>There are two similar companies:</a:t>
+            </a:r>
+          </a:p>
+          <a:p>
+            <a:pPr lvl="1"/>
+            <a:r>
+              <a:rPr dirty="0"/>
+              <a:t>Do you invest in either of them based on a coin toss?</a:t>
+            </a:r>
+          </a:p>
+        </p:txBody>
+      </p:sp>
+      <p:pic>
+        <p:nvPicPr>
+          <p:cNvPr id="75" name="Screen Shot 2016-04-22 at 16.48.45.png"/>
+          <p:cNvPicPr>
+            <a:picLocks noChangeAspect="1"/>
+          </p:cNvPicPr>
+          <p:nvPr/>
+        </p:nvPicPr>
+        <p:blipFill>
+          <a:blip r:embed="rId3">
+            <a:extLst/>
+          </a:blip>
+          <a:srcRect l="22379" t="8660" r="8810"/>
+          <a:stretch>
+            <a:fillRect/>
+          </a:stretch>
+        </p:blipFill>
+        <p:spPr>
+          <a:xfrm>
+            <a:off x="18424754" y="4848550"/>
+            <a:ext cx="6318154" cy="8874116"/>
+          </a:xfrm>
+          <a:prstGeom prst="rect">
+            <a:avLst/>
+          </a:prstGeom>
+          <a:ln w="12700">
+            <a:miter lim="400000"/>
+          </a:ln>
+        </p:spPr>
+      </p:pic>
+      <p:sp>
+        <p:nvSpPr>
+          <p:cNvPr id="78" name="Shape 78"/>
+          <p:cNvSpPr/>
+          <p:nvPr/>
+        </p:nvSpPr>
+        <p:spPr>
+          <a:xfrm>
+            <a:off x="152400" y="12995381"/>
+            <a:ext cx="4919750" cy="600076"/>
+          </a:xfrm>
+          <a:prstGeom prst="rect">
+            <a:avLst/>
+          </a:prstGeom>
+          <a:ln w="12700">
+            <a:miter lim="400000"/>
+          </a:ln>
+          <a:extLst>
+            <a:ext uri="{C572A759-6A51-4108-AA02-DFA0A04FC94B}">
+              <ma14:wrappingTextBoxFlag xmlns="" xmlns:ma14="http://schemas.microsoft.com/office/mac/drawingml/2011/main" val="1"/>
+            </a:ext>
+          </a:extLst>
+        </p:spPr>
+        <p:txBody>
+          <a:bodyPr wrap="none" lIns="71437" tIns="71437" rIns="71437" bIns="71437" anchor="ctr">
+            <a:spAutoFit/>
+          </a:bodyPr>
+          <a:lstStyle/>
+          <a:p>
+            <a:pPr lvl="1" indent="0" algn="l" defTabSz="584200">
+              <a:spcBef>
+                <a:spcPts val="4200"/>
+              </a:spcBef>
+              <a:buClr>
+                <a:srgbClr val="2685A2"/>
+              </a:buClr>
+              <a:buFont typeface="Arial"/>
+              <a:defRPr sz="3000" i="1">
+                <a:solidFill>
+                  <a:srgbClr val="3A3A3A"/>
+                </a:solidFill>
+                <a:latin typeface="Helvetica"/>
+                <a:ea typeface="Helvetica"/>
+                <a:cs typeface="Helvetica"/>
+                <a:sym typeface="Helvetica"/>
+              </a:defRPr>
+            </a:pPr>
+            <a:r>
+              <a:t>Source: ICMA Photos, Flickr</a:t>
+            </a:r>
+          </a:p>
+        </p:txBody>
+      </p:sp>
+    </p:spTree>
+    <p:extLst>
+      <p:ext uri="{BB962C8B-B14F-4D97-AF65-F5344CB8AC3E}">
+        <p14:creationId xmlns:p14="http://schemas.microsoft.com/office/powerpoint/2010/main" val="4088612678"/>
+      </p:ext>
+    </p:extLst>
+  </p:cSld>
+  <p:clrMapOvr>
+    <a:masterClrMapping/>
+  </p:clrMapOvr>
+  <mc:AlternateContent xmlns:mc="http://schemas.openxmlformats.org/markup-compatibility/2006" xmlns:p14="http://schemas.microsoft.com/office/powerpoint/2010/main">
+    <mc:Choice Requires="p14">
+      <p:transition spd="slow">
+        <p:dissolve/>
+      </p:transition>
+    </mc:Choice>
+    <mc:Fallback xmlns="">
+      <p:transition spd="med">
+        <p:fade/>
+      </p:transition>
+    </mc:Fallback>
+  </mc:AlternateContent>
+</p:sld>
+</file>
+
+<file path=ppt/slides/slide3.xml><?xml version="1.0" encoding="utf-8"?>
+<p:sld xmlns:a="http://schemas.openxmlformats.org/drawingml/2006/main" xmlns:r="http://schemas.openxmlformats.org/officeDocument/2006/relationships" xmlns:p="http://schemas.openxmlformats.org/presentationml/2006/main">
   <p:cSld>
     <p:spTree>
       <p:nvGrpSpPr>
@@ -2965,7 +6491,9 @@
       <p:sp>
         <p:nvSpPr>
           <p:cNvPr id="68" name="Shape 68"/>
-          <p:cNvSpPr/>
+          <p:cNvSpPr>
+            <a:spLocks noGrp="1"/>
+          </p:cNvSpPr>
           <p:nvPr>
             <p:ph type="title"/>
           </p:nvPr>
@@ -2976,20 +6504,25 @@
           </a:prstGeom>
         </p:spPr>
         <p:txBody>
-          <a:bodyPr/>
+          <a:bodyPr>
+            <a:normAutofit fontScale="90000"/>
+          </a:bodyPr>
           <a:lstStyle/>
           <a:p>
-            <a:pPr/>
             <a:r>
-              <a:t>Scenario</a:t>
+              <a:rPr lang="nl-BE" dirty="0" smtClean="0"/>
+              <a:t>Betting vs diversification</a:t>
             </a:r>
+            <a:endParaRPr dirty="0"/>
           </a:p>
         </p:txBody>
       </p:sp>
       <p:sp>
         <p:nvSpPr>
           <p:cNvPr id="69" name="Shape 69"/>
-          <p:cNvSpPr/>
+          <p:cNvSpPr>
+            <a:spLocks noGrp="1"/>
+          </p:cNvSpPr>
           <p:nvPr>
             <p:ph type="body" idx="1"/>
           </p:nvPr>
@@ -3007,16 +6540,8 @@
           <a:bodyPr/>
           <a:lstStyle/>
           <a:p>
-            <a:pPr/>
-            <a:r>
-              <a:t>There are two similar companies:</a:t>
-            </a:r>
-          </a:p>
-          <a:p>
             <a:pPr lvl="1"/>
-            <a:r>
-              <a:t>Do you invest in either of them based on a coin toss?</a:t>
-            </a:r>
+            <a:endParaRPr dirty="0"/>
           </a:p>
         </p:txBody>
       </p:sp>
@@ -3059,9 +6584,9 @@
           <a:off x="12506240" y="5578016"/>
           <a:ext cx="5281593" cy="7876414"/>
         </p:xfrm>
-        <a:graphic xmlns:a="http://schemas.openxmlformats.org/drawingml/2006/main">
+        <a:graphic>
           <a:graphicData uri="http://schemas.openxmlformats.org/drawingml/2006/chart">
-            <c:chart xmlns:c="http://schemas.openxmlformats.org/drawingml/2006/chart" r:id="rId3"/>
+            <c:chart xmlns:c="http://schemas.openxmlformats.org/drawingml/2006/chart" xmlns:r="http://schemas.openxmlformats.org/officeDocument/2006/relationships" r:id="rId3"/>
           </a:graphicData>
         </a:graphic>
       </p:graphicFrame>
@@ -3102,14 +6627,15 @@
             <a:pPr>
               <a:defRPr sz="3200"/>
             </a:pPr>
+            <a:endParaRPr/>
           </a:p>
         </p:txBody>
       </p:sp>
       <p:pic>
         <p:nvPicPr>
-          <p:cNvPr id="73" name=""/>
+          <p:cNvPr id="73" name="Picture 72"/>
           <p:cNvPicPr>
-            <a:picLocks noChangeAspect="0"/>
+            <a:picLocks/>
           </p:cNvPicPr>
           <p:nvPr/>
         </p:nvPicPr>
@@ -3122,7 +6648,7 @@
           </a:stretch>
         </p:blipFill>
         <p:spPr>
-          <a:xfrm flipH="1" rot="10800000">
+          <a:xfrm rot="10800000" flipH="1">
             <a:off x="1673381" y="5143215"/>
             <a:ext cx="6657316" cy="8444305"/>
           </a:xfrm>
@@ -3143,7 +6669,7 @@
           <a:blip r:embed="rId5">
             <a:extLst/>
           </a:blip>
-          <a:srcRect l="22379" t="8660" r="8810" b="0"/>
+          <a:srcRect l="22379" t="8660" r="8810"/>
           <a:stretch>
             <a:fillRect/>
           </a:stretch>
@@ -3163,9 +6689,9 @@
       </p:pic>
       <p:pic>
         <p:nvPicPr>
-          <p:cNvPr id="76" name=""/>
+          <p:cNvPr id="76" name="Picture 75"/>
           <p:cNvPicPr>
-            <a:picLocks noChangeAspect="0"/>
+            <a:picLocks/>
           </p:cNvPicPr>
           <p:nvPr/>
         </p:nvPicPr>
@@ -3206,7 +6732,7 @@
           </a:ln>
           <a:extLst>
             <a:ext uri="{C572A759-6A51-4108-AA02-DFA0A04FC94B}">
-              <ma14:wrappingTextBoxFlag xmlns:ma14="http://schemas.microsoft.com/office/mac/drawingml/2011/main" val="1"/>
+              <ma14:wrappingTextBoxFlag xmlns="" xmlns:ma14="http://schemas.microsoft.com/office/mac/drawingml/2011/main" val="1"/>
             </a:ext>
           </a:extLst>
         </p:spPr>
@@ -3224,7 +6750,7 @@
                 <a:srgbClr val="2685A2"/>
               </a:buClr>
               <a:buFont typeface="Arial"/>
-              <a:defRPr i="1" sz="3000">
+              <a:defRPr sz="3000" i="1">
                 <a:solidFill>
                   <a:srgbClr val="3A3A3A"/>
                 </a:solidFill>
@@ -3245,13 +6771,13 @@
   <p:clrMapOvr>
     <a:masterClrMapping/>
   </p:clrMapOvr>
-  <mc:AlternateContent xmlns:mc="http://schemas.openxmlformats.org/markup-compatibility/2006">
-    <mc:Choice xmlns:p14="http://schemas.microsoft.com/office/powerpoint/2010/main" Requires="p14">
-      <p:transition spd="med" advClick="1" p14:dur="1000">
+  <mc:AlternateContent xmlns:mc="http://schemas.openxmlformats.org/markup-compatibility/2006" xmlns:p14="http://schemas.microsoft.com/office/powerpoint/2010/main">
+    <mc:Choice Requires="p14">
+      <p:transition spd="slow">
         <p:dissolve/>
       </p:transition>
     </mc:Choice>
-    <mc:Fallback>
+    <mc:Fallback xmlns="">
       <p:transition spd="med">
         <p:fade/>
       </p:transition>
@@ -3260,8 +6786,8 @@
 </p:sld>
 </file>
 
-<file path=ppt/slides/slide3.xml><?xml version="1.0" encoding="utf-8"?>
-<p:sld xmlns:a="http://schemas.openxmlformats.org/drawingml/2006/main" xmlns:r="http://schemas.openxmlformats.org/officeDocument/2006/relationships" xmlns:p="http://schemas.openxmlformats.org/presentationml/2006/main" showMasterSp="1" showMasterPhAnim="1">
+<file path=ppt/slides/slide4.xml><?xml version="1.0" encoding="utf-8"?>
+<p:sld xmlns:a="http://schemas.openxmlformats.org/drawingml/2006/main" xmlns:r="http://schemas.openxmlformats.org/officeDocument/2006/relationships" xmlns:p="http://schemas.openxmlformats.org/presentationml/2006/main">
   <p:cSld>
     <p:spTree>
       <p:nvGrpSpPr>
@@ -3281,16 +6807,22 @@
         <p:nvGraphicFramePr>
           <p:cNvPr id="80" name="Table 80"/>
           <p:cNvGraphicFramePr/>
-          <p:nvPr/>
+          <p:nvPr>
+            <p:extLst>
+              <p:ext uri="{D42A27DB-BD31-4B8C-83A1-F6EECF244321}">
+                <p14:modId xmlns:p14="http://schemas.microsoft.com/office/powerpoint/2010/main" val="3622815754"/>
+              </p:ext>
+            </p:extLst>
+          </p:nvPr>
         </p:nvGraphicFramePr>
         <p:xfrm>
           <a:off x="1397000" y="2552700"/>
-          <a:ext cx="21640800" cy="10000807"/>
+          <a:ext cx="21590001" cy="9950005"/>
         </p:xfrm>
-        <a:graphic xmlns:a="http://schemas.openxmlformats.org/drawingml/2006/main">
+        <a:graphic>
           <a:graphicData uri="http://schemas.openxmlformats.org/drawingml/2006/table">
             <a:tbl>
-              <a:tblPr firstCol="0" firstRow="0" lastCol="0" lastRow="0" bandCol="0" bandRow="0" rtl="0">
+              <a:tblPr>
                 <a:tableStyleId>{2708684C-4D16-4618-839F-0558EEFCDFE6}</a:tableStyleId>
               </a:tblPr>
               <a:tblGrid>
@@ -3308,7 +6840,7 @@
                         <a:defRPr sz="1800"/>
                       </a:pPr>
                       <a:r>
-                        <a:rPr b="1" sz="6200">
+                        <a:rPr sz="6200" b="1" dirty="0">
                           <a:solidFill>
                             <a:srgbClr val="3A3A3A"/>
                           </a:solidFill>
@@ -3321,7 +6853,7 @@
                       </a:r>
                     </a:p>
                   </a:txBody>
-                  <a:tcPr marL="50800" marR="50800" marT="50800" marB="50800" anchor="ctr" anchorCtr="0" horzOverflow="overflow">
+                  <a:tcPr marL="50800" marR="50800" marT="50800" marB="50800" anchor="ctr" horzOverflow="overflow">
                     <a:lnL w="50800">
                       <a:solidFill>
                         <a:srgbClr val="2685A2"/>
@@ -3362,7 +6894,7 @@
                         <a:defRPr sz="1800"/>
                       </a:pPr>
                       <a:r>
-                        <a:rPr b="1" sz="6200">
+                        <a:rPr sz="6200" b="1">
                           <a:solidFill>
                             <a:srgbClr val="3A3A3A"/>
                           </a:solidFill>
@@ -3375,7 +6907,7 @@
                       </a:r>
                     </a:p>
                   </a:txBody>
-                  <a:tcPr marL="50800" marR="50800" marT="50800" marB="50800" anchor="ctr" anchorCtr="0" horzOverflow="overflow">
+                  <a:tcPr marL="50800" marR="50800" marT="50800" marB="50800" anchor="ctr" horzOverflow="overflow">
                     <a:lnL w="50800">
                       <a:solidFill>
                         <a:srgbClr val="2685A2"/>
@@ -3416,7 +6948,7 @@
                         <a:defRPr sz="1800"/>
                       </a:pPr>
                       <a:r>
-                        <a:rPr b="1" sz="6200">
+                        <a:rPr sz="6200" b="1">
                           <a:solidFill>
                             <a:srgbClr val="3A3A3A"/>
                           </a:solidFill>
@@ -3429,7 +6961,7 @@
                       </a:r>
                     </a:p>
                   </a:txBody>
-                  <a:tcPr marL="50800" marR="50800" marT="50800" marB="50800" anchor="ctr" anchorCtr="0" horzOverflow="overflow">
+                  <a:tcPr marL="50800" marR="50800" marT="50800" marB="50800" anchor="ctr" horzOverflow="overflow">
                     <a:lnL w="50800">
                       <a:solidFill>
                         <a:srgbClr val="2685A2"/>
@@ -3472,7 +7004,7 @@
                         <a:defRPr sz="1800"/>
                       </a:pPr>
                       <a:r>
-                        <a:rPr b="1" sz="6200">
+                        <a:rPr sz="6200" b="1">
                           <a:latin typeface="Helvetica"/>
                           <a:ea typeface="Helvetica"/>
                           <a:cs typeface="Helvetica"/>
@@ -3482,7 +7014,7 @@
                       </a:r>
                     </a:p>
                   </a:txBody>
-                  <a:tcPr marL="50800" marR="50800" marT="50800" marB="50800" anchor="ctr" anchorCtr="0" horzOverflow="overflow">
+                  <a:tcPr marL="50800" marR="50800" marT="50800" marB="50800" anchor="ctr" horzOverflow="overflow">
                     <a:lnL w="50800">
                       <a:solidFill>
                         <a:srgbClr val="2685A2"/>
@@ -3515,7 +7047,7 @@
                     <a:lstStyle/>
                     <a:p>
                       <a:pPr defTabSz="914400">
-                        <a:defRPr b="1" sz="5200">
+                        <a:defRPr sz="5200" b="1">
                           <a:latin typeface="Helvetica"/>
                           <a:ea typeface="Helvetica"/>
                           <a:cs typeface="Helvetica"/>
@@ -3531,7 +7063,7 @@
                       </a:r>
                     </a:p>
                   </a:txBody>
-                  <a:tcPr marL="50800" marR="50800" marT="50800" marB="50800" anchor="ctr" anchorCtr="0" horzOverflow="overflow">
+                  <a:tcPr marL="50800" marR="50800" marT="50800" marB="50800" anchor="ctr" horzOverflow="overflow">
                     <a:lnL w="50800">
                       <a:solidFill>
                         <a:srgbClr val="2685A2"/>
@@ -3574,9 +7106,10 @@
                           <a:sym typeface="Helvetica"/>
                         </a:defRPr>
                       </a:pPr>
+                      <a:endParaRPr/>
                     </a:p>
                   </a:txBody>
-                  <a:tcPr marL="50800" marR="50800" marT="50800" marB="50800" anchor="ctr" anchorCtr="0" horzOverflow="overflow">
+                  <a:tcPr marL="50800" marR="50800" marT="50800" marB="50800" anchor="ctr" horzOverflow="overflow">
                     <a:lnL w="50800">
                       <a:solidFill>
                         <a:srgbClr val="2685A2"/>
@@ -3614,7 +7147,7 @@
                         <a:defRPr sz="1800"/>
                       </a:pPr>
                       <a:r>
-                        <a:rPr b="1" sz="6200">
+                        <a:rPr sz="6200" b="1">
                           <a:latin typeface="Helvetica"/>
                           <a:ea typeface="Helvetica"/>
                           <a:cs typeface="Helvetica"/>
@@ -3624,7 +7157,7 @@
                       </a:r>
                     </a:p>
                   </a:txBody>
-                  <a:tcPr marL="50800" marR="50800" marT="50800" marB="50800" anchor="ctr" anchorCtr="0" horzOverflow="overflow">
+                  <a:tcPr marL="50800" marR="50800" marT="50800" marB="50800" anchor="ctr" horzOverflow="overflow">
                     <a:lnL w="50800">
                       <a:solidFill>
                         <a:srgbClr val="2685A2"/>
@@ -3657,7 +7190,7 @@
                     <a:lstStyle/>
                     <a:p>
                       <a:pPr defTabSz="914400">
-                        <a:defRPr b="1" sz="5200">
+                        <a:defRPr sz="5200" b="1">
                           <a:latin typeface="Helvetica"/>
                           <a:ea typeface="Helvetica"/>
                           <a:cs typeface="Helvetica"/>
@@ -3673,7 +7206,7 @@
                       </a:r>
                     </a:p>
                   </a:txBody>
-                  <a:tcPr marL="50800" marR="50800" marT="50800" marB="50800" anchor="ctr" anchorCtr="0" horzOverflow="overflow">
+                  <a:tcPr marL="50800" marR="50800" marT="50800" marB="50800" anchor="ctr" horzOverflow="overflow">
                     <a:lnL w="50800">
                       <a:solidFill>
                         <a:srgbClr val="2685A2"/>
@@ -3713,9 +7246,10 @@
                           <a:sym typeface="Helvetica"/>
                         </a:defRPr>
                       </a:pPr>
+                      <a:endParaRPr/>
                     </a:p>
                   </a:txBody>
-                  <a:tcPr marL="50800" marR="50800" marT="50800" marB="50800" anchor="ctr" anchorCtr="0" horzOverflow="overflow">
+                  <a:tcPr marL="50800" marR="50800" marT="50800" marB="50800" anchor="ctr" horzOverflow="overflow">
                     <a:lnL w="50800">
                       <a:solidFill>
                         <a:srgbClr val="2685A2"/>
@@ -3749,7 +7283,7 @@
                     <a:bodyPr/>
                     <a:lstStyle/>
                     <a:p>
-                      <a:pPr lvl="2" marL="1333500" indent="-444500" algn="l" defTabSz="914400">
+                      <a:pPr marL="1333500" lvl="2" indent="-444500" algn="l" defTabSz="914400">
                         <a:buSzPct val="75000"/>
                         <a:buChar char="•"/>
                         <a:defRPr sz="3600">
@@ -3764,7 +7298,7 @@
                       </a:r>
                     </a:p>
                     <a:p>
-                      <a:pPr lvl="2" marL="1333500" indent="-444500" algn="l" defTabSz="914400">
+                      <a:pPr marL="1333500" lvl="2" indent="-444500" algn="l" defTabSz="914400">
                         <a:buSzPct val="75000"/>
                         <a:buChar char="•"/>
                         <a:defRPr sz="3600">
@@ -3779,7 +7313,7 @@
                       </a:r>
                     </a:p>
                     <a:p>
-                      <a:pPr lvl="2" marL="1333500" indent="-444500" algn="l" defTabSz="914400">
+                      <a:pPr marL="1333500" lvl="2" indent="-444500" algn="l" defTabSz="914400">
                         <a:buSzPct val="75000"/>
                         <a:buChar char="•"/>
                         <a:defRPr sz="3600">
@@ -3794,7 +7328,7 @@
                       </a:r>
                     </a:p>
                   </a:txBody>
-                  <a:tcPr marL="50800" marR="50800" marT="50800" marB="50800" anchor="ctr" anchorCtr="0" horzOverflow="overflow">
+                  <a:tcPr marL="50800" marR="50800" marT="50800" marB="50800" anchor="ctr" horzOverflow="overflow">
                     <a:lnL w="50800">
                       <a:solidFill>
                         <a:srgbClr val="2685A2"/>
@@ -3826,7 +7360,7 @@
                     <a:bodyPr/>
                     <a:lstStyle/>
                     <a:p>
-                      <a:pPr lvl="2" marL="1333500" indent="-444500" algn="l" defTabSz="914400">
+                      <a:pPr marL="1333500" lvl="2" indent="-444500" algn="l" defTabSz="914400">
                         <a:buSzPct val="75000"/>
                         <a:buChar char="•"/>
                         <a:defRPr sz="3600">
@@ -3841,7 +7375,7 @@
                       </a:r>
                     </a:p>
                     <a:p>
-                      <a:pPr lvl="2" marL="1333500" indent="-444500" algn="l" defTabSz="914400">
+                      <a:pPr marL="1333500" lvl="2" indent="-444500" algn="l" defTabSz="914400">
                         <a:buSzPct val="75000"/>
                         <a:buChar char="•"/>
                         <a:defRPr sz="3600">
@@ -3856,7 +7390,7 @@
                       </a:r>
                     </a:p>
                     <a:p>
-                      <a:pPr lvl="2" marL="1333500" indent="-444500" algn="l" defTabSz="914400">
+                      <a:pPr marL="1333500" lvl="2" indent="-444500" algn="l" defTabSz="914400">
                         <a:buSzPct val="75000"/>
                         <a:buChar char="•"/>
                         <a:defRPr sz="3600">
@@ -3871,7 +7405,7 @@
                       </a:r>
                     </a:p>
                   </a:txBody>
-                  <a:tcPr marL="50800" marR="50800" marT="50800" marB="50800" anchor="ctr" anchorCtr="0" horzOverflow="overflow">
+                  <a:tcPr marL="50800" marR="50800" marT="50800" marB="50800" anchor="ctr" horzOverflow="overflow">
                     <a:lnL w="50800">
                       <a:solidFill>
                         <a:srgbClr val="2685A2"/>
@@ -3903,7 +7437,7 @@
                     <a:bodyPr/>
                     <a:lstStyle/>
                     <a:p>
-                      <a:pPr lvl="2" marL="1333500" indent="-444500" algn="l" defTabSz="914400">
+                      <a:pPr marL="1333500" lvl="2" indent="-444500" algn="l" defTabSz="914400">
                         <a:buSzPct val="75000"/>
                         <a:buChar char="•"/>
                         <a:defRPr sz="3600">
@@ -3918,7 +7452,7 @@
                       </a:r>
                     </a:p>
                     <a:p>
-                      <a:pPr lvl="2" marL="1333500" indent="-444500" algn="l" defTabSz="914400">
+                      <a:pPr marL="1333500" lvl="2" indent="-444500" algn="l" defTabSz="914400">
                         <a:buSzPct val="75000"/>
                         <a:buChar char="•"/>
                         <a:defRPr sz="3600">
@@ -3933,7 +7467,7 @@
                       </a:r>
                     </a:p>
                     <a:p>
-                      <a:pPr lvl="2" marL="1333500" indent="-444500" algn="l" defTabSz="914400">
+                      <a:pPr marL="1333500" lvl="2" indent="-444500" algn="l" defTabSz="914400">
                         <a:buSzPct val="75000"/>
                         <a:buChar char="•"/>
                         <a:defRPr sz="3600">
@@ -3948,7 +7482,7 @@
                       </a:r>
                     </a:p>
                   </a:txBody>
-                  <a:tcPr marL="50800" marR="50800" marT="50800" marB="50800" anchor="ctr" anchorCtr="0" horzOverflow="overflow">
+                  <a:tcPr marL="50800" marR="50800" marT="50800" marB="50800" anchor="ctr" horzOverflow="overflow">
                     <a:lnL w="50800">
                       <a:solidFill>
                         <a:srgbClr val="2685A2"/>
@@ -3986,7 +7520,7 @@
                         <a:defRPr sz="1800"/>
                       </a:pPr>
                       <a:r>
-                        <a:rPr b="1" sz="6200">
+                        <a:rPr sz="6200" b="1">
                           <a:latin typeface="Helvetica"/>
                           <a:ea typeface="Helvetica"/>
                           <a:cs typeface="Helvetica"/>
@@ -3996,7 +7530,7 @@
                       </a:r>
                     </a:p>
                   </a:txBody>
-                  <a:tcPr marL="50800" marR="50800" marT="50800" marB="50800" anchor="ctr" anchorCtr="0" horzOverflow="overflow">
+                  <a:tcPr marL="50800" marR="50800" marT="50800" marB="50800" anchor="ctr" horzOverflow="overflow">
                     <a:lnL w="50800">
                       <a:solidFill>
                         <a:srgbClr val="2685A2"/>
@@ -4029,7 +7563,7 @@
                     <a:lstStyle/>
                     <a:p>
                       <a:pPr defTabSz="914400">
-                        <a:defRPr b="1" sz="5200">
+                        <a:defRPr sz="5200" b="1">
                           <a:latin typeface="Helvetica"/>
                           <a:ea typeface="Helvetica"/>
                           <a:cs typeface="Helvetica"/>
@@ -4037,15 +7571,25 @@
                         </a:defRPr>
                       </a:pPr>
                       <a:r>
+                        <a:rPr dirty="0" smtClean="0"/>
                         <a:t>V</a:t>
                       </a:r>
                       <a:r>
-                        <a:rPr baseline="-5999"/>
-                        <a:t>n</a:t>
+                        <a:rPr lang="nl-BE" baseline="-5999" dirty="0" smtClean="0">
+                          <a:solidFill>
+                            <a:srgbClr val="FF0000"/>
+                          </a:solidFill>
+                        </a:rPr>
+                        <a:t>N</a:t>
                       </a:r>
+                      <a:endParaRPr baseline="-5999" dirty="0">
+                        <a:solidFill>
+                          <a:srgbClr val="FF0000"/>
+                        </a:solidFill>
+                      </a:endParaRPr>
                     </a:p>
                   </a:txBody>
-                  <a:tcPr marL="50800" marR="50800" marT="50800" marB="50800" anchor="ctr" anchorCtr="0" horzOverflow="overflow">
+                  <a:tcPr marL="50800" marR="50800" marT="50800" marB="50800" anchor="ctr" horzOverflow="overflow">
                     <a:lnL w="50800">
                       <a:solidFill>
                         <a:srgbClr val="2685A2"/>
@@ -4085,9 +7629,10 @@
                           <a:sym typeface="Helvetica"/>
                         </a:defRPr>
                       </a:pPr>
+                      <a:endParaRPr/>
                     </a:p>
                   </a:txBody>
-                  <a:tcPr marL="50800" marR="50800" marT="50800" marB="50800" anchor="ctr" anchorCtr="0" horzOverflow="overflow">
+                  <a:tcPr marL="50800" marR="50800" marT="50800" marB="50800" anchor="ctr" horzOverflow="overflow">
                     <a:lnL w="50800">
                       <a:solidFill>
                         <a:srgbClr val="2685A2"/>
@@ -4206,17 +7751,155 @@
           </a:ln>
         </p:spPr>
       </p:pic>
+      <p:sp>
+        <p:nvSpPr>
+          <p:cNvPr id="2" name="TextBox 1"/>
+          <p:cNvSpPr txBox="1"/>
+          <p:nvPr/>
+        </p:nvSpPr>
+        <p:spPr>
+          <a:xfrm>
+            <a:off x="18745200" y="7075783"/>
+            <a:ext cx="3048000" cy="3222035"/>
+          </a:xfrm>
+          <a:prstGeom prst="rect">
+            <a:avLst/>
+          </a:prstGeom>
+          <a:noFill/>
+          <a:ln w="12700" cap="flat">
+            <a:noFill/>
+            <a:miter lim="400000"/>
+          </a:ln>
+          <a:effectLst/>
+          <a:sp3d/>
+        </p:spPr>
+        <p:style>
+          <a:lnRef idx="0">
+            <a:scrgbClr r="0" g="0" b="0"/>
+          </a:lnRef>
+          <a:fillRef idx="0">
+            <a:scrgbClr r="0" g="0" b="0"/>
+          </a:fillRef>
+          <a:effectRef idx="0">
+            <a:scrgbClr r="0" g="0" b="0"/>
+          </a:effectRef>
+          <a:fontRef idx="none"/>
+        </p:style>
+        <p:txBody>
+          <a:bodyPr rot="0" spcFirstLastPara="1" vertOverflow="overflow" horzOverflow="overflow" vert="horz" wrap="square" lIns="71437" tIns="71437" rIns="71437" bIns="71437" numCol="1" spcCol="38100" rtlCol="0" anchor="ctr">
+            <a:spAutoFit/>
+          </a:bodyPr>
+          <a:lstStyle/>
+          <a:p>
+            <a:pPr marL="0" marR="0" indent="0" algn="ctr" defTabSz="821531" rtl="0" fontAlgn="auto" latinLnBrk="0" hangingPunct="0">
+              <a:lnSpc>
+                <a:spcPct val="100000"/>
+              </a:lnSpc>
+              <a:spcBef>
+                <a:spcPts val="0"/>
+              </a:spcBef>
+              <a:spcAft>
+                <a:spcPts val="0"/>
+              </a:spcAft>
+              <a:buClrTx/>
+              <a:buSzTx/>
+              <a:buFontTx/>
+              <a:buNone/>
+              <a:tabLst/>
+            </a:pPr>
+            <a:r>
+              <a:rPr kumimoji="0" lang="nl-BE" sz="5000" b="0" i="0" u="none" strike="noStrike" cap="none" spc="0" normalizeH="0" baseline="0" dirty="0" smtClean="0">
+                <a:ln>
+                  <a:noFill/>
+                </a:ln>
+                <a:solidFill>
+                  <a:srgbClr val="FF0000"/>
+                </a:solidFill>
+                <a:effectLst/>
+                <a:uFillTx/>
+                <a:latin typeface="+mn-lt"/>
+                <a:ea typeface="+mn-ea"/>
+                <a:cs typeface="+mn-cs"/>
+                <a:sym typeface="Helvetica Light"/>
+              </a:rPr>
+              <a:t>Wrong: should be: w</a:t>
+            </a:r>
+            <a:r>
+              <a:rPr kumimoji="0" lang="nl-BE" sz="5000" b="0" i="0" u="none" strike="noStrike" cap="none" spc="0" normalizeH="0" baseline="-25000" dirty="0" smtClean="0">
+                <a:ln>
+                  <a:noFill/>
+                </a:ln>
+                <a:solidFill>
+                  <a:srgbClr val="FF0000"/>
+                </a:solidFill>
+                <a:effectLst/>
+                <a:uFillTx/>
+                <a:latin typeface="+mn-lt"/>
+                <a:ea typeface="+mn-ea"/>
+                <a:cs typeface="+mn-cs"/>
+                <a:sym typeface="Helvetica Light"/>
+              </a:rPr>
+              <a:t>2</a:t>
+            </a:r>
+          </a:p>
+          <a:p>
+            <a:pPr marL="0" marR="0" indent="0" algn="ctr" defTabSz="821531" rtl="0" fontAlgn="auto" latinLnBrk="0" hangingPunct="0">
+              <a:lnSpc>
+                <a:spcPct val="100000"/>
+              </a:lnSpc>
+              <a:spcBef>
+                <a:spcPts val="0"/>
+              </a:spcBef>
+              <a:spcAft>
+                <a:spcPts val="0"/>
+              </a:spcAft>
+              <a:buClrTx/>
+              <a:buSzTx/>
+              <a:buFontTx/>
+              <a:buNone/>
+              <a:tabLst/>
+            </a:pPr>
+            <a:r>
+              <a:rPr lang="nl-BE" dirty="0" smtClean="0">
+                <a:solidFill>
+                  <a:srgbClr val="FF0000"/>
+                </a:solidFill>
+              </a:rPr>
+              <a:t>w</a:t>
+            </a:r>
+            <a:r>
+              <a:rPr lang="nl-BE" baseline="-25000" dirty="0" smtClean="0">
+                <a:solidFill>
+                  <a:srgbClr val="FF0000"/>
+                </a:solidFill>
+              </a:rPr>
+              <a:t>N</a:t>
+            </a:r>
+            <a:endParaRPr kumimoji="0" lang="nl-BE" sz="5000" b="0" i="0" u="none" strike="noStrike" cap="none" spc="0" normalizeH="0" baseline="-25000" dirty="0">
+              <a:ln>
+                <a:noFill/>
+              </a:ln>
+              <a:solidFill>
+                <a:srgbClr val="FF0000"/>
+              </a:solidFill>
+              <a:effectLst/>
+              <a:uFillTx/>
+              <a:sym typeface="Helvetica Light"/>
+            </a:endParaRPr>
+          </a:p>
+        </p:txBody>
+      </p:sp>
     </p:spTree>
   </p:cSld>
   <p:clrMapOvr>
     <a:masterClrMapping/>
   </p:clrMapOvr>
-  <p:transition xmlns:p14="http://schemas.microsoft.com/office/powerpoint/2010/main" spd="med" advClick="1" p14:dur="1000"/>
+  <p:transition spd="slow"/>
 </p:sld>
 </file>
 
-<file path=ppt/slides/slide4.xml><?xml version="1.0" encoding="utf-8"?>
-<p:sld xmlns:a="http://schemas.openxmlformats.org/drawingml/2006/main" xmlns:r="http://schemas.openxmlformats.org/officeDocument/2006/relationships" xmlns:p="http://schemas.openxmlformats.org/presentationml/2006/main" showMasterSp="1" showMasterPhAnim="1">
+<file path=ppt/slides/slide5.xml><?xml version="1.0" encoding="utf-8"?>
+<p:sld xmlns:a="http://schemas.openxmlformats.org/drawingml/2006/main" xmlns:r="http://schemas.openxmlformats.org/officeDocument/2006/relationships" xmlns:p="http://schemas.openxmlformats.org/presentationml/2006/main">
   <p:cSld>
     <p:spTree>
       <p:nvGrpSpPr>
@@ -4256,13 +7939,13 @@
             <a:miter lim="400000"/>
           </a:ln>
           <a:effectLst>
-            <a:outerShdw sx="100000" sy="100000" kx="0" ky="0" algn="b" rotWithShape="0" blurRad="0" dist="101600" dir="10800000">
+            <a:outerShdw dist="101600" dir="10800000" rotWithShape="0">
               <a:srgbClr val="33AACC"/>
             </a:outerShdw>
           </a:effectLst>
           <a:extLst>
             <a:ext uri="{C572A759-6A51-4108-AA02-DFA0A04FC94B}">
-              <ma14:wrappingTextBoxFlag xmlns:ma14="http://schemas.microsoft.com/office/mac/drawingml/2011/main" val="1"/>
+              <ma14:wrappingTextBoxFlag xmlns="" xmlns:ma14="http://schemas.microsoft.com/office/mac/drawingml/2011/main" val="1"/>
             </a:ext>
           </a:extLst>
         </p:spPr>
@@ -4319,6 +8002,7 @@
                 <a:sym typeface="Source Code Pro"/>
               </a:defRPr>
             </a:pPr>
+            <a:endParaRPr/>
           </a:p>
           <a:p>
             <a:pPr algn="l" defTabSz="457200">
@@ -4369,12 +8053,12 @@
   <p:clrMapOvr>
     <a:masterClrMapping/>
   </p:clrMapOvr>
-  <p:transition xmlns:p14="http://schemas.microsoft.com/office/powerpoint/2010/main" spd="med" advClick="1" p14:dur="1000"/>
+  <p:transition spd="slow"/>
 </p:sld>
 </file>
 
-<file path=ppt/slides/slide5.xml><?xml version="1.0" encoding="utf-8"?>
-<p:sld xmlns:a="http://schemas.openxmlformats.org/drawingml/2006/main" xmlns:r="http://schemas.openxmlformats.org/officeDocument/2006/relationships" xmlns:p="http://schemas.openxmlformats.org/presentationml/2006/main" showMasterSp="1" showMasterPhAnim="1">
+<file path=ppt/slides/slide6.xml><?xml version="1.0" encoding="utf-8"?>
+<p:sld xmlns:a="http://schemas.openxmlformats.org/drawingml/2006/main" xmlns:r="http://schemas.openxmlformats.org/officeDocument/2006/relationships" xmlns:p="http://schemas.openxmlformats.org/presentationml/2006/main">
   <p:cSld>
     <p:spTree>
       <p:nvGrpSpPr>
@@ -4390,10 +8074,34 @@
           <a:chExt cx="0" cy="0"/>
         </a:xfrm>
       </p:grpSpPr>
+      <p:graphicFrame>
+        <p:nvGraphicFramePr>
+          <p:cNvPr id="10" name="Diagram 9"/>
+          <p:cNvGraphicFramePr/>
+          <p:nvPr>
+            <p:extLst>
+              <p:ext uri="{D42A27DB-BD31-4B8C-83A1-F6EECF244321}">
+                <p14:modId xmlns:p14="http://schemas.microsoft.com/office/powerpoint/2010/main" val="1793630054"/>
+              </p:ext>
+            </p:extLst>
+          </p:nvPr>
+        </p:nvGraphicFramePr>
+        <p:xfrm>
+          <a:off x="1905000" y="3962400"/>
+          <a:ext cx="13487400" cy="8915400"/>
+        </p:xfrm>
+        <a:graphic>
+          <a:graphicData uri="http://schemas.openxmlformats.org/drawingml/2006/diagram">
+            <dgm:relIds xmlns:dgm="http://schemas.openxmlformats.org/drawingml/2006/diagram" xmlns:r="http://schemas.openxmlformats.org/officeDocument/2006/relationships" r:dm="rId2" r:lo="rId3" r:qs="rId4" r:cs="rId5"/>
+          </a:graphicData>
+        </a:graphic>
+      </p:graphicFrame>
       <p:sp>
         <p:nvSpPr>
           <p:cNvPr id="88" name="Shape 88"/>
-          <p:cNvSpPr/>
+          <p:cNvSpPr>
+            <a:spLocks noGrp="1"/>
+          </p:cNvSpPr>
           <p:nvPr>
             <p:ph type="title"/>
           </p:nvPr>
@@ -4404,69 +8112,104 @@
           </a:prstGeom>
         </p:spPr>
         <p:txBody>
-          <a:bodyPr/>
+          <a:bodyPr>
+            <a:normAutofit fontScale="90000"/>
+          </a:bodyPr>
           <a:lstStyle/>
           <a:p>
-            <a:pPr/>
             <a:r>
-              <a:t>Allocation Strategies</a:t>
+              <a:rPr dirty="0" smtClean="0"/>
+              <a:t>Allocation </a:t>
             </a:r>
+            <a:r>
+              <a:rPr lang="nl-BE" dirty="0" smtClean="0"/>
+              <a:t>s</a:t>
+            </a:r>
+            <a:r>
+              <a:rPr dirty="0" err="1" smtClean="0"/>
+              <a:t>trategies</a:t>
+            </a:r>
+            <a:endParaRPr dirty="0"/>
           </a:p>
         </p:txBody>
       </p:sp>
-      <p:sp>
-        <p:nvSpPr>
-          <p:cNvPr id="89" name="Shape 89"/>
-          <p:cNvSpPr/>
+      <p:graphicFrame>
+        <p:nvGraphicFramePr>
+          <p:cNvPr id="6" name="Chart 5"/>
+          <p:cNvGraphicFramePr/>
           <p:nvPr>
-            <p:ph type="body" idx="1"/>
+            <p:extLst>
+              <p:ext uri="{D42A27DB-BD31-4B8C-83A1-F6EECF244321}">
+                <p14:modId xmlns:p14="http://schemas.microsoft.com/office/powerpoint/2010/main" val="4194778224"/>
+              </p:ext>
+            </p:extLst>
           </p:nvPr>
-        </p:nvSpPr>
-        <p:spPr>
-          <a:prstGeom prst="rect">
-            <a:avLst/>
-          </a:prstGeom>
-        </p:spPr>
-        <p:txBody>
-          <a:bodyPr/>
-          <a:lstStyle/>
-          <a:p>
-            <a:pPr/>
-            <a:r>
-              <a:t>Optimize mean and variance (Ch. 4)</a:t>
-            </a:r>
-          </a:p>
-          <a:p>
-            <a:pPr/>
-            <a:r>
-              <a:t>Betting on one asset</a:t>
-            </a:r>
-          </a:p>
-          <a:p>
-            <a:pPr/>
-            <a:r>
-              <a:t>Equal weighting of diversified set of assets</a:t>
-            </a:r>
-          </a:p>
-          <a:p>
-            <a:pPr/>
-            <a:r>
-              <a:t>Market capitalization based on weighting</a:t>
-            </a:r>
-          </a:p>
-        </p:txBody>
-      </p:sp>
+        </p:nvGraphicFramePr>
+        <p:xfrm>
+          <a:off x="2895600" y="8458200"/>
+          <a:ext cx="3657600" cy="2743200"/>
+        </p:xfrm>
+        <a:graphic>
+          <a:graphicData uri="http://schemas.openxmlformats.org/drawingml/2006/chart">
+            <c:chart xmlns:c="http://schemas.openxmlformats.org/drawingml/2006/chart" xmlns:r="http://schemas.openxmlformats.org/officeDocument/2006/relationships" r:id="rId7"/>
+          </a:graphicData>
+        </a:graphic>
+      </p:graphicFrame>
+      <p:graphicFrame>
+        <p:nvGraphicFramePr>
+          <p:cNvPr id="9" name="Chart 8"/>
+          <p:cNvGraphicFramePr/>
+          <p:nvPr>
+            <p:extLst>
+              <p:ext uri="{D42A27DB-BD31-4B8C-83A1-F6EECF244321}">
+                <p14:modId xmlns:p14="http://schemas.microsoft.com/office/powerpoint/2010/main" val="1383544526"/>
+              </p:ext>
+            </p:extLst>
+          </p:nvPr>
+        </p:nvGraphicFramePr>
+        <p:xfrm>
+          <a:off x="10744200" y="8534400"/>
+          <a:ext cx="3124200" cy="2362200"/>
+        </p:xfrm>
+        <a:graphic>
+          <a:graphicData uri="http://schemas.openxmlformats.org/drawingml/2006/chart">
+            <c:chart xmlns:c="http://schemas.openxmlformats.org/drawingml/2006/chart" xmlns:r="http://schemas.openxmlformats.org/officeDocument/2006/relationships" r:id="rId8"/>
+          </a:graphicData>
+        </a:graphic>
+      </p:graphicFrame>
+      <p:graphicFrame>
+        <p:nvGraphicFramePr>
+          <p:cNvPr id="8" name="Chart 7"/>
+          <p:cNvGraphicFramePr/>
+          <p:nvPr>
+            <p:extLst>
+              <p:ext uri="{D42A27DB-BD31-4B8C-83A1-F6EECF244321}">
+                <p14:modId xmlns:p14="http://schemas.microsoft.com/office/powerpoint/2010/main" val="3146979044"/>
+              </p:ext>
+            </p:extLst>
+          </p:nvPr>
+        </p:nvGraphicFramePr>
+        <p:xfrm>
+          <a:off x="10668000" y="6248400"/>
+          <a:ext cx="2514600" cy="2026920"/>
+        </p:xfrm>
+        <a:graphic>
+          <a:graphicData uri="http://schemas.openxmlformats.org/drawingml/2006/chart">
+            <c:chart xmlns:c="http://schemas.openxmlformats.org/drawingml/2006/chart" xmlns:r="http://schemas.openxmlformats.org/officeDocument/2006/relationships" r:id="rId9"/>
+          </a:graphicData>
+        </a:graphic>
+      </p:graphicFrame>
     </p:spTree>
   </p:cSld>
   <p:clrMapOvr>
     <a:masterClrMapping/>
   </p:clrMapOvr>
-  <p:transition xmlns:p14="http://schemas.microsoft.com/office/powerpoint/2010/main" spd="med" advClick="1" p14:dur="1000"/>
+  <p:transition spd="slow"/>
 </p:sld>
 </file>
 
-<file path=ppt/slides/slide6.xml><?xml version="1.0" encoding="utf-8"?>
-<p:sld xmlns:a="http://schemas.openxmlformats.org/drawingml/2006/main" xmlns:r="http://schemas.openxmlformats.org/officeDocument/2006/relationships" xmlns:p="http://schemas.openxmlformats.org/presentationml/2006/main" showMasterSp="1" showMasterPhAnim="1">
+<file path=ppt/slides/slide7.xml><?xml version="1.0" encoding="utf-8"?>
+<p:sld xmlns:a="http://schemas.openxmlformats.org/drawingml/2006/main" xmlns:r="http://schemas.openxmlformats.org/officeDocument/2006/relationships" xmlns:p="http://schemas.openxmlformats.org/presentationml/2006/main">
   <p:cSld>
     <p:spTree>
       <p:nvGrpSpPr>
@@ -4530,7 +8273,7 @@
           </a:ln>
           <a:extLst>
             <a:ext uri="{C572A759-6A51-4108-AA02-DFA0A04FC94B}">
-              <ma14:wrappingTextBoxFlag xmlns:ma14="http://schemas.microsoft.com/office/mac/drawingml/2011/main" val="1"/>
+              <ma14:wrappingTextBoxFlag xmlns="" xmlns:ma14="http://schemas.microsoft.com/office/mac/drawingml/2011/main" val="1"/>
             </a:ext>
           </a:extLst>
         </p:spPr>
@@ -4548,7 +8291,7 @@
                 <a:srgbClr val="2685A2"/>
               </a:buClr>
               <a:buFont typeface="Arial"/>
-              <a:defRPr i="1" sz="3000">
+              <a:defRPr sz="3000" i="1">
                 <a:solidFill>
                   <a:srgbClr val="3A3A3A"/>
                 </a:solidFill>
@@ -4569,12 +8312,12 @@
   <p:clrMapOvr>
     <a:masterClrMapping/>
   </p:clrMapOvr>
-  <p:transition xmlns:p14="http://schemas.microsoft.com/office/powerpoint/2010/main" spd="med" advClick="1" p14:dur="1000"/>
+  <p:transition spd="slow"/>
 </p:sld>
 </file>
 
 <file path=ppt/theme/theme1.xml><?xml version="1.0" encoding="utf-8"?>
-<a:theme xmlns:a="http://schemas.openxmlformats.org/drawingml/2006/main" xmlns:r="http://schemas.openxmlformats.org/officeDocument/2006/relationships" name="White">
+<a:theme xmlns:a="http://schemas.openxmlformats.org/drawingml/2006/main" name="White">
   <a:themeElements>
     <a:clrScheme name="White">
       <a:dk1>
@@ -4700,7 +8443,7 @@
       <a:effectStyleLst>
         <a:effectStyle>
           <a:effectLst>
-            <a:outerShdw sx="100000" sy="100000" kx="0" ky="0" algn="b" rotWithShape="0" blurRad="50800" dist="25400" dir="5400000">
+            <a:outerShdw blurRad="50800" dist="25400" dir="5400000" rotWithShape="0">
               <a:srgbClr val="000000">
                 <a:alpha val="50000"/>
               </a:srgbClr>
@@ -4709,7 +8452,7 @@
         </a:effectStyle>
         <a:effectStyle>
           <a:effectLst>
-            <a:outerShdw sx="100000" sy="100000" kx="0" ky="0" algn="b" rotWithShape="0" blurRad="63500" dist="12700" dir="0">
+            <a:outerShdw blurRad="63500" dist="12700" rotWithShape="0">
               <a:srgbClr val="000000">
                 <a:alpha val="50000"/>
               </a:srgbClr>
@@ -4718,7 +8461,7 @@
         </a:effectStyle>
         <a:effectStyle>
           <a:effectLst>
-            <a:outerShdw sx="100000" sy="100000" kx="0" ky="0" algn="b" rotWithShape="0" blurRad="50800" dist="25400" dir="5400000">
+            <a:outerShdw blurRad="50800" dist="25400" dir="5400000" rotWithShape="0">
               <a:srgbClr val="000000">
                 <a:alpha val="50000"/>
               </a:srgbClr>
@@ -4782,8 +8525,8 @@
     <a:spDef>
       <a:spPr>
         <a:blipFill rotWithShape="1">
-          <a:blip r:embed="rId1"/>
-          <a:srcRect l="0" t="0" r="0" b="0"/>
+          <a:blip xmlns:r="http://schemas.openxmlformats.org/officeDocument/2006/relationships" r:embed="rId1"/>
+          <a:srcRect/>
           <a:tile tx="0" ty="0" sx="100000" sy="100000" flip="none" algn="tl"/>
         </a:blipFill>
         <a:ln w="12700" cap="flat">
@@ -4791,7 +8534,7 @@
           <a:miter lim="400000"/>
         </a:ln>
         <a:effectLst>
-          <a:outerShdw sx="100000" sy="100000" kx="0" ky="0" algn="b" rotWithShape="0" blurRad="50800" dist="25400" dir="5400000">
+          <a:outerShdw blurRad="50800" dist="25400" dir="5400000" rotWithShape="0">
             <a:srgbClr val="000000">
               <a:alpha val="50000"/>
             </a:srgbClr>
@@ -4799,7 +8542,7 @@
         </a:effectLst>
         <a:sp3d/>
       </a:spPr>
-      <a:bodyPr rot="0" spcFirstLastPara="1" vertOverflow="overflow" horzOverflow="overflow" vert="horz" wrap="square" lIns="71437" tIns="71437" rIns="71437" bIns="71437" numCol="1" spcCol="38100" rtlCol="0" anchor="ctr" upright="0">
+      <a:bodyPr rot="0" spcFirstLastPara="1" vertOverflow="overflow" horzOverflow="overflow" vert="horz" wrap="square" lIns="71437" tIns="71437" rIns="71437" bIns="71437" numCol="1" spcCol="38100" rtlCol="0" anchor="ctr">
         <a:spAutoFit/>
       </a:bodyPr>
       <a:lstStyle>
@@ -4818,7 +8561,7 @@
           <a:buFontTx/>
           <a:buNone/>
           <a:tabLst/>
-          <a:defRPr b="0" baseline="0" cap="none" i="0" spc="0" strike="noStrike" sz="3200" u="none" kumimoji="0" normalizeH="0">
+          <a:defRPr kumimoji="0" sz="3200" b="0" i="0" u="none" strike="noStrike" cap="none" spc="0" normalizeH="0" baseline="0">
             <a:ln>
               <a:noFill/>
             </a:ln>
@@ -4848,7 +8591,7 @@
           <a:buFontTx/>
           <a:buNone/>
           <a:tabLst/>
-          <a:defRPr b="0" baseline="0" cap="none" i="0" spc="0" strike="noStrike" sz="1800" u="none" kumimoji="0" normalizeH="0">
+          <a:defRPr kumimoji="0" sz="1800" b="0" i="0" u="none" strike="noStrike" cap="none" spc="0" normalizeH="0" baseline="0">
             <a:ln>
               <a:noFill/>
             </a:ln>
@@ -4874,7 +8617,7 @@
           <a:buFontTx/>
           <a:buNone/>
           <a:tabLst/>
-          <a:defRPr b="0" baseline="0" cap="none" i="0" spc="0" strike="noStrike" sz="1800" u="none" kumimoji="0" normalizeH="0">
+          <a:defRPr kumimoji="0" sz="1800" b="0" i="0" u="none" strike="noStrike" cap="none" spc="0" normalizeH="0" baseline="0">
             <a:ln>
               <a:noFill/>
             </a:ln>
@@ -4900,7 +8643,7 @@
           <a:buFontTx/>
           <a:buNone/>
           <a:tabLst/>
-          <a:defRPr b="0" baseline="0" cap="none" i="0" spc="0" strike="noStrike" sz="1800" u="none" kumimoji="0" normalizeH="0">
+          <a:defRPr kumimoji="0" sz="1800" b="0" i="0" u="none" strike="noStrike" cap="none" spc="0" normalizeH="0" baseline="0">
             <a:ln>
               <a:noFill/>
             </a:ln>
@@ -4926,7 +8669,7 @@
           <a:buFontTx/>
           <a:buNone/>
           <a:tabLst/>
-          <a:defRPr b="0" baseline="0" cap="none" i="0" spc="0" strike="noStrike" sz="1800" u="none" kumimoji="0" normalizeH="0">
+          <a:defRPr kumimoji="0" sz="1800" b="0" i="0" u="none" strike="noStrike" cap="none" spc="0" normalizeH="0" baseline="0">
             <a:ln>
               <a:noFill/>
             </a:ln>
@@ -4952,7 +8695,7 @@
           <a:buFontTx/>
           <a:buNone/>
           <a:tabLst/>
-          <a:defRPr b="0" baseline="0" cap="none" i="0" spc="0" strike="noStrike" sz="1800" u="none" kumimoji="0" normalizeH="0">
+          <a:defRPr kumimoji="0" sz="1800" b="0" i="0" u="none" strike="noStrike" cap="none" spc="0" normalizeH="0" baseline="0">
             <a:ln>
               <a:noFill/>
             </a:ln>
@@ -4978,7 +8721,7 @@
           <a:buFontTx/>
           <a:buNone/>
           <a:tabLst/>
-          <a:defRPr b="0" baseline="0" cap="none" i="0" spc="0" strike="noStrike" sz="1800" u="none" kumimoji="0" normalizeH="0">
+          <a:defRPr kumimoji="0" sz="1800" b="0" i="0" u="none" strike="noStrike" cap="none" spc="0" normalizeH="0" baseline="0">
             <a:ln>
               <a:noFill/>
             </a:ln>
@@ -5004,7 +8747,7 @@
           <a:buFontTx/>
           <a:buNone/>
           <a:tabLst/>
-          <a:defRPr b="0" baseline="0" cap="none" i="0" spc="0" strike="noStrike" sz="1800" u="none" kumimoji="0" normalizeH="0">
+          <a:defRPr kumimoji="0" sz="1800" b="0" i="0" u="none" strike="noStrike" cap="none" spc="0" normalizeH="0" baseline="0">
             <a:ln>
               <a:noFill/>
             </a:ln>
@@ -5030,7 +8773,7 @@
           <a:buFontTx/>
           <a:buNone/>
           <a:tabLst/>
-          <a:defRPr b="0" baseline="0" cap="none" i="0" spc="0" strike="noStrike" sz="1800" u="none" kumimoji="0" normalizeH="0">
+          <a:defRPr kumimoji="0" sz="1800" b="0" i="0" u="none" strike="noStrike" cap="none" spc="0" normalizeH="0" baseline="0">
             <a:ln>
               <a:noFill/>
             </a:ln>
@@ -5056,7 +8799,7 @@
           <a:buFontTx/>
           <a:buNone/>
           <a:tabLst/>
-          <a:defRPr b="0" baseline="0" cap="none" i="0" spc="0" strike="noStrike" sz="1800" u="none" kumimoji="0" normalizeH="0">
+          <a:defRPr kumimoji="0" sz="1800" b="0" i="0" u="none" strike="noStrike" cap="none" spc="0" normalizeH="0" baseline="0">
             <a:ln>
               <a:noFill/>
             </a:ln>
@@ -5069,9 +8812,15 @@
         </a:lvl9pPr>
       </a:lstStyle>
       <a:style>
-        <a:lnRef idx="0"/>
-        <a:fillRef idx="0"/>
-        <a:effectRef idx="0"/>
+        <a:lnRef idx="0">
+          <a:scrgbClr r="0" g="0" b="0"/>
+        </a:lnRef>
+        <a:fillRef idx="0">
+          <a:scrgbClr r="0" g="0" b="0"/>
+        </a:fillRef>
+        <a:effectRef idx="0">
+          <a:scrgbClr r="0" g="0" b="0"/>
+        </a:effectRef>
         <a:fontRef idx="none"/>
       </a:style>
     </a:spDef>
@@ -5088,7 +8837,7 @@
         <a:effectLst/>
         <a:sp3d/>
       </a:spPr>
-      <a:bodyPr rot="0" spcFirstLastPara="1" vertOverflow="overflow" horzOverflow="overflow" vert="horz" wrap="square" lIns="91439" tIns="45719" rIns="91439" bIns="45719" numCol="1" spcCol="38100" rtlCol="0" anchor="t" upright="0">
+      <a:bodyPr rot="0" spcFirstLastPara="1" vertOverflow="overflow" horzOverflow="overflow" vert="horz" wrap="square" lIns="91439" tIns="45719" rIns="91439" bIns="45719" numCol="1" spcCol="38100" rtlCol="0" anchor="t">
         <a:noAutofit/>
       </a:bodyPr>
       <a:lstStyle>
@@ -5107,7 +8856,7 @@
           <a:buFontTx/>
           <a:buNone/>
           <a:tabLst/>
-          <a:defRPr b="0" baseline="0" cap="none" i="0" spc="0" strike="noStrike" sz="1800" u="none" kumimoji="0" normalizeH="0">
+          <a:defRPr kumimoji="0" sz="1800" b="0" i="0" u="none" strike="noStrike" cap="none" spc="0" normalizeH="0" baseline="0">
             <a:ln>
               <a:noFill/>
             </a:ln>
@@ -5133,7 +8882,7 @@
           <a:buFontTx/>
           <a:buNone/>
           <a:tabLst/>
-          <a:defRPr b="0" baseline="0" cap="none" i="0" spc="0" strike="noStrike" sz="1800" u="none" kumimoji="0" normalizeH="0">
+          <a:defRPr kumimoji="0" sz="1800" b="0" i="0" u="none" strike="noStrike" cap="none" spc="0" normalizeH="0" baseline="0">
             <a:ln>
               <a:noFill/>
             </a:ln>
@@ -5159,7 +8908,7 @@
           <a:buFontTx/>
           <a:buNone/>
           <a:tabLst/>
-          <a:defRPr b="0" baseline="0" cap="none" i="0" spc="0" strike="noStrike" sz="1800" u="none" kumimoji="0" normalizeH="0">
+          <a:defRPr kumimoji="0" sz="1800" b="0" i="0" u="none" strike="noStrike" cap="none" spc="0" normalizeH="0" baseline="0">
             <a:ln>
               <a:noFill/>
             </a:ln>
@@ -5185,7 +8934,7 @@
           <a:buFontTx/>
           <a:buNone/>
           <a:tabLst/>
-          <a:defRPr b="0" baseline="0" cap="none" i="0" spc="0" strike="noStrike" sz="1800" u="none" kumimoji="0" normalizeH="0">
+          <a:defRPr kumimoji="0" sz="1800" b="0" i="0" u="none" strike="noStrike" cap="none" spc="0" normalizeH="0" baseline="0">
             <a:ln>
               <a:noFill/>
             </a:ln>
@@ -5211,7 +8960,7 @@
           <a:buFontTx/>
           <a:buNone/>
           <a:tabLst/>
-          <a:defRPr b="0" baseline="0" cap="none" i="0" spc="0" strike="noStrike" sz="1800" u="none" kumimoji="0" normalizeH="0">
+          <a:defRPr kumimoji="0" sz="1800" b="0" i="0" u="none" strike="noStrike" cap="none" spc="0" normalizeH="0" baseline="0">
             <a:ln>
               <a:noFill/>
             </a:ln>
@@ -5237,7 +8986,7 @@
           <a:buFontTx/>
           <a:buNone/>
           <a:tabLst/>
-          <a:defRPr b="0" baseline="0" cap="none" i="0" spc="0" strike="noStrike" sz="1800" u="none" kumimoji="0" normalizeH="0">
+          <a:defRPr kumimoji="0" sz="1800" b="0" i="0" u="none" strike="noStrike" cap="none" spc="0" normalizeH="0" baseline="0">
             <a:ln>
               <a:noFill/>
             </a:ln>
@@ -5263,7 +9012,7 @@
           <a:buFontTx/>
           <a:buNone/>
           <a:tabLst/>
-          <a:defRPr b="0" baseline="0" cap="none" i="0" spc="0" strike="noStrike" sz="1800" u="none" kumimoji="0" normalizeH="0">
+          <a:defRPr kumimoji="0" sz="1800" b="0" i="0" u="none" strike="noStrike" cap="none" spc="0" normalizeH="0" baseline="0">
             <a:ln>
               <a:noFill/>
             </a:ln>
@@ -5289,7 +9038,7 @@
           <a:buFontTx/>
           <a:buNone/>
           <a:tabLst/>
-          <a:defRPr b="0" baseline="0" cap="none" i="0" spc="0" strike="noStrike" sz="1800" u="none" kumimoji="0" normalizeH="0">
+          <a:defRPr kumimoji="0" sz="1800" b="0" i="0" u="none" strike="noStrike" cap="none" spc="0" normalizeH="0" baseline="0">
             <a:ln>
               <a:noFill/>
             </a:ln>
@@ -5315,7 +9064,7 @@
           <a:buFontTx/>
           <a:buNone/>
           <a:tabLst/>
-          <a:defRPr b="0" baseline="0" cap="none" i="0" spc="0" strike="noStrike" sz="1800" u="none" kumimoji="0" normalizeH="0">
+          <a:defRPr kumimoji="0" sz="1800" b="0" i="0" u="none" strike="noStrike" cap="none" spc="0" normalizeH="0" baseline="0">
             <a:ln>
               <a:noFill/>
             </a:ln>
@@ -5341,7 +9090,7 @@
           <a:buFontTx/>
           <a:buNone/>
           <a:tabLst/>
-          <a:defRPr b="0" baseline="0" cap="none" i="0" spc="0" strike="noStrike" sz="1800" u="none" kumimoji="0" normalizeH="0">
+          <a:defRPr kumimoji="0" sz="1800" b="0" i="0" u="none" strike="noStrike" cap="none" spc="0" normalizeH="0" baseline="0">
             <a:ln>
               <a:noFill/>
             </a:ln>
@@ -5354,9 +9103,15 @@
         </a:lvl9pPr>
       </a:lstStyle>
       <a:style>
-        <a:lnRef idx="0"/>
-        <a:fillRef idx="0"/>
-        <a:effectRef idx="0"/>
+        <a:lnRef idx="0">
+          <a:scrgbClr r="0" g="0" b="0"/>
+        </a:lnRef>
+        <a:fillRef idx="0">
+          <a:scrgbClr r="0" g="0" b="0"/>
+        </a:fillRef>
+        <a:effectRef idx="0">
+          <a:scrgbClr r="0" g="0" b="0"/>
+        </a:effectRef>
         <a:fontRef idx="none"/>
       </a:style>
     </a:lnDef>
@@ -5370,7 +9125,7 @@
         <a:effectLst/>
         <a:sp3d/>
       </a:spPr>
-      <a:bodyPr rot="0" spcFirstLastPara="1" vertOverflow="overflow" horzOverflow="overflow" vert="horz" wrap="square" lIns="71437" tIns="71437" rIns="71437" bIns="71437" numCol="1" spcCol="38100" rtlCol="0" anchor="ctr" upright="0">
+      <a:bodyPr rot="0" spcFirstLastPara="1" vertOverflow="overflow" horzOverflow="overflow" vert="horz" wrap="square" lIns="71437" tIns="71437" rIns="71437" bIns="71437" numCol="1" spcCol="38100" rtlCol="0" anchor="ctr">
         <a:spAutoFit/>
       </a:bodyPr>
       <a:lstStyle>
@@ -5389,7 +9144,7 @@
           <a:buFontTx/>
           <a:buNone/>
           <a:tabLst/>
-          <a:defRPr b="0" baseline="0" cap="none" i="0" spc="0" strike="noStrike" sz="5000" u="none" kumimoji="0" normalizeH="0">
+          <a:defRPr kumimoji="0" sz="5000" b="0" i="0" u="none" strike="noStrike" cap="none" spc="0" normalizeH="0" baseline="0">
             <a:ln>
               <a:noFill/>
             </a:ln>
@@ -5419,7 +9174,7 @@
           <a:buFontTx/>
           <a:buNone/>
           <a:tabLst/>
-          <a:defRPr b="0" baseline="0" cap="none" i="0" spc="0" strike="noStrike" sz="1800" u="none" kumimoji="0" normalizeH="0">
+          <a:defRPr kumimoji="0" sz="1800" b="0" i="0" u="none" strike="noStrike" cap="none" spc="0" normalizeH="0" baseline="0">
             <a:ln>
               <a:noFill/>
             </a:ln>
@@ -5445,7 +9200,7 @@
           <a:buFontTx/>
           <a:buNone/>
           <a:tabLst/>
-          <a:defRPr b="0" baseline="0" cap="none" i="0" spc="0" strike="noStrike" sz="1800" u="none" kumimoji="0" normalizeH="0">
+          <a:defRPr kumimoji="0" sz="1800" b="0" i="0" u="none" strike="noStrike" cap="none" spc="0" normalizeH="0" baseline="0">
             <a:ln>
               <a:noFill/>
             </a:ln>
@@ -5471,7 +9226,7 @@
           <a:buFontTx/>
           <a:buNone/>
           <a:tabLst/>
-          <a:defRPr b="0" baseline="0" cap="none" i="0" spc="0" strike="noStrike" sz="1800" u="none" kumimoji="0" normalizeH="0">
+          <a:defRPr kumimoji="0" sz="1800" b="0" i="0" u="none" strike="noStrike" cap="none" spc="0" normalizeH="0" baseline="0">
             <a:ln>
               <a:noFill/>
             </a:ln>
@@ -5497,7 +9252,7 @@
           <a:buFontTx/>
           <a:buNone/>
           <a:tabLst/>
-          <a:defRPr b="0" baseline="0" cap="none" i="0" spc="0" strike="noStrike" sz="1800" u="none" kumimoji="0" normalizeH="0">
+          <a:defRPr kumimoji="0" sz="1800" b="0" i="0" u="none" strike="noStrike" cap="none" spc="0" normalizeH="0" baseline="0">
             <a:ln>
               <a:noFill/>
             </a:ln>
@@ -5523,7 +9278,7 @@
           <a:buFontTx/>
           <a:buNone/>
           <a:tabLst/>
-          <a:defRPr b="0" baseline="0" cap="none" i="0" spc="0" strike="noStrike" sz="1800" u="none" kumimoji="0" normalizeH="0">
+          <a:defRPr kumimoji="0" sz="1800" b="0" i="0" u="none" strike="noStrike" cap="none" spc="0" normalizeH="0" baseline="0">
             <a:ln>
               <a:noFill/>
             </a:ln>
@@ -5549,7 +9304,7 @@
           <a:buFontTx/>
           <a:buNone/>
           <a:tabLst/>
-          <a:defRPr b="0" baseline="0" cap="none" i="0" spc="0" strike="noStrike" sz="1800" u="none" kumimoji="0" normalizeH="0">
+          <a:defRPr kumimoji="0" sz="1800" b="0" i="0" u="none" strike="noStrike" cap="none" spc="0" normalizeH="0" baseline="0">
             <a:ln>
               <a:noFill/>
             </a:ln>
@@ -5575,7 +9330,7 @@
           <a:buFontTx/>
           <a:buNone/>
           <a:tabLst/>
-          <a:defRPr b="0" baseline="0" cap="none" i="0" spc="0" strike="noStrike" sz="1800" u="none" kumimoji="0" normalizeH="0">
+          <a:defRPr kumimoji="0" sz="1800" b="0" i="0" u="none" strike="noStrike" cap="none" spc="0" normalizeH="0" baseline="0">
             <a:ln>
               <a:noFill/>
             </a:ln>
@@ -5601,7 +9356,7 @@
           <a:buFontTx/>
           <a:buNone/>
           <a:tabLst/>
-          <a:defRPr b="0" baseline="0" cap="none" i="0" spc="0" strike="noStrike" sz="1800" u="none" kumimoji="0" normalizeH="0">
+          <a:defRPr kumimoji="0" sz="1800" b="0" i="0" u="none" strike="noStrike" cap="none" spc="0" normalizeH="0" baseline="0">
             <a:ln>
               <a:noFill/>
             </a:ln>
@@ -5627,7 +9382,7 @@
           <a:buFontTx/>
           <a:buNone/>
           <a:tabLst/>
-          <a:defRPr b="0" baseline="0" cap="none" i="0" spc="0" strike="noStrike" sz="1800" u="none" kumimoji="0" normalizeH="0">
+          <a:defRPr kumimoji="0" sz="1800" b="0" i="0" u="none" strike="noStrike" cap="none" spc="0" normalizeH="0" baseline="0">
             <a:ln>
               <a:noFill/>
             </a:ln>
@@ -5640,18 +9395,25 @@
         </a:lvl9pPr>
       </a:lstStyle>
       <a:style>
-        <a:lnRef idx="0"/>
-        <a:fillRef idx="0"/>
-        <a:effectRef idx="0"/>
+        <a:lnRef idx="0">
+          <a:scrgbClr r="0" g="0" b="0"/>
+        </a:lnRef>
+        <a:fillRef idx="0">
+          <a:scrgbClr r="0" g="0" b="0"/>
+        </a:fillRef>
+        <a:effectRef idx="0">
+          <a:scrgbClr r="0" g="0" b="0"/>
+        </a:effectRef>
         <a:fontRef idx="none"/>
       </a:style>
     </a:txDef>
   </a:objectDefaults>
+  <a:extraClrSchemeLst/>
 </a:theme>
 </file>
 
 <file path=ppt/theme/theme2.xml><?xml version="1.0" encoding="utf-8"?>
-<a:theme xmlns:a="http://schemas.openxmlformats.org/drawingml/2006/main" xmlns:r="http://schemas.openxmlformats.org/officeDocument/2006/relationships" name="White">
+<a:theme xmlns:a="http://schemas.openxmlformats.org/drawingml/2006/main" name="White">
   <a:themeElements>
     <a:clrScheme name="White">
       <a:dk1>
@@ -5777,7 +9539,7 @@
       <a:effectStyleLst>
         <a:effectStyle>
           <a:effectLst>
-            <a:outerShdw sx="100000" sy="100000" kx="0" ky="0" algn="b" rotWithShape="0" blurRad="50800" dist="25400" dir="5400000">
+            <a:outerShdw blurRad="50800" dist="25400" dir="5400000" rotWithShape="0">
               <a:srgbClr val="000000">
                 <a:alpha val="50000"/>
               </a:srgbClr>
@@ -5786,7 +9548,7 @@
         </a:effectStyle>
         <a:effectStyle>
           <a:effectLst>
-            <a:outerShdw sx="100000" sy="100000" kx="0" ky="0" algn="b" rotWithShape="0" blurRad="63500" dist="12700" dir="0">
+            <a:outerShdw blurRad="63500" dist="12700" rotWithShape="0">
               <a:srgbClr val="000000">
                 <a:alpha val="50000"/>
               </a:srgbClr>
@@ -5795,7 +9557,7 @@
         </a:effectStyle>
         <a:effectStyle>
           <a:effectLst>
-            <a:outerShdw sx="100000" sy="100000" kx="0" ky="0" algn="b" rotWithShape="0" blurRad="50800" dist="25400" dir="5400000">
+            <a:outerShdw blurRad="50800" dist="25400" dir="5400000" rotWithShape="0">
               <a:srgbClr val="000000">
                 <a:alpha val="50000"/>
               </a:srgbClr>
@@ -5859,8 +9621,8 @@
     <a:spDef>
       <a:spPr>
         <a:blipFill rotWithShape="1">
-          <a:blip r:embed="rId1"/>
-          <a:srcRect l="0" t="0" r="0" b="0"/>
+          <a:blip xmlns:r="http://schemas.openxmlformats.org/officeDocument/2006/relationships" r:embed="rId1"/>
+          <a:srcRect/>
           <a:tile tx="0" ty="0" sx="100000" sy="100000" flip="none" algn="tl"/>
         </a:blipFill>
         <a:ln w="12700" cap="flat">
@@ -5868,7 +9630,7 @@
           <a:miter lim="400000"/>
         </a:ln>
         <a:effectLst>
-          <a:outerShdw sx="100000" sy="100000" kx="0" ky="0" algn="b" rotWithShape="0" blurRad="50800" dist="25400" dir="5400000">
+          <a:outerShdw blurRad="50800" dist="25400" dir="5400000" rotWithShape="0">
             <a:srgbClr val="000000">
               <a:alpha val="50000"/>
             </a:srgbClr>
@@ -5876,7 +9638,7 @@
         </a:effectLst>
         <a:sp3d/>
       </a:spPr>
-      <a:bodyPr rot="0" spcFirstLastPara="1" vertOverflow="overflow" horzOverflow="overflow" vert="horz" wrap="square" lIns="71437" tIns="71437" rIns="71437" bIns="71437" numCol="1" spcCol="38100" rtlCol="0" anchor="ctr" upright="0">
+      <a:bodyPr rot="0" spcFirstLastPara="1" vertOverflow="overflow" horzOverflow="overflow" vert="horz" wrap="square" lIns="71437" tIns="71437" rIns="71437" bIns="71437" numCol="1" spcCol="38100" rtlCol="0" anchor="ctr">
         <a:spAutoFit/>
       </a:bodyPr>
       <a:lstStyle>
@@ -5895,7 +9657,7 @@
           <a:buFontTx/>
           <a:buNone/>
           <a:tabLst/>
-          <a:defRPr b="0" baseline="0" cap="none" i="0" spc="0" strike="noStrike" sz="3200" u="none" kumimoji="0" normalizeH="0">
+          <a:defRPr kumimoji="0" sz="3200" b="0" i="0" u="none" strike="noStrike" cap="none" spc="0" normalizeH="0" baseline="0">
             <a:ln>
               <a:noFill/>
             </a:ln>
@@ -5925,7 +9687,7 @@
           <a:buFontTx/>
           <a:buNone/>
           <a:tabLst/>
-          <a:defRPr b="0" baseline="0" cap="none" i="0" spc="0" strike="noStrike" sz="1800" u="none" kumimoji="0" normalizeH="0">
+          <a:defRPr kumimoji="0" sz="1800" b="0" i="0" u="none" strike="noStrike" cap="none" spc="0" normalizeH="0" baseline="0">
             <a:ln>
               <a:noFill/>
             </a:ln>
@@ -5951,7 +9713,7 @@
           <a:buFontTx/>
           <a:buNone/>
           <a:tabLst/>
-          <a:defRPr b="0" baseline="0" cap="none" i="0" spc="0" strike="noStrike" sz="1800" u="none" kumimoji="0" normalizeH="0">
+          <a:defRPr kumimoji="0" sz="1800" b="0" i="0" u="none" strike="noStrike" cap="none" spc="0" normalizeH="0" baseline="0">
             <a:ln>
               <a:noFill/>
             </a:ln>
@@ -5977,7 +9739,7 @@
           <a:buFontTx/>
           <a:buNone/>
           <a:tabLst/>
-          <a:defRPr b="0" baseline="0" cap="none" i="0" spc="0" strike="noStrike" sz="1800" u="none" kumimoji="0" normalizeH="0">
+          <a:defRPr kumimoji="0" sz="1800" b="0" i="0" u="none" strike="noStrike" cap="none" spc="0" normalizeH="0" baseline="0">
             <a:ln>
               <a:noFill/>
             </a:ln>
@@ -6003,7 +9765,7 @@
           <a:buFontTx/>
           <a:buNone/>
           <a:tabLst/>
-          <a:defRPr b="0" baseline="0" cap="none" i="0" spc="0" strike="noStrike" sz="1800" u="none" kumimoji="0" normalizeH="0">
+          <a:defRPr kumimoji="0" sz="1800" b="0" i="0" u="none" strike="noStrike" cap="none" spc="0" normalizeH="0" baseline="0">
             <a:ln>
               <a:noFill/>
             </a:ln>
@@ -6029,7 +9791,7 @@
           <a:buFontTx/>
           <a:buNone/>
           <a:tabLst/>
-          <a:defRPr b="0" baseline="0" cap="none" i="0" spc="0" strike="noStrike" sz="1800" u="none" kumimoji="0" normalizeH="0">
+          <a:defRPr kumimoji="0" sz="1800" b="0" i="0" u="none" strike="noStrike" cap="none" spc="0" normalizeH="0" baseline="0">
             <a:ln>
               <a:noFill/>
             </a:ln>
@@ -6055,7 +9817,7 @@
           <a:buFontTx/>
           <a:buNone/>
           <a:tabLst/>
-          <a:defRPr b="0" baseline="0" cap="none" i="0" spc="0" strike="noStrike" sz="1800" u="none" kumimoji="0" normalizeH="0">
+          <a:defRPr kumimoji="0" sz="1800" b="0" i="0" u="none" strike="noStrike" cap="none" spc="0" normalizeH="0" baseline="0">
             <a:ln>
               <a:noFill/>
             </a:ln>
@@ -6081,7 +9843,7 @@
           <a:buFontTx/>
           <a:buNone/>
           <a:tabLst/>
-          <a:defRPr b="0" baseline="0" cap="none" i="0" spc="0" strike="noStrike" sz="1800" u="none" kumimoji="0" normalizeH="0">
+          <a:defRPr kumimoji="0" sz="1800" b="0" i="0" u="none" strike="noStrike" cap="none" spc="0" normalizeH="0" baseline="0">
             <a:ln>
               <a:noFill/>
             </a:ln>
@@ -6107,7 +9869,7 @@
           <a:buFontTx/>
           <a:buNone/>
           <a:tabLst/>
-          <a:defRPr b="0" baseline="0" cap="none" i="0" spc="0" strike="noStrike" sz="1800" u="none" kumimoji="0" normalizeH="0">
+          <a:defRPr kumimoji="0" sz="1800" b="0" i="0" u="none" strike="noStrike" cap="none" spc="0" normalizeH="0" baseline="0">
             <a:ln>
               <a:noFill/>
             </a:ln>
@@ -6133,7 +9895,7 @@
           <a:buFontTx/>
           <a:buNone/>
           <a:tabLst/>
-          <a:defRPr b="0" baseline="0" cap="none" i="0" spc="0" strike="noStrike" sz="1800" u="none" kumimoji="0" normalizeH="0">
+          <a:defRPr kumimoji="0" sz="1800" b="0" i="0" u="none" strike="noStrike" cap="none" spc="0" normalizeH="0" baseline="0">
             <a:ln>
               <a:noFill/>
             </a:ln>
@@ -6146,9 +9908,15 @@
         </a:lvl9pPr>
       </a:lstStyle>
       <a:style>
-        <a:lnRef idx="0"/>
-        <a:fillRef idx="0"/>
-        <a:effectRef idx="0"/>
+        <a:lnRef idx="0">
+          <a:scrgbClr r="0" g="0" b="0"/>
+        </a:lnRef>
+        <a:fillRef idx="0">
+          <a:scrgbClr r="0" g="0" b="0"/>
+        </a:fillRef>
+        <a:effectRef idx="0">
+          <a:scrgbClr r="0" g="0" b="0"/>
+        </a:effectRef>
         <a:fontRef idx="none"/>
       </a:style>
     </a:spDef>
@@ -6165,7 +9933,7 @@
         <a:effectLst/>
         <a:sp3d/>
       </a:spPr>
-      <a:bodyPr rot="0" spcFirstLastPara="1" vertOverflow="overflow" horzOverflow="overflow" vert="horz" wrap="square" lIns="91439" tIns="45719" rIns="91439" bIns="45719" numCol="1" spcCol="38100" rtlCol="0" anchor="t" upright="0">
+      <a:bodyPr rot="0" spcFirstLastPara="1" vertOverflow="overflow" horzOverflow="overflow" vert="horz" wrap="square" lIns="91439" tIns="45719" rIns="91439" bIns="45719" numCol="1" spcCol="38100" rtlCol="0" anchor="t">
         <a:noAutofit/>
       </a:bodyPr>
       <a:lstStyle>
@@ -6184,7 +9952,7 @@
           <a:buFontTx/>
           <a:buNone/>
           <a:tabLst/>
-          <a:defRPr b="0" baseline="0" cap="none" i="0" spc="0" strike="noStrike" sz="1800" u="none" kumimoji="0" normalizeH="0">
+          <a:defRPr kumimoji="0" sz="1800" b="0" i="0" u="none" strike="noStrike" cap="none" spc="0" normalizeH="0" baseline="0">
             <a:ln>
               <a:noFill/>
             </a:ln>
@@ -6210,7 +9978,7 @@
           <a:buFontTx/>
           <a:buNone/>
           <a:tabLst/>
-          <a:defRPr b="0" baseline="0" cap="none" i="0" spc="0" strike="noStrike" sz="1800" u="none" kumimoji="0" normalizeH="0">
+          <a:defRPr kumimoji="0" sz="1800" b="0" i="0" u="none" strike="noStrike" cap="none" spc="0" normalizeH="0" baseline="0">
             <a:ln>
               <a:noFill/>
             </a:ln>
@@ -6236,7 +10004,7 @@
           <a:buFontTx/>
           <a:buNone/>
           <a:tabLst/>
-          <a:defRPr b="0" baseline="0" cap="none" i="0" spc="0" strike="noStrike" sz="1800" u="none" kumimoji="0" normalizeH="0">
+          <a:defRPr kumimoji="0" sz="1800" b="0" i="0" u="none" strike="noStrike" cap="none" spc="0" normalizeH="0" baseline="0">
             <a:ln>
               <a:noFill/>
             </a:ln>
@@ -6262,7 +10030,7 @@
           <a:buFontTx/>
           <a:buNone/>
           <a:tabLst/>
-          <a:defRPr b="0" baseline="0" cap="none" i="0" spc="0" strike="noStrike" sz="1800" u="none" kumimoji="0" normalizeH="0">
+          <a:defRPr kumimoji="0" sz="1800" b="0" i="0" u="none" strike="noStrike" cap="none" spc="0" normalizeH="0" baseline="0">
             <a:ln>
               <a:noFill/>
             </a:ln>
@@ -6288,7 +10056,7 @@
           <a:buFontTx/>
           <a:buNone/>
           <a:tabLst/>
-          <a:defRPr b="0" baseline="0" cap="none" i="0" spc="0" strike="noStrike" sz="1800" u="none" kumimoji="0" normalizeH="0">
+          <a:defRPr kumimoji="0" sz="1800" b="0" i="0" u="none" strike="noStrike" cap="none" spc="0" normalizeH="0" baseline="0">
             <a:ln>
               <a:noFill/>
             </a:ln>
@@ -6314,7 +10082,7 @@
           <a:buFontTx/>
           <a:buNone/>
           <a:tabLst/>
-          <a:defRPr b="0" baseline="0" cap="none" i="0" spc="0" strike="noStrike" sz="1800" u="none" kumimoji="0" normalizeH="0">
+          <a:defRPr kumimoji="0" sz="1800" b="0" i="0" u="none" strike="noStrike" cap="none" spc="0" normalizeH="0" baseline="0">
             <a:ln>
               <a:noFill/>
             </a:ln>
@@ -6340,7 +10108,7 @@
           <a:buFontTx/>
           <a:buNone/>
           <a:tabLst/>
-          <a:defRPr b="0" baseline="0" cap="none" i="0" spc="0" strike="noStrike" sz="1800" u="none" kumimoji="0" normalizeH="0">
+          <a:defRPr kumimoji="0" sz="1800" b="0" i="0" u="none" strike="noStrike" cap="none" spc="0" normalizeH="0" baseline="0">
             <a:ln>
               <a:noFill/>
             </a:ln>
@@ -6366,7 +10134,7 @@
           <a:buFontTx/>
           <a:buNone/>
           <a:tabLst/>
-          <a:defRPr b="0" baseline="0" cap="none" i="0" spc="0" strike="noStrike" sz="1800" u="none" kumimoji="0" normalizeH="0">
+          <a:defRPr kumimoji="0" sz="1800" b="0" i="0" u="none" strike="noStrike" cap="none" spc="0" normalizeH="0" baseline="0">
             <a:ln>
               <a:noFill/>
             </a:ln>
@@ -6392,7 +10160,7 @@
           <a:buFontTx/>
           <a:buNone/>
           <a:tabLst/>
-          <a:defRPr b="0" baseline="0" cap="none" i="0" spc="0" strike="noStrike" sz="1800" u="none" kumimoji="0" normalizeH="0">
+          <a:defRPr kumimoji="0" sz="1800" b="0" i="0" u="none" strike="noStrike" cap="none" spc="0" normalizeH="0" baseline="0">
             <a:ln>
               <a:noFill/>
             </a:ln>
@@ -6418,7 +10186,7 @@
           <a:buFontTx/>
           <a:buNone/>
           <a:tabLst/>
-          <a:defRPr b="0" baseline="0" cap="none" i="0" spc="0" strike="noStrike" sz="1800" u="none" kumimoji="0" normalizeH="0">
+          <a:defRPr kumimoji="0" sz="1800" b="0" i="0" u="none" strike="noStrike" cap="none" spc="0" normalizeH="0" baseline="0">
             <a:ln>
               <a:noFill/>
             </a:ln>
@@ -6431,9 +10199,15 @@
         </a:lvl9pPr>
       </a:lstStyle>
       <a:style>
-        <a:lnRef idx="0"/>
-        <a:fillRef idx="0"/>
-        <a:effectRef idx="0"/>
+        <a:lnRef idx="0">
+          <a:scrgbClr r="0" g="0" b="0"/>
+        </a:lnRef>
+        <a:fillRef idx="0">
+          <a:scrgbClr r="0" g="0" b="0"/>
+        </a:fillRef>
+        <a:effectRef idx="0">
+          <a:scrgbClr r="0" g="0" b="0"/>
+        </a:effectRef>
         <a:fontRef idx="none"/>
       </a:style>
     </a:lnDef>
@@ -6447,7 +10221,7 @@
         <a:effectLst/>
         <a:sp3d/>
       </a:spPr>
-      <a:bodyPr rot="0" spcFirstLastPara="1" vertOverflow="overflow" horzOverflow="overflow" vert="horz" wrap="square" lIns="71437" tIns="71437" rIns="71437" bIns="71437" numCol="1" spcCol="38100" rtlCol="0" anchor="ctr" upright="0">
+      <a:bodyPr rot="0" spcFirstLastPara="1" vertOverflow="overflow" horzOverflow="overflow" vert="horz" wrap="square" lIns="71437" tIns="71437" rIns="71437" bIns="71437" numCol="1" spcCol="38100" rtlCol="0" anchor="ctr">
         <a:spAutoFit/>
       </a:bodyPr>
       <a:lstStyle>
@@ -6466,7 +10240,7 @@
           <a:buFontTx/>
           <a:buNone/>
           <a:tabLst/>
-          <a:defRPr b="0" baseline="0" cap="none" i="0" spc="0" strike="noStrike" sz="5000" u="none" kumimoji="0" normalizeH="0">
+          <a:defRPr kumimoji="0" sz="5000" b="0" i="0" u="none" strike="noStrike" cap="none" spc="0" normalizeH="0" baseline="0">
             <a:ln>
               <a:noFill/>
             </a:ln>
@@ -6496,7 +10270,7 @@
           <a:buFontTx/>
           <a:buNone/>
           <a:tabLst/>
-          <a:defRPr b="0" baseline="0" cap="none" i="0" spc="0" strike="noStrike" sz="1800" u="none" kumimoji="0" normalizeH="0">
+          <a:defRPr kumimoji="0" sz="1800" b="0" i="0" u="none" strike="noStrike" cap="none" spc="0" normalizeH="0" baseline="0">
             <a:ln>
               <a:noFill/>
             </a:ln>
@@ -6522,7 +10296,7 @@
           <a:buFontTx/>
           <a:buNone/>
           <a:tabLst/>
-          <a:defRPr b="0" baseline="0" cap="none" i="0" spc="0" strike="noStrike" sz="1800" u="none" kumimoji="0" normalizeH="0">
+          <a:defRPr kumimoji="0" sz="1800" b="0" i="0" u="none" strike="noStrike" cap="none" spc="0" normalizeH="0" baseline="0">
             <a:ln>
               <a:noFill/>
             </a:ln>
@@ -6548,7 +10322,7 @@
           <a:buFontTx/>
           <a:buNone/>
           <a:tabLst/>
-          <a:defRPr b="0" baseline="0" cap="none" i="0" spc="0" strike="noStrike" sz="1800" u="none" kumimoji="0" normalizeH="0">
+          <a:defRPr kumimoji="0" sz="1800" b="0" i="0" u="none" strike="noStrike" cap="none" spc="0" normalizeH="0" baseline="0">
             <a:ln>
               <a:noFill/>
             </a:ln>
@@ -6574,7 +10348,7 @@
           <a:buFontTx/>
           <a:buNone/>
           <a:tabLst/>
-          <a:defRPr b="0" baseline="0" cap="none" i="0" spc="0" strike="noStrike" sz="1800" u="none" kumimoji="0" normalizeH="0">
+          <a:defRPr kumimoji="0" sz="1800" b="0" i="0" u="none" strike="noStrike" cap="none" spc="0" normalizeH="0" baseline="0">
             <a:ln>
               <a:noFill/>
             </a:ln>
@@ -6600,7 +10374,7 @@
           <a:buFontTx/>
           <a:buNone/>
           <a:tabLst/>
-          <a:defRPr b="0" baseline="0" cap="none" i="0" spc="0" strike="noStrike" sz="1800" u="none" kumimoji="0" normalizeH="0">
+          <a:defRPr kumimoji="0" sz="1800" b="0" i="0" u="none" strike="noStrike" cap="none" spc="0" normalizeH="0" baseline="0">
             <a:ln>
               <a:noFill/>
             </a:ln>
@@ -6626,7 +10400,7 @@
           <a:buFontTx/>
           <a:buNone/>
           <a:tabLst/>
-          <a:defRPr b="0" baseline="0" cap="none" i="0" spc="0" strike="noStrike" sz="1800" u="none" kumimoji="0" normalizeH="0">
+          <a:defRPr kumimoji="0" sz="1800" b="0" i="0" u="none" strike="noStrike" cap="none" spc="0" normalizeH="0" baseline="0">
             <a:ln>
               <a:noFill/>
             </a:ln>
@@ -6652,7 +10426,7 @@
           <a:buFontTx/>
           <a:buNone/>
           <a:tabLst/>
-          <a:defRPr b="0" baseline="0" cap="none" i="0" spc="0" strike="noStrike" sz="1800" u="none" kumimoji="0" normalizeH="0">
+          <a:defRPr kumimoji="0" sz="1800" b="0" i="0" u="none" strike="noStrike" cap="none" spc="0" normalizeH="0" baseline="0">
             <a:ln>
               <a:noFill/>
             </a:ln>
@@ -6678,7 +10452,7 @@
           <a:buFontTx/>
           <a:buNone/>
           <a:tabLst/>
-          <a:defRPr b="0" baseline="0" cap="none" i="0" spc="0" strike="noStrike" sz="1800" u="none" kumimoji="0" normalizeH="0">
+          <a:defRPr kumimoji="0" sz="1800" b="0" i="0" u="none" strike="noStrike" cap="none" spc="0" normalizeH="0" baseline="0">
             <a:ln>
               <a:noFill/>
             </a:ln>
@@ -6704,7 +10478,7 @@
           <a:buFontTx/>
           <a:buNone/>
           <a:tabLst/>
-          <a:defRPr b="0" baseline="0" cap="none" i="0" spc="0" strike="noStrike" sz="1800" u="none" kumimoji="0" normalizeH="0">
+          <a:defRPr kumimoji="0" sz="1800" b="0" i="0" u="none" strike="noStrike" cap="none" spc="0" normalizeH="0" baseline="0">
             <a:ln>
               <a:noFill/>
             </a:ln>
@@ -6717,12 +10491,19 @@
         </a:lvl9pPr>
       </a:lstStyle>
       <a:style>
-        <a:lnRef idx="0"/>
-        <a:fillRef idx="0"/>
-        <a:effectRef idx="0"/>
+        <a:lnRef idx="0">
+          <a:scrgbClr r="0" g="0" b="0"/>
+        </a:lnRef>
+        <a:fillRef idx="0">
+          <a:scrgbClr r="0" g="0" b="0"/>
+        </a:fillRef>
+        <a:effectRef idx="0">
+          <a:scrgbClr r="0" g="0" b="0"/>
+        </a:effectRef>
         <a:fontRef idx="none"/>
       </a:style>
     </a:txDef>
   </a:objectDefaults>
+  <a:extraClrSchemeLst/>
 </a:theme>
 </file>